--- a/Lab 3/Lab 3 - presentation.pptx
+++ b/Lab 3/Lab 3 - presentation.pptx
@@ -2,23 +2,20 @@
 <file path=ppt/presentation.xml><?xml version="1.0" encoding="utf-8"?>
 <p:presentation xmlns:a="http://schemas.openxmlformats.org/drawingml/2006/main" xmlns:r="http://schemas.openxmlformats.org/officeDocument/2006/relationships" xmlns:p="http://schemas.openxmlformats.org/presentationml/2006/main" saveSubsetFonts="1">
   <p:sldMasterIdLst>
-    <p:sldMasterId id="2147483858" r:id="rId1"/>
+    <p:sldMasterId id="2147483966" r:id="rId1"/>
   </p:sldMasterIdLst>
   <p:sldIdLst>
     <p:sldId id="256" r:id="rId2"/>
     <p:sldId id="267" r:id="rId3"/>
     <p:sldId id="268" r:id="rId4"/>
     <p:sldId id="275" r:id="rId5"/>
-    <p:sldId id="269" r:id="rId6"/>
-    <p:sldId id="270" r:id="rId7"/>
-    <p:sldId id="257" r:id="rId8"/>
-    <p:sldId id="258" r:id="rId9"/>
-    <p:sldId id="259" r:id="rId10"/>
-    <p:sldId id="271" r:id="rId11"/>
-    <p:sldId id="272" r:id="rId12"/>
-    <p:sldId id="273" r:id="rId13"/>
-    <p:sldId id="274" r:id="rId14"/>
-    <p:sldId id="265" r:id="rId15"/>
+    <p:sldId id="258" r:id="rId6"/>
+    <p:sldId id="279" r:id="rId7"/>
+    <p:sldId id="283" r:id="rId8"/>
+    <p:sldId id="277" r:id="rId9"/>
+    <p:sldId id="280" r:id="rId10"/>
+    <p:sldId id="286" r:id="rId11"/>
+    <p:sldId id="287" r:id="rId12"/>
   </p:sldIdLst>
   <p:sldSz cx="12192000" cy="6858000"/>
   <p:notesSz cx="6858000" cy="9144000"/>
@@ -128,7 +125,7 @@
 <file path=ppt/revisionInfo.xml><?xml version="1.0" encoding="utf-8"?>
 <p1510:revInfo xmlns:a="http://schemas.openxmlformats.org/drawingml/2006/main" xmlns:r="http://schemas.openxmlformats.org/officeDocument/2006/relationships" xmlns:p1510="http://schemas.microsoft.com/office/powerpoint/2015/10/main">
   <p1510:revLst>
-    <p1510:client id="{D8044BFB-ECB7-4860-8B53-8AB623343355}" v="93" dt="2019-10-22T23:35:57.244"/>
+    <p1510:client id="{D8044BFB-ECB7-4860-8B53-8AB623343355}" v="169" dt="2019-10-23T00:55:28.836"/>
   </p1510:revLst>
 </p1510:revInfo>
 </file>
@@ -137,19 +134,19 @@
 <pc:chgInfo xmlns:a="http://schemas.openxmlformats.org/drawingml/2006/main" xmlns:r="http://schemas.openxmlformats.org/officeDocument/2006/relationships" xmlns:ac="http://schemas.microsoft.com/office/drawing/2013/main/command" xmlns:pc="http://schemas.microsoft.com/office/powerpoint/2013/main/command">
   <pc:docChgLst>
     <pc:chgData name="Franco Ruggeri" userId="f8fb41c0b3afb4f0" providerId="LiveId" clId="{D8044BFB-ECB7-4860-8B53-8AB623343355}"/>
-    <pc:docChg chg="undo custSel mod addSld delSld modSld">
-      <pc:chgData name="Franco Ruggeri" userId="f8fb41c0b3afb4f0" providerId="LiveId" clId="{D8044BFB-ECB7-4860-8B53-8AB623343355}" dt="2019-10-22T23:36:46.902" v="1213" actId="20577"/>
+    <pc:docChg chg="undo custSel mod addSld delSld modSld sldOrd">
+      <pc:chgData name="Franco Ruggeri" userId="f8fb41c0b3afb4f0" providerId="LiveId" clId="{D8044BFB-ECB7-4860-8B53-8AB623343355}" dt="2019-10-23T01:05:16.756" v="3539" actId="20577"/>
       <pc:docMkLst>
         <pc:docMk/>
       </pc:docMkLst>
-      <pc:sldChg chg="addSp delSp modSp mod setBg setClrOvrMap">
-        <pc:chgData name="Franco Ruggeri" userId="f8fb41c0b3afb4f0" providerId="LiveId" clId="{D8044BFB-ECB7-4860-8B53-8AB623343355}" dt="2019-10-22T23:18:40.976" v="95" actId="20577"/>
+      <pc:sldChg chg="addSp delSp modSp mod setBg setClrOvrMap delDesignElem">
+        <pc:chgData name="Franco Ruggeri" userId="f8fb41c0b3afb4f0" providerId="LiveId" clId="{D8044BFB-ECB7-4860-8B53-8AB623343355}" dt="2019-10-23T00:03:27.140" v="1885" actId="26606"/>
         <pc:sldMkLst>
           <pc:docMk/>
           <pc:sldMk cId="2719302411" sldId="256"/>
         </pc:sldMkLst>
         <pc:spChg chg="mod">
-          <ac:chgData name="Franco Ruggeri" userId="f8fb41c0b3afb4f0" providerId="LiveId" clId="{D8044BFB-ECB7-4860-8B53-8AB623343355}" dt="2019-10-22T23:18:38.507" v="93" actId="20577"/>
+          <ac:chgData name="Franco Ruggeri" userId="f8fb41c0b3afb4f0" providerId="LiveId" clId="{D8044BFB-ECB7-4860-8B53-8AB623343355}" dt="2019-10-23T00:03:27.096" v="1884" actId="26606"/>
           <ac:spMkLst>
             <pc:docMk/>
             <pc:sldMk cId="2719302411" sldId="256"/>
@@ -157,7 +154,7 @@
           </ac:spMkLst>
         </pc:spChg>
         <pc:spChg chg="mod">
-          <ac:chgData name="Franco Ruggeri" userId="f8fb41c0b3afb4f0" providerId="LiveId" clId="{D8044BFB-ECB7-4860-8B53-8AB623343355}" dt="2019-10-22T23:18:40.976" v="95" actId="20577"/>
+          <ac:chgData name="Franco Ruggeri" userId="f8fb41c0b3afb4f0" providerId="LiveId" clId="{D8044BFB-ECB7-4860-8B53-8AB623343355}" dt="2019-10-23T00:03:27.096" v="1884" actId="26606"/>
           <ac:spMkLst>
             <pc:docMk/>
             <pc:sldMk cId="2719302411" sldId="256"/>
@@ -165,6 +162,14 @@
           </ac:spMkLst>
         </pc:spChg>
         <pc:spChg chg="add del">
+          <ac:chgData name="Franco Ruggeri" userId="f8fb41c0b3afb4f0" providerId="LiveId" clId="{D8044BFB-ECB7-4860-8B53-8AB623343355}" dt="2019-10-23T00:03:27.096" v="1884" actId="26606"/>
+          <ac:spMkLst>
+            <pc:docMk/>
+            <pc:sldMk cId="2719302411" sldId="256"/>
+            <ac:spMk id="5" creationId="{E770CA6A-B3B0-4826-A91F-B2B1F8922026}"/>
+          </ac:spMkLst>
+        </pc:spChg>
+        <pc:spChg chg="add del">
           <ac:chgData name="Franco Ruggeri" userId="f8fb41c0b3afb4f0" providerId="LiveId" clId="{D8044BFB-ECB7-4860-8B53-8AB623343355}" dt="2019-10-22T23:18:29.541" v="59" actId="26606"/>
           <ac:spMkLst>
             <pc:docMk/>
@@ -173,29 +178,69 @@
           </ac:spMkLst>
         </pc:spChg>
         <pc:spChg chg="add">
-          <ac:chgData name="Franco Ruggeri" userId="f8fb41c0b3afb4f0" providerId="LiveId" clId="{D8044BFB-ECB7-4860-8B53-8AB623343355}" dt="2019-10-22T23:18:29.598" v="60" actId="26606"/>
+          <ac:chgData name="Franco Ruggeri" userId="f8fb41c0b3afb4f0" providerId="LiveId" clId="{D8044BFB-ECB7-4860-8B53-8AB623343355}" dt="2019-10-23T00:03:27.140" v="1885" actId="26606"/>
+          <ac:spMkLst>
+            <pc:docMk/>
+            <pc:sldMk cId="2719302411" sldId="256"/>
+            <ac:spMk id="9" creationId="{9CD9ACDE-8038-488C-AB0C-5FD1A373C8CD}"/>
+          </ac:spMkLst>
+        </pc:spChg>
+        <pc:spChg chg="add">
+          <ac:chgData name="Franco Ruggeri" userId="f8fb41c0b3afb4f0" providerId="LiveId" clId="{D8044BFB-ECB7-4860-8B53-8AB623343355}" dt="2019-10-23T00:03:27.140" v="1885" actId="26606"/>
+          <ac:spMkLst>
+            <pc:docMk/>
+            <pc:sldMk cId="2719302411" sldId="256"/>
+            <ac:spMk id="11" creationId="{DA6C2449-5F66-4753-AAA3-4AD81E57A0E5}"/>
+          </ac:spMkLst>
+        </pc:spChg>
+        <pc:spChg chg="add del">
+          <ac:chgData name="Franco Ruggeri" userId="f8fb41c0b3afb4f0" providerId="LiveId" clId="{D8044BFB-ECB7-4860-8B53-8AB623343355}" dt="2019-10-23T00:03:01.352" v="1882"/>
           <ac:spMkLst>
             <pc:docMk/>
             <pc:sldMk cId="2719302411" sldId="256"/>
             <ac:spMk id="13" creationId="{9CD9ACDE-8038-488C-AB0C-5FD1A373C8CD}"/>
           </ac:spMkLst>
         </pc:spChg>
-        <pc:spChg chg="add">
-          <ac:chgData name="Franco Ruggeri" userId="f8fb41c0b3afb4f0" providerId="LiveId" clId="{D8044BFB-ECB7-4860-8B53-8AB623343355}" dt="2019-10-22T23:18:29.598" v="60" actId="26606"/>
+        <pc:spChg chg="add del">
+          <ac:chgData name="Franco Ruggeri" userId="f8fb41c0b3afb4f0" providerId="LiveId" clId="{D8044BFB-ECB7-4860-8B53-8AB623343355}" dt="2019-10-23T00:03:01.352" v="1882"/>
           <ac:spMkLst>
             <pc:docMk/>
             <pc:sldMk cId="2719302411" sldId="256"/>
             <ac:spMk id="14" creationId="{DA6C2449-5F66-4753-AAA3-4AD81E57A0E5}"/>
           </ac:spMkLst>
         </pc:spChg>
-        <pc:picChg chg="add">
-          <ac:chgData name="Franco Ruggeri" userId="f8fb41c0b3afb4f0" providerId="LiveId" clId="{D8044BFB-ECB7-4860-8B53-8AB623343355}" dt="2019-10-22T23:18:29.598" v="60" actId="26606"/>
+        <pc:picChg chg="add del">
+          <ac:chgData name="Franco Ruggeri" userId="f8fb41c0b3afb4f0" providerId="LiveId" clId="{D8044BFB-ECB7-4860-8B53-8AB623343355}" dt="2019-10-23T00:03:27.096" v="1884" actId="26606"/>
+          <ac:picMkLst>
+            <pc:docMk/>
+            <pc:sldMk cId="2719302411" sldId="256"/>
+            <ac:picMk id="6" creationId="{FDB47024-63DA-46E1-9182-136173A3FCDE}"/>
+          </ac:picMkLst>
+        </pc:picChg>
+        <pc:picChg chg="add del">
+          <ac:chgData name="Franco Ruggeri" userId="f8fb41c0b3afb4f0" providerId="LiveId" clId="{D8044BFB-ECB7-4860-8B53-8AB623343355}" dt="2019-10-23T00:03:01.352" v="1882"/>
           <ac:picMkLst>
             <pc:docMk/>
             <pc:sldMk cId="2719302411" sldId="256"/>
             <ac:picMk id="12" creationId="{D6574459-C046-4C49-8130-7114EBC6884B}"/>
           </ac:picMkLst>
         </pc:picChg>
+        <pc:picChg chg="add">
+          <ac:chgData name="Franco Ruggeri" userId="f8fb41c0b3afb4f0" providerId="LiveId" clId="{D8044BFB-ECB7-4860-8B53-8AB623343355}" dt="2019-10-23T00:03:27.140" v="1885" actId="26606"/>
+          <ac:picMkLst>
+            <pc:docMk/>
+            <pc:sldMk cId="2719302411" sldId="256"/>
+            <ac:picMk id="15" creationId="{CD0D7273-5B64-4961-B265-440B9FB9E6E5}"/>
+          </ac:picMkLst>
+        </pc:picChg>
+        <pc:cxnChg chg="add del">
+          <ac:chgData name="Franco Ruggeri" userId="f8fb41c0b3afb4f0" providerId="LiveId" clId="{D8044BFB-ECB7-4860-8B53-8AB623343355}" dt="2019-10-23T00:03:27.096" v="1884" actId="26606"/>
+          <ac:cxnSpMkLst>
+            <pc:docMk/>
+            <pc:sldMk cId="2719302411" sldId="256"/>
+            <ac:cxnSpMk id="7" creationId="{6FE641DB-A503-41DE-ACA6-36B41C6C2BE9}"/>
+          </ac:cxnSpMkLst>
+        </pc:cxnChg>
         <pc:cxnChg chg="add del">
           <ac:chgData name="Franco Ruggeri" userId="f8fb41c0b3afb4f0" providerId="LiveId" clId="{D8044BFB-ECB7-4860-8B53-8AB623343355}" dt="2019-10-22T23:18:29.541" v="59" actId="26606"/>
           <ac:cxnSpMkLst>
@@ -205,8 +250,8 @@
           </ac:cxnSpMkLst>
         </pc:cxnChg>
       </pc:sldChg>
-      <pc:sldChg chg="modSp">
-        <pc:chgData name="Franco Ruggeri" userId="f8fb41c0b3afb4f0" providerId="LiveId" clId="{D8044BFB-ECB7-4860-8B53-8AB623343355}" dt="2019-10-22T23:18:11.697" v="55"/>
+      <pc:sldChg chg="modSp del">
+        <pc:chgData name="Franco Ruggeri" userId="f8fb41c0b3afb4f0" providerId="LiveId" clId="{D8044BFB-ECB7-4860-8B53-8AB623343355}" dt="2019-10-23T00:18:14.985" v="2327" actId="2696"/>
         <pc:sldMkLst>
           <pc:docMk/>
           <pc:sldMk cId="1469382393" sldId="257"/>
@@ -220,8 +265,70 @@
           </ac:spMkLst>
         </pc:spChg>
       </pc:sldChg>
-      <pc:sldChg chg="modSp">
-        <pc:chgData name="Franco Ruggeri" userId="f8fb41c0b3afb4f0" providerId="LiveId" clId="{D8044BFB-ECB7-4860-8B53-8AB623343355}" dt="2019-10-22T23:18:11.697" v="55"/>
+      <pc:sldChg chg="addSp delSp modSp ord">
+        <pc:chgData name="Franco Ruggeri" userId="f8fb41c0b3afb4f0" providerId="LiveId" clId="{D8044BFB-ECB7-4860-8B53-8AB623343355}" dt="2019-10-23T00:49:23.459" v="2865" actId="20577"/>
+        <pc:sldMkLst>
+          <pc:docMk/>
+          <pc:sldMk cId="3011724712" sldId="258"/>
+        </pc:sldMkLst>
+        <pc:spChg chg="mod">
+          <ac:chgData name="Franco Ruggeri" userId="f8fb41c0b3afb4f0" providerId="LiveId" clId="{D8044BFB-ECB7-4860-8B53-8AB623343355}" dt="2019-10-22T23:51:14.757" v="1264" actId="26606"/>
+          <ac:spMkLst>
+            <pc:docMk/>
+            <pc:sldMk cId="3011724712" sldId="258"/>
+            <ac:spMk id="2" creationId="{65894461-A0E5-40BB-833E-30261F54E070}"/>
+          </ac:spMkLst>
+        </pc:spChg>
+        <pc:spChg chg="mod">
+          <ac:chgData name="Franco Ruggeri" userId="f8fb41c0b3afb4f0" providerId="LiveId" clId="{D8044BFB-ECB7-4860-8B53-8AB623343355}" dt="2019-10-23T00:49:23.459" v="2865" actId="20577"/>
+          <ac:spMkLst>
+            <pc:docMk/>
+            <pc:sldMk cId="3011724712" sldId="258"/>
+            <ac:spMk id="11" creationId="{B3BC52A2-872E-47FE-875C-DEBA489A726F}"/>
+          </ac:spMkLst>
+        </pc:spChg>
+        <pc:picChg chg="add mod ord">
+          <ac:chgData name="Franco Ruggeri" userId="f8fb41c0b3afb4f0" providerId="LiveId" clId="{D8044BFB-ECB7-4860-8B53-8AB623343355}" dt="2019-10-22T23:51:14.757" v="1264" actId="26606"/>
+          <ac:picMkLst>
+            <pc:docMk/>
+            <pc:sldMk cId="3011724712" sldId="258"/>
+            <ac:picMk id="6" creationId="{5BCCCDC7-4FB7-4083-BF85-CA9DED6FA23B}"/>
+          </ac:picMkLst>
+        </pc:picChg>
+        <pc:picChg chg="add mod">
+          <ac:chgData name="Franco Ruggeri" userId="f8fb41c0b3afb4f0" providerId="LiveId" clId="{D8044BFB-ECB7-4860-8B53-8AB623343355}" dt="2019-10-22T23:51:14.757" v="1264" actId="26606"/>
+          <ac:picMkLst>
+            <pc:docMk/>
+            <pc:sldMk cId="3011724712" sldId="258"/>
+            <ac:picMk id="7" creationId="{E0847D8F-5158-45A0-ABD6-47164754EAE1}"/>
+          </ac:picMkLst>
+        </pc:picChg>
+        <pc:picChg chg="del">
+          <ac:chgData name="Franco Ruggeri" userId="f8fb41c0b3afb4f0" providerId="LiveId" clId="{D8044BFB-ECB7-4860-8B53-8AB623343355}" dt="2019-10-22T23:51:01.091" v="1261" actId="478"/>
+          <ac:picMkLst>
+            <pc:docMk/>
+            <pc:sldMk cId="3011724712" sldId="258"/>
+            <ac:picMk id="8" creationId="{5B720115-8925-46FA-8E0E-18CDECB097DA}"/>
+          </ac:picMkLst>
+        </pc:picChg>
+        <pc:picChg chg="del">
+          <ac:chgData name="Franco Ruggeri" userId="f8fb41c0b3afb4f0" providerId="LiveId" clId="{D8044BFB-ECB7-4860-8B53-8AB623343355}" dt="2019-10-22T23:51:00.502" v="1260" actId="478"/>
+          <ac:picMkLst>
+            <pc:docMk/>
+            <pc:sldMk cId="3011724712" sldId="258"/>
+            <ac:picMk id="10" creationId="{21555699-1BA6-4A72-98D0-094743758BCA}"/>
+          </ac:picMkLst>
+        </pc:picChg>
+      </pc:sldChg>
+      <pc:sldChg chg="del">
+        <pc:chgData name="Franco Ruggeri" userId="f8fb41c0b3afb4f0" providerId="LiveId" clId="{D8044BFB-ECB7-4860-8B53-8AB623343355}" dt="2019-10-23T00:18:15.047" v="2328" actId="2696"/>
+        <pc:sldMkLst>
+          <pc:docMk/>
+          <pc:sldMk cId="2708024467" sldId="259"/>
+        </pc:sldMkLst>
+      </pc:sldChg>
+      <pc:sldChg chg="modSp del">
+        <pc:chgData name="Franco Ruggeri" userId="f8fb41c0b3afb4f0" providerId="LiveId" clId="{D8044BFB-ECB7-4860-8B53-8AB623343355}" dt="2019-10-23T00:18:15.090" v="2333" actId="2696"/>
         <pc:sldMkLst>
           <pc:docMk/>
           <pc:sldMk cId="3678269272" sldId="265"/>
@@ -236,13 +343,13 @@
         </pc:spChg>
       </pc:sldChg>
       <pc:sldChg chg="addSp delSp modSp">
-        <pc:chgData name="Franco Ruggeri" userId="f8fb41c0b3afb4f0" providerId="LiveId" clId="{D8044BFB-ECB7-4860-8B53-8AB623343355}" dt="2019-10-22T23:33:33.254" v="1069" actId="113"/>
+        <pc:chgData name="Franco Ruggeri" userId="f8fb41c0b3afb4f0" providerId="LiveId" clId="{D8044BFB-ECB7-4860-8B53-8AB623343355}" dt="2019-10-22T23:50:28.453" v="1258" actId="113"/>
         <pc:sldMkLst>
           <pc:docMk/>
           <pc:sldMk cId="3359226294" sldId="267"/>
         </pc:sldMkLst>
         <pc:spChg chg="add mod">
-          <ac:chgData name="Franco Ruggeri" userId="f8fb41c0b3afb4f0" providerId="LiveId" clId="{D8044BFB-ECB7-4860-8B53-8AB623343355}" dt="2019-10-22T23:33:33.254" v="1069" actId="113"/>
+          <ac:chgData name="Franco Ruggeri" userId="f8fb41c0b3afb4f0" providerId="LiveId" clId="{D8044BFB-ECB7-4860-8B53-8AB623343355}" dt="2019-10-22T23:50:28.453" v="1258" actId="113"/>
           <ac:spMkLst>
             <pc:docMk/>
             <pc:sldMk cId="3359226294" sldId="267"/>
@@ -275,13 +382,13 @@
         </pc:picChg>
       </pc:sldChg>
       <pc:sldChg chg="addSp delSp modSp">
-        <pc:chgData name="Franco Ruggeri" userId="f8fb41c0b3afb4f0" providerId="LiveId" clId="{D8044BFB-ECB7-4860-8B53-8AB623343355}" dt="2019-10-22T23:35:08.097" v="1132" actId="20577"/>
+        <pc:chgData name="Franco Ruggeri" userId="f8fb41c0b3afb4f0" providerId="LiveId" clId="{D8044BFB-ECB7-4860-8B53-8AB623343355}" dt="2019-10-23T00:20:43.899" v="2372" actId="20577"/>
         <pc:sldMkLst>
           <pc:docMk/>
           <pc:sldMk cId="2670365114" sldId="268"/>
         </pc:sldMkLst>
         <pc:spChg chg="add del mod">
-          <ac:chgData name="Franco Ruggeri" userId="f8fb41c0b3afb4f0" providerId="LiveId" clId="{D8044BFB-ECB7-4860-8B53-8AB623343355}" dt="2019-10-22T23:35:08.097" v="1132" actId="20577"/>
+          <ac:chgData name="Franco Ruggeri" userId="f8fb41c0b3afb4f0" providerId="LiveId" clId="{D8044BFB-ECB7-4860-8B53-8AB623343355}" dt="2019-10-23T00:20:43.899" v="2372" actId="20577"/>
           <ac:spMkLst>
             <pc:docMk/>
             <pc:sldMk cId="2670365114" sldId="268"/>
@@ -337,8 +444,23 @@
           </ac:picMkLst>
         </pc:picChg>
       </pc:sldChg>
-      <pc:sldChg chg="modSp">
-        <pc:chgData name="Franco Ruggeri" userId="f8fb41c0b3afb4f0" providerId="LiveId" clId="{D8044BFB-ECB7-4860-8B53-8AB623343355}" dt="2019-10-22T23:18:11.927" v="57"/>
+      <pc:sldChg chg="modSp del">
+        <pc:chgData name="Franco Ruggeri" userId="f8fb41c0b3afb4f0" providerId="LiveId" clId="{D8044BFB-ECB7-4860-8B53-8AB623343355}" dt="2019-10-23T00:18:14.956" v="2325" actId="2696"/>
+        <pc:sldMkLst>
+          <pc:docMk/>
+          <pc:sldMk cId="1075614242" sldId="269"/>
+        </pc:sldMkLst>
+        <pc:spChg chg="mod">
+          <ac:chgData name="Franco Ruggeri" userId="f8fb41c0b3afb4f0" providerId="LiveId" clId="{D8044BFB-ECB7-4860-8B53-8AB623343355}" dt="2019-10-23T00:18:00.224" v="2323" actId="20577"/>
+          <ac:spMkLst>
+            <pc:docMk/>
+            <pc:sldMk cId="1075614242" sldId="269"/>
+            <ac:spMk id="20" creationId="{14E2A788-8C9A-4B5A-A077-DACFA868154A}"/>
+          </ac:spMkLst>
+        </pc:spChg>
+      </pc:sldChg>
+      <pc:sldChg chg="modSp del">
+        <pc:chgData name="Franco Ruggeri" userId="f8fb41c0b3afb4f0" providerId="LiveId" clId="{D8044BFB-ECB7-4860-8B53-8AB623343355}" dt="2019-10-23T00:18:14.969" v="2326" actId="2696"/>
         <pc:sldMkLst>
           <pc:docMk/>
           <pc:sldMk cId="2238127685" sldId="270"/>
@@ -352,8 +474,8 @@
           </ac:spMkLst>
         </pc:spChg>
       </pc:sldChg>
-      <pc:sldChg chg="modSp">
-        <pc:chgData name="Franco Ruggeri" userId="f8fb41c0b3afb4f0" providerId="LiveId" clId="{D8044BFB-ECB7-4860-8B53-8AB623343355}" dt="2019-10-22T23:18:11.697" v="55"/>
+      <pc:sldChg chg="modSp del">
+        <pc:chgData name="Franco Ruggeri" userId="f8fb41c0b3afb4f0" providerId="LiveId" clId="{D8044BFB-ECB7-4860-8B53-8AB623343355}" dt="2019-10-23T00:18:15.057" v="2329" actId="2696"/>
         <pc:sldMkLst>
           <pc:docMk/>
           <pc:sldMk cId="3817413176" sldId="271"/>
@@ -366,6 +488,27 @@
             <ac:spMk id="3" creationId="{A078EA66-7F7D-4DC5-BC61-A20F8C5B924B}"/>
           </ac:spMkLst>
         </pc:spChg>
+      </pc:sldChg>
+      <pc:sldChg chg="del">
+        <pc:chgData name="Franco Ruggeri" userId="f8fb41c0b3afb4f0" providerId="LiveId" clId="{D8044BFB-ECB7-4860-8B53-8AB623343355}" dt="2019-10-23T00:18:15.064" v="2330" actId="2696"/>
+        <pc:sldMkLst>
+          <pc:docMk/>
+          <pc:sldMk cId="1719672851" sldId="272"/>
+        </pc:sldMkLst>
+      </pc:sldChg>
+      <pc:sldChg chg="del">
+        <pc:chgData name="Franco Ruggeri" userId="f8fb41c0b3afb4f0" providerId="LiveId" clId="{D8044BFB-ECB7-4860-8B53-8AB623343355}" dt="2019-10-23T00:18:15.071" v="2331" actId="2696"/>
+        <pc:sldMkLst>
+          <pc:docMk/>
+          <pc:sldMk cId="2457965671" sldId="273"/>
+        </pc:sldMkLst>
+      </pc:sldChg>
+      <pc:sldChg chg="del">
+        <pc:chgData name="Franco Ruggeri" userId="f8fb41c0b3afb4f0" providerId="LiveId" clId="{D8044BFB-ECB7-4860-8B53-8AB623343355}" dt="2019-10-23T00:18:15.080" v="2332" actId="2696"/>
+        <pc:sldMkLst>
+          <pc:docMk/>
+          <pc:sldMk cId="2620067442" sldId="274"/>
+        </pc:sldMkLst>
       </pc:sldChg>
       <pc:sldChg chg="modSp add del">
         <pc:chgData name="Franco Ruggeri" userId="f8fb41c0b3afb4f0" providerId="LiveId" clId="{D8044BFB-ECB7-4860-8B53-8AB623343355}" dt="2019-10-22T23:19:38.569" v="155" actId="2696"/>
@@ -383,21 +526,21 @@
         </pc:spChg>
       </pc:sldChg>
       <pc:sldChg chg="addSp delSp modSp add">
-        <pc:chgData name="Franco Ruggeri" userId="f8fb41c0b3afb4f0" providerId="LiveId" clId="{D8044BFB-ECB7-4860-8B53-8AB623343355}" dt="2019-10-22T23:36:46.902" v="1213" actId="20577"/>
+        <pc:chgData name="Franco Ruggeri" userId="f8fb41c0b3afb4f0" providerId="LiveId" clId="{D8044BFB-ECB7-4860-8B53-8AB623343355}" dt="2019-10-23T00:20:56.677" v="2373" actId="113"/>
         <pc:sldMkLst>
           <pc:docMk/>
           <pc:sldMk cId="4200235255" sldId="275"/>
         </pc:sldMkLst>
         <pc:spChg chg="mod">
-          <ac:chgData name="Franco Ruggeri" userId="f8fb41c0b3afb4f0" providerId="LiveId" clId="{D8044BFB-ECB7-4860-8B53-8AB623343355}" dt="2019-10-22T23:36:46.902" v="1213" actId="20577"/>
+          <ac:chgData name="Franco Ruggeri" userId="f8fb41c0b3afb4f0" providerId="LiveId" clId="{D8044BFB-ECB7-4860-8B53-8AB623343355}" dt="2019-10-23T00:20:56.677" v="2373" actId="113"/>
           <ac:spMkLst>
             <pc:docMk/>
             <pc:sldMk cId="4200235255" sldId="275"/>
             <ac:spMk id="3" creationId="{B21CB584-21EE-4172-8055-76E5F92C40F6}"/>
           </ac:spMkLst>
         </pc:spChg>
-        <pc:spChg chg="add mod">
-          <ac:chgData name="Franco Ruggeri" userId="f8fb41c0b3afb4f0" providerId="LiveId" clId="{D8044BFB-ECB7-4860-8B53-8AB623343355}" dt="2019-10-22T23:33:56.535" v="1080" actId="478"/>
+        <pc:spChg chg="add del mod">
+          <ac:chgData name="Franco Ruggeri" userId="f8fb41c0b3afb4f0" providerId="LiveId" clId="{D8044BFB-ECB7-4860-8B53-8AB623343355}" dt="2019-10-22T23:45:59.536" v="1214"/>
           <ac:spMkLst>
             <pc:docMk/>
             <pc:sldMk cId="4200235255" sldId="275"/>
@@ -412,12 +555,653 @@
             <ac:spMk id="20" creationId="{14E2A788-8C9A-4B5A-A077-DACFA868154A}"/>
           </ac:spMkLst>
         </pc:spChg>
+        <pc:picChg chg="add mod">
+          <ac:chgData name="Franco Ruggeri" userId="f8fb41c0b3afb4f0" providerId="LiveId" clId="{D8044BFB-ECB7-4860-8B53-8AB623343355}" dt="2019-10-23T00:00:00.292" v="1851" actId="14100"/>
+          <ac:picMkLst>
+            <pc:docMk/>
+            <pc:sldMk cId="4200235255" sldId="275"/>
+            <ac:picMk id="5" creationId="{76E67CDE-0887-42B0-9936-DACFE00EBE0D}"/>
+          </ac:picMkLst>
+        </pc:picChg>
         <pc:picChg chg="del">
           <ac:chgData name="Franco Ruggeri" userId="f8fb41c0b3afb4f0" providerId="LiveId" clId="{D8044BFB-ECB7-4860-8B53-8AB623343355}" dt="2019-10-22T23:33:56.535" v="1080" actId="478"/>
           <ac:picMkLst>
             <pc:docMk/>
             <pc:sldMk cId="4200235255" sldId="275"/>
             <ac:picMk id="9" creationId="{0FE12639-1EE3-4356-B8A2-1ABBB6E7F7D3}"/>
+          </ac:picMkLst>
+        </pc:picChg>
+      </pc:sldChg>
+      <pc:sldChg chg="addSp delSp modSp add del ord">
+        <pc:chgData name="Franco Ruggeri" userId="f8fb41c0b3afb4f0" providerId="LiveId" clId="{D8044BFB-ECB7-4860-8B53-8AB623343355}" dt="2019-10-23T00:39:34.628" v="2669" actId="2696"/>
+        <pc:sldMkLst>
+          <pc:docMk/>
+          <pc:sldMk cId="658098432" sldId="276"/>
+        </pc:sldMkLst>
+        <pc:spChg chg="mod">
+          <ac:chgData name="Franco Ruggeri" userId="f8fb41c0b3afb4f0" providerId="LiveId" clId="{D8044BFB-ECB7-4860-8B53-8AB623343355}" dt="2019-10-23T00:39:27.552" v="2668" actId="20577"/>
+          <ac:spMkLst>
+            <pc:docMk/>
+            <pc:sldMk cId="658098432" sldId="276"/>
+            <ac:spMk id="3" creationId="{B21CB584-21EE-4172-8055-76E5F92C40F6}"/>
+          </ac:spMkLst>
+        </pc:spChg>
+        <pc:spChg chg="add del mod">
+          <ac:chgData name="Franco Ruggeri" userId="f8fb41c0b3afb4f0" providerId="LiveId" clId="{D8044BFB-ECB7-4860-8B53-8AB623343355}" dt="2019-10-23T00:08:12.093" v="2051"/>
+          <ac:spMkLst>
+            <pc:docMk/>
+            <pc:sldMk cId="658098432" sldId="276"/>
+            <ac:spMk id="4" creationId="{E29034C6-0995-41AB-8799-BCC8BABC1211}"/>
+          </ac:spMkLst>
+        </pc:spChg>
+        <pc:spChg chg="add del mod">
+          <ac:chgData name="Franco Ruggeri" userId="f8fb41c0b3afb4f0" providerId="LiveId" clId="{D8044BFB-ECB7-4860-8B53-8AB623343355}" dt="2019-10-23T00:25:20.914" v="2426" actId="478"/>
+          <ac:spMkLst>
+            <pc:docMk/>
+            <pc:sldMk cId="658098432" sldId="276"/>
+            <ac:spMk id="8" creationId="{73F41F31-960A-4272-A2FB-79B11C1224CC}"/>
+          </ac:spMkLst>
+        </pc:spChg>
+        <pc:spChg chg="add del mod">
+          <ac:chgData name="Franco Ruggeri" userId="f8fb41c0b3afb4f0" providerId="LiveId" clId="{D8044BFB-ECB7-4860-8B53-8AB623343355}" dt="2019-10-23T00:37:52.173" v="2560"/>
+          <ac:spMkLst>
+            <pc:docMk/>
+            <pc:sldMk cId="658098432" sldId="276"/>
+            <ac:spMk id="10" creationId="{8B19D1E2-54E5-4FB6-977B-C874F4D9B1D5}"/>
+          </ac:spMkLst>
+        </pc:spChg>
+        <pc:spChg chg="mod">
+          <ac:chgData name="Franco Ruggeri" userId="f8fb41c0b3afb4f0" providerId="LiveId" clId="{D8044BFB-ECB7-4860-8B53-8AB623343355}" dt="2019-10-23T00:17:16.829" v="2292" actId="20577"/>
+          <ac:spMkLst>
+            <pc:docMk/>
+            <pc:sldMk cId="658098432" sldId="276"/>
+            <ac:spMk id="20" creationId="{14E2A788-8C9A-4B5A-A077-DACFA868154A}"/>
+          </ac:spMkLst>
+        </pc:spChg>
+        <pc:picChg chg="add mod">
+          <ac:chgData name="Franco Ruggeri" userId="f8fb41c0b3afb4f0" providerId="LiveId" clId="{D8044BFB-ECB7-4860-8B53-8AB623343355}" dt="2019-10-23T00:37:52.173" v="2560"/>
+          <ac:picMkLst>
+            <pc:docMk/>
+            <pc:sldMk cId="658098432" sldId="276"/>
+            <ac:picMk id="4" creationId="{F916D5FC-9598-4A7F-B02C-6E338F6DFCB2}"/>
+          </ac:picMkLst>
+        </pc:picChg>
+        <pc:picChg chg="add del mod">
+          <ac:chgData name="Franco Ruggeri" userId="f8fb41c0b3afb4f0" providerId="LiveId" clId="{D8044BFB-ECB7-4860-8B53-8AB623343355}" dt="2019-10-23T00:25:18.539" v="2425" actId="478"/>
+          <ac:picMkLst>
+            <pc:docMk/>
+            <pc:sldMk cId="658098432" sldId="276"/>
+            <ac:picMk id="6" creationId="{A325C131-590E-497D-B9F2-01EEB9AD1972}"/>
+          </ac:picMkLst>
+        </pc:picChg>
+        <pc:picChg chg="del">
+          <ac:chgData name="Franco Ruggeri" userId="f8fb41c0b3afb4f0" providerId="LiveId" clId="{D8044BFB-ECB7-4860-8B53-8AB623343355}" dt="2019-10-23T00:08:04.010" v="2050" actId="478"/>
+          <ac:picMkLst>
+            <pc:docMk/>
+            <pc:sldMk cId="658098432" sldId="276"/>
+            <ac:picMk id="9" creationId="{0FE12639-1EE3-4356-B8A2-1ABBB6E7F7D3}"/>
+          </ac:picMkLst>
+        </pc:picChg>
+      </pc:sldChg>
+      <pc:sldChg chg="delSp modSp add del">
+        <pc:chgData name="Franco Ruggeri" userId="f8fb41c0b3afb4f0" providerId="LiveId" clId="{D8044BFB-ECB7-4860-8B53-8AB623343355}" dt="2019-10-23T00:02:43.665" v="1880" actId="2696"/>
+        <pc:sldMkLst>
+          <pc:docMk/>
+          <pc:sldMk cId="4091796880" sldId="276"/>
+        </pc:sldMkLst>
+        <pc:spChg chg="mod">
+          <ac:chgData name="Franco Ruggeri" userId="f8fb41c0b3afb4f0" providerId="LiveId" clId="{D8044BFB-ECB7-4860-8B53-8AB623343355}" dt="2019-10-22T23:58:45.021" v="1849" actId="20577"/>
+          <ac:spMkLst>
+            <pc:docMk/>
+            <pc:sldMk cId="4091796880" sldId="276"/>
+            <ac:spMk id="3" creationId="{B21CB584-21EE-4172-8055-76E5F92C40F6}"/>
+          </ac:spMkLst>
+        </pc:spChg>
+        <pc:spChg chg="mod">
+          <ac:chgData name="Franco Ruggeri" userId="f8fb41c0b3afb4f0" providerId="LiveId" clId="{D8044BFB-ECB7-4860-8B53-8AB623343355}" dt="2019-10-22T23:56:11.076" v="1641" actId="20577"/>
+          <ac:spMkLst>
+            <pc:docMk/>
+            <pc:sldMk cId="4091796880" sldId="276"/>
+            <ac:spMk id="20" creationId="{14E2A788-8C9A-4B5A-A077-DACFA868154A}"/>
+          </ac:spMkLst>
+        </pc:spChg>
+        <pc:picChg chg="del">
+          <ac:chgData name="Franco Ruggeri" userId="f8fb41c0b3afb4f0" providerId="LiveId" clId="{D8044BFB-ECB7-4860-8B53-8AB623343355}" dt="2019-10-22T23:56:21.413" v="1642" actId="478"/>
+          <ac:picMkLst>
+            <pc:docMk/>
+            <pc:sldMk cId="4091796880" sldId="276"/>
+            <ac:picMk id="5" creationId="{76E67CDE-0887-42B0-9936-DACFE00EBE0D}"/>
+          </ac:picMkLst>
+        </pc:picChg>
+      </pc:sldChg>
+      <pc:sldChg chg="addSp delSp modSp add mod setBg">
+        <pc:chgData name="Franco Ruggeri" userId="f8fb41c0b3afb4f0" providerId="LiveId" clId="{D8044BFB-ECB7-4860-8B53-8AB623343355}" dt="2019-10-23T00:27:43.789" v="2556" actId="20577"/>
+        <pc:sldMkLst>
+          <pc:docMk/>
+          <pc:sldMk cId="2509207792" sldId="277"/>
+        </pc:sldMkLst>
+        <pc:spChg chg="mod">
+          <ac:chgData name="Franco Ruggeri" userId="f8fb41c0b3afb4f0" providerId="LiveId" clId="{D8044BFB-ECB7-4860-8B53-8AB623343355}" dt="2019-10-23T00:27:43.789" v="2556" actId="20577"/>
+          <ac:spMkLst>
+            <pc:docMk/>
+            <pc:sldMk cId="2509207792" sldId="277"/>
+            <ac:spMk id="3" creationId="{B21CB584-21EE-4172-8055-76E5F92C40F6}"/>
+          </ac:spMkLst>
+        </pc:spChg>
+        <pc:spChg chg="add del mod">
+          <ac:chgData name="Franco Ruggeri" userId="f8fb41c0b3afb4f0" providerId="LiveId" clId="{D8044BFB-ECB7-4860-8B53-8AB623343355}" dt="2019-10-23T00:15:10.981" v="2291" actId="478"/>
+          <ac:spMkLst>
+            <pc:docMk/>
+            <pc:sldMk cId="2509207792" sldId="277"/>
+            <ac:spMk id="4" creationId="{7953F354-7D1F-4EC6-939C-AD04AB9A64C2}"/>
+          </ac:spMkLst>
+        </pc:spChg>
+        <pc:spChg chg="add del mod">
+          <ac:chgData name="Franco Ruggeri" userId="f8fb41c0b3afb4f0" providerId="LiveId" clId="{D8044BFB-ECB7-4860-8B53-8AB623343355}" dt="2019-10-23T00:26:49.352" v="2484" actId="478"/>
+          <ac:spMkLst>
+            <pc:docMk/>
+            <pc:sldMk cId="2509207792" sldId="277"/>
+            <ac:spMk id="5" creationId="{7FEE86FC-562C-4A57-B926-ADB1BD0BA969}"/>
+          </ac:spMkLst>
+        </pc:spChg>
+        <pc:spChg chg="mod">
+          <ac:chgData name="Franco Ruggeri" userId="f8fb41c0b3afb4f0" providerId="LiveId" clId="{D8044BFB-ECB7-4860-8B53-8AB623343355}" dt="2019-10-23T00:27:05.913" v="2487" actId="26606"/>
+          <ac:spMkLst>
+            <pc:docMk/>
+            <pc:sldMk cId="2509207792" sldId="277"/>
+            <ac:spMk id="20" creationId="{14E2A788-8C9A-4B5A-A077-DACFA868154A}"/>
+          </ac:spMkLst>
+        </pc:spChg>
+        <pc:picChg chg="del">
+          <ac:chgData name="Franco Ruggeri" userId="f8fb41c0b3afb4f0" providerId="LiveId" clId="{D8044BFB-ECB7-4860-8B53-8AB623343355}" dt="2019-10-23T00:09:43.221" v="2114" actId="478"/>
+          <ac:picMkLst>
+            <pc:docMk/>
+            <pc:sldMk cId="2509207792" sldId="277"/>
+            <ac:picMk id="6" creationId="{A325C131-590E-497D-B9F2-01EEB9AD1972}"/>
+          </ac:picMkLst>
+        </pc:picChg>
+        <pc:picChg chg="add mod">
+          <ac:chgData name="Franco Ruggeri" userId="f8fb41c0b3afb4f0" providerId="LiveId" clId="{D8044BFB-ECB7-4860-8B53-8AB623343355}" dt="2019-10-23T00:27:05.913" v="2487" actId="26606"/>
+          <ac:picMkLst>
+            <pc:docMk/>
+            <pc:sldMk cId="2509207792" sldId="277"/>
+            <ac:picMk id="8" creationId="{67D4ED55-5A0C-40EC-B1E4-F38B7233644E}"/>
+          </ac:picMkLst>
+        </pc:picChg>
+        <pc:picChg chg="add mod">
+          <ac:chgData name="Franco Ruggeri" userId="f8fb41c0b3afb4f0" providerId="LiveId" clId="{D8044BFB-ECB7-4860-8B53-8AB623343355}" dt="2019-10-23T00:27:05.913" v="2487" actId="26606"/>
+          <ac:picMkLst>
+            <pc:docMk/>
+            <pc:sldMk cId="2509207792" sldId="277"/>
+            <ac:picMk id="10" creationId="{DE36FA9C-1E87-4847-A467-E751E95DD8F3}"/>
+          </ac:picMkLst>
+        </pc:picChg>
+        <pc:picChg chg="add">
+          <ac:chgData name="Franco Ruggeri" userId="f8fb41c0b3afb4f0" providerId="LiveId" clId="{D8044BFB-ECB7-4860-8B53-8AB623343355}" dt="2019-10-23T00:27:05.913" v="2487" actId="26606"/>
+          <ac:picMkLst>
+            <pc:docMk/>
+            <pc:sldMk cId="2509207792" sldId="277"/>
+            <ac:picMk id="25" creationId="{EE253802-2FE2-4F1F-B256-423BEF09FB90}"/>
+          </ac:picMkLst>
+        </pc:picChg>
+      </pc:sldChg>
+      <pc:sldChg chg="add del">
+        <pc:chgData name="Franco Ruggeri" userId="f8fb41c0b3afb4f0" providerId="LiveId" clId="{D8044BFB-ECB7-4860-8B53-8AB623343355}" dt="2019-10-23T00:11:13.100" v="2140" actId="2696"/>
+        <pc:sldMkLst>
+          <pc:docMk/>
+          <pc:sldMk cId="2326913551" sldId="278"/>
+        </pc:sldMkLst>
+      </pc:sldChg>
+      <pc:sldChg chg="modSp add">
+        <pc:chgData name="Franco Ruggeri" userId="f8fb41c0b3afb4f0" providerId="LiveId" clId="{D8044BFB-ECB7-4860-8B53-8AB623343355}" dt="2019-10-23T00:17:39.863" v="2306" actId="20577"/>
+        <pc:sldMkLst>
+          <pc:docMk/>
+          <pc:sldMk cId="2117202177" sldId="279"/>
+        </pc:sldMkLst>
+        <pc:spChg chg="mod">
+          <ac:chgData name="Franco Ruggeri" userId="f8fb41c0b3afb4f0" providerId="LiveId" clId="{D8044BFB-ECB7-4860-8B53-8AB623343355}" dt="2019-10-23T00:17:39.863" v="2306" actId="20577"/>
+          <ac:spMkLst>
+            <pc:docMk/>
+            <pc:sldMk cId="2117202177" sldId="279"/>
+            <ac:spMk id="3" creationId="{85C707E0-2079-4DA5-B658-E7E54372D490}"/>
+          </ac:spMkLst>
+        </pc:spChg>
+        <pc:spChg chg="mod">
+          <ac:chgData name="Franco Ruggeri" userId="f8fb41c0b3afb4f0" providerId="LiveId" clId="{D8044BFB-ECB7-4860-8B53-8AB623343355}" dt="2019-10-23T00:11:17.639" v="2148" actId="20577"/>
+          <ac:spMkLst>
+            <pc:docMk/>
+            <pc:sldMk cId="2117202177" sldId="279"/>
+            <ac:spMk id="20" creationId="{14E2A788-8C9A-4B5A-A077-DACFA868154A}"/>
+          </ac:spMkLst>
+        </pc:spChg>
+      </pc:sldChg>
+      <pc:sldChg chg="addSp delSp modSp add mod setBg">
+        <pc:chgData name="Franco Ruggeri" userId="f8fb41c0b3afb4f0" providerId="LiveId" clId="{D8044BFB-ECB7-4860-8B53-8AB623343355}" dt="2019-10-23T00:44:48.232" v="2783" actId="20577"/>
+        <pc:sldMkLst>
+          <pc:docMk/>
+          <pc:sldMk cId="568158431" sldId="280"/>
+        </pc:sldMkLst>
+        <pc:spChg chg="mod">
+          <ac:chgData name="Franco Ruggeri" userId="f8fb41c0b3afb4f0" providerId="LiveId" clId="{D8044BFB-ECB7-4860-8B53-8AB623343355}" dt="2019-10-23T00:44:11.081" v="2782"/>
+          <ac:spMkLst>
+            <pc:docMk/>
+            <pc:sldMk cId="568158431" sldId="280"/>
+            <ac:spMk id="3" creationId="{B21CB584-21EE-4172-8055-76E5F92C40F6}"/>
+          </ac:spMkLst>
+        </pc:spChg>
+        <pc:spChg chg="add del mod">
+          <ac:chgData name="Franco Ruggeri" userId="f8fb41c0b3afb4f0" providerId="LiveId" clId="{D8044BFB-ECB7-4860-8B53-8AB623343355}" dt="2019-10-23T00:18:39.609" v="2351"/>
+          <ac:spMkLst>
+            <pc:docMk/>
+            <pc:sldMk cId="568158431" sldId="280"/>
+            <ac:spMk id="4" creationId="{98D2605D-0E0F-40BC-B0C5-21CBFC106893}"/>
+          </ac:spMkLst>
+        </pc:spChg>
+        <pc:spChg chg="mod">
+          <ac:chgData name="Franco Ruggeri" userId="f8fb41c0b3afb4f0" providerId="LiveId" clId="{D8044BFB-ECB7-4860-8B53-8AB623343355}" dt="2019-10-23T00:44:48.232" v="2783" actId="20577"/>
+          <ac:spMkLst>
+            <pc:docMk/>
+            <pc:sldMk cId="568158431" sldId="280"/>
+            <ac:spMk id="20" creationId="{14E2A788-8C9A-4B5A-A077-DACFA868154A}"/>
+          </ac:spMkLst>
+        </pc:spChg>
+        <pc:spChg chg="add del">
+          <ac:chgData name="Franco Ruggeri" userId="f8fb41c0b3afb4f0" providerId="LiveId" clId="{D8044BFB-ECB7-4860-8B53-8AB623343355}" dt="2019-10-23T00:42:04.551" v="2705" actId="26606"/>
+          <ac:spMkLst>
+            <pc:docMk/>
+            <pc:sldMk cId="568158431" sldId="280"/>
+            <ac:spMk id="27" creationId="{EEFE00F9-25AA-4C04-9C70-B14F6B44863D}"/>
+          </ac:spMkLst>
+        </pc:spChg>
+        <pc:spChg chg="add del">
+          <ac:chgData name="Franco Ruggeri" userId="f8fb41c0b3afb4f0" providerId="LiveId" clId="{D8044BFB-ECB7-4860-8B53-8AB623343355}" dt="2019-10-23T00:42:04.551" v="2705" actId="26606"/>
+          <ac:spMkLst>
+            <pc:docMk/>
+            <pc:sldMk cId="568158431" sldId="280"/>
+            <ac:spMk id="31" creationId="{48225205-1CFE-4766-8676-F48ADE6D537C}"/>
+          </ac:spMkLst>
+        </pc:spChg>
+        <pc:picChg chg="add mod">
+          <ac:chgData name="Franco Ruggeri" userId="f8fb41c0b3afb4f0" providerId="LiveId" clId="{D8044BFB-ECB7-4860-8B53-8AB623343355}" dt="2019-10-23T00:42:04.578" v="2706" actId="26606"/>
+          <ac:picMkLst>
+            <pc:docMk/>
+            <pc:sldMk cId="568158431" sldId="280"/>
+            <ac:picMk id="4" creationId="{F0C0799D-613F-4AA4-997E-D14E4F4E1EBC}"/>
+          </ac:picMkLst>
+        </pc:picChg>
+        <pc:picChg chg="add mod ord">
+          <ac:chgData name="Franco Ruggeri" userId="f8fb41c0b3afb4f0" providerId="LiveId" clId="{D8044BFB-ECB7-4860-8B53-8AB623343355}" dt="2019-10-23T00:42:04.578" v="2706" actId="26606"/>
+          <ac:picMkLst>
+            <pc:docMk/>
+            <pc:sldMk cId="568158431" sldId="280"/>
+            <ac:picMk id="6" creationId="{344B735E-4B68-42C5-B621-CAFA8512334C}"/>
+          </ac:picMkLst>
+        </pc:picChg>
+        <pc:picChg chg="del">
+          <ac:chgData name="Franco Ruggeri" userId="f8fb41c0b3afb4f0" providerId="LiveId" clId="{D8044BFB-ECB7-4860-8B53-8AB623343355}" dt="2019-10-23T00:18:36.332" v="2350" actId="478"/>
+          <ac:picMkLst>
+            <pc:docMk/>
+            <pc:sldMk cId="568158431" sldId="280"/>
+            <ac:picMk id="9" creationId="{0FE12639-1EE3-4356-B8A2-1ABBB6E7F7D3}"/>
+          </ac:picMkLst>
+        </pc:picChg>
+        <pc:picChg chg="add del">
+          <ac:chgData name="Franco Ruggeri" userId="f8fb41c0b3afb4f0" providerId="LiveId" clId="{D8044BFB-ECB7-4860-8B53-8AB623343355}" dt="2019-10-23T00:42:04.551" v="2705" actId="26606"/>
+          <ac:picMkLst>
+            <pc:docMk/>
+            <pc:sldMk cId="568158431" sldId="280"/>
+            <ac:picMk id="25" creationId="{FA35858E-C655-495F-A059-1FC809995793}"/>
+          </ac:picMkLst>
+        </pc:picChg>
+        <pc:picChg chg="add del">
+          <ac:chgData name="Franco Ruggeri" userId="f8fb41c0b3afb4f0" providerId="LiveId" clId="{D8044BFB-ECB7-4860-8B53-8AB623343355}" dt="2019-10-23T00:42:04.551" v="2705" actId="26606"/>
+          <ac:picMkLst>
+            <pc:docMk/>
+            <pc:sldMk cId="568158431" sldId="280"/>
+            <ac:picMk id="29" creationId="{14585FB4-7006-4452-B3E3-F93CDC12B4A0}"/>
+          </ac:picMkLst>
+        </pc:picChg>
+        <pc:picChg chg="add">
+          <ac:chgData name="Franco Ruggeri" userId="f8fb41c0b3afb4f0" providerId="LiveId" clId="{D8044BFB-ECB7-4860-8B53-8AB623343355}" dt="2019-10-23T00:42:04.578" v="2706" actId="26606"/>
+          <ac:picMkLst>
+            <pc:docMk/>
+            <pc:sldMk cId="568158431" sldId="280"/>
+            <ac:picMk id="33" creationId="{EE253802-2FE2-4F1F-B256-423BEF09FB90}"/>
+          </ac:picMkLst>
+        </pc:picChg>
+      </pc:sldChg>
+      <pc:sldChg chg="modSp add del">
+        <pc:chgData name="Franco Ruggeri" userId="f8fb41c0b3afb4f0" providerId="LiveId" clId="{D8044BFB-ECB7-4860-8B53-8AB623343355}" dt="2019-10-23T00:22:02.191" v="2392" actId="2696"/>
+        <pc:sldMkLst>
+          <pc:docMk/>
+          <pc:sldMk cId="1223497945" sldId="281"/>
+        </pc:sldMkLst>
+        <pc:spChg chg="mod">
+          <ac:chgData name="Franco Ruggeri" userId="f8fb41c0b3afb4f0" providerId="LiveId" clId="{D8044BFB-ECB7-4860-8B53-8AB623343355}" dt="2019-10-23T00:21:52.048" v="2390" actId="20577"/>
+          <ac:spMkLst>
+            <pc:docMk/>
+            <pc:sldMk cId="1223497945" sldId="281"/>
+            <ac:spMk id="20" creationId="{14E2A788-8C9A-4B5A-A077-DACFA868154A}"/>
+          </ac:spMkLst>
+        </pc:spChg>
+      </pc:sldChg>
+      <pc:sldChg chg="add del">
+        <pc:chgData name="Franco Ruggeri" userId="f8fb41c0b3afb4f0" providerId="LiveId" clId="{D8044BFB-ECB7-4860-8B53-8AB623343355}" dt="2019-10-23T00:21:47.034" v="2388" actId="2696"/>
+        <pc:sldMkLst>
+          <pc:docMk/>
+          <pc:sldMk cId="3273047222" sldId="281"/>
+        </pc:sldMkLst>
+      </pc:sldChg>
+      <pc:sldChg chg="addSp delSp modSp add del">
+        <pc:chgData name="Franco Ruggeri" userId="f8fb41c0b3afb4f0" providerId="LiveId" clId="{D8044BFB-ECB7-4860-8B53-8AB623343355}" dt="2019-10-23T00:43:23.145" v="2768" actId="2696"/>
+        <pc:sldMkLst>
+          <pc:docMk/>
+          <pc:sldMk cId="2303863485" sldId="282"/>
+        </pc:sldMkLst>
+        <pc:spChg chg="mod">
+          <ac:chgData name="Franco Ruggeri" userId="f8fb41c0b3afb4f0" providerId="LiveId" clId="{D8044BFB-ECB7-4860-8B53-8AB623343355}" dt="2019-10-23T00:22:53.866" v="2406"/>
+          <ac:spMkLst>
+            <pc:docMk/>
+            <pc:sldMk cId="2303863485" sldId="282"/>
+            <ac:spMk id="3" creationId="{B21CB584-21EE-4172-8055-76E5F92C40F6}"/>
+          </ac:spMkLst>
+        </pc:spChg>
+        <pc:spChg chg="add del mod">
+          <ac:chgData name="Franco Ruggeri" userId="f8fb41c0b3afb4f0" providerId="LiveId" clId="{D8044BFB-ECB7-4860-8B53-8AB623343355}" dt="2019-10-23T00:22:36.803" v="2404" actId="478"/>
+          <ac:spMkLst>
+            <pc:docMk/>
+            <pc:sldMk cId="2303863485" sldId="282"/>
+            <ac:spMk id="4" creationId="{210FE83D-778C-4119-868B-1F872E40AB9F}"/>
+          </ac:spMkLst>
+        </pc:spChg>
+        <pc:spChg chg="mod">
+          <ac:chgData name="Franco Ruggeri" userId="f8fb41c0b3afb4f0" providerId="LiveId" clId="{D8044BFB-ECB7-4860-8B53-8AB623343355}" dt="2019-10-23T00:24:17.666" v="2424" actId="20577"/>
+          <ac:spMkLst>
+            <pc:docMk/>
+            <pc:sldMk cId="2303863485" sldId="282"/>
+            <ac:spMk id="20" creationId="{14E2A788-8C9A-4B5A-A077-DACFA868154A}"/>
+          </ac:spMkLst>
+        </pc:spChg>
+        <pc:picChg chg="del">
+          <ac:chgData name="Franco Ruggeri" userId="f8fb41c0b3afb4f0" providerId="LiveId" clId="{D8044BFB-ECB7-4860-8B53-8AB623343355}" dt="2019-10-23T00:22:31.756" v="2403" actId="478"/>
+          <ac:picMkLst>
+            <pc:docMk/>
+            <pc:sldMk cId="2303863485" sldId="282"/>
+            <ac:picMk id="5" creationId="{76E67CDE-0887-42B0-9936-DACFE00EBE0D}"/>
+          </ac:picMkLst>
+        </pc:picChg>
+      </pc:sldChg>
+      <pc:sldChg chg="modSp add">
+        <pc:chgData name="Franco Ruggeri" userId="f8fb41c0b3afb4f0" providerId="LiveId" clId="{D8044BFB-ECB7-4860-8B53-8AB623343355}" dt="2019-10-23T00:39:39.879" v="2670" actId="313"/>
+        <pc:sldMkLst>
+          <pc:docMk/>
+          <pc:sldMk cId="1347641437" sldId="283"/>
+        </pc:sldMkLst>
+        <pc:spChg chg="mod">
+          <ac:chgData name="Franco Ruggeri" userId="f8fb41c0b3afb4f0" providerId="LiveId" clId="{D8044BFB-ECB7-4860-8B53-8AB623343355}" dt="2019-10-23T00:39:39.879" v="2670" actId="313"/>
+          <ac:spMkLst>
+            <pc:docMk/>
+            <pc:sldMk cId="1347641437" sldId="283"/>
+            <ac:spMk id="10" creationId="{8B19D1E2-54E5-4FB6-977B-C874F4D9B1D5}"/>
+          </ac:spMkLst>
+        </pc:spChg>
+      </pc:sldChg>
+      <pc:sldChg chg="addSp delSp modSp add del">
+        <pc:chgData name="Franco Ruggeri" userId="f8fb41c0b3afb4f0" providerId="LiveId" clId="{D8044BFB-ECB7-4860-8B53-8AB623343355}" dt="2019-10-23T00:39:23.039" v="2652"/>
+        <pc:sldMkLst>
+          <pc:docMk/>
+          <pc:sldMk cId="828832849" sldId="284"/>
+        </pc:sldMkLst>
+        <pc:spChg chg="mod">
+          <ac:chgData name="Franco Ruggeri" userId="f8fb41c0b3afb4f0" providerId="LiveId" clId="{D8044BFB-ECB7-4860-8B53-8AB623343355}" dt="2019-10-23T00:38:49.485" v="2647"/>
+          <ac:spMkLst>
+            <pc:docMk/>
+            <pc:sldMk cId="828832849" sldId="284"/>
+            <ac:spMk id="3" creationId="{B21CB584-21EE-4172-8055-76E5F92C40F6}"/>
+          </ac:spMkLst>
+        </pc:spChg>
+        <pc:spChg chg="add del mod">
+          <ac:chgData name="Franco Ruggeri" userId="f8fb41c0b3afb4f0" providerId="LiveId" clId="{D8044BFB-ECB7-4860-8B53-8AB623343355}" dt="2019-10-23T00:39:22.294" v="2651" actId="478"/>
+          <ac:spMkLst>
+            <pc:docMk/>
+            <pc:sldMk cId="828832849" sldId="284"/>
+            <ac:spMk id="5" creationId="{97EC5D19-E5B4-4971-991F-63FE9014F3B0}"/>
+          </ac:spMkLst>
+        </pc:spChg>
+        <pc:picChg chg="add del">
+          <ac:chgData name="Franco Ruggeri" userId="f8fb41c0b3afb4f0" providerId="LiveId" clId="{D8044BFB-ECB7-4860-8B53-8AB623343355}" dt="2019-10-23T00:39:22.294" v="2651" actId="478"/>
+          <ac:picMkLst>
+            <pc:docMk/>
+            <pc:sldMk cId="828832849" sldId="284"/>
+            <ac:picMk id="4" creationId="{F916D5FC-9598-4A7F-B02C-6E338F6DFCB2}"/>
+          </ac:picMkLst>
+        </pc:picChg>
+        <pc:picChg chg="add del mod">
+          <ac:chgData name="Franco Ruggeri" userId="f8fb41c0b3afb4f0" providerId="LiveId" clId="{D8044BFB-ECB7-4860-8B53-8AB623343355}" dt="2019-10-23T00:39:21.934" v="2650"/>
+          <ac:picMkLst>
+            <pc:docMk/>
+            <pc:sldMk cId="828832849" sldId="284"/>
+            <ac:picMk id="7" creationId="{5C56D63F-BAE2-48BB-9CF6-5225D6393B14}"/>
+          </ac:picMkLst>
+        </pc:picChg>
+      </pc:sldChg>
+      <pc:sldChg chg="modSp add del">
+        <pc:chgData name="Franco Ruggeri" userId="f8fb41c0b3afb4f0" providerId="LiveId" clId="{D8044BFB-ECB7-4860-8B53-8AB623343355}" dt="2019-10-23T00:43:22.585" v="2767" actId="2696"/>
+        <pc:sldMkLst>
+          <pc:docMk/>
+          <pc:sldMk cId="1777741300" sldId="284"/>
+        </pc:sldMkLst>
+        <pc:spChg chg="mod">
+          <ac:chgData name="Franco Ruggeri" userId="f8fb41c0b3afb4f0" providerId="LiveId" clId="{D8044BFB-ECB7-4860-8B53-8AB623343355}" dt="2019-10-23T00:40:17.614" v="2672" actId="20577"/>
+          <ac:spMkLst>
+            <pc:docMk/>
+            <pc:sldMk cId="1777741300" sldId="284"/>
+            <ac:spMk id="20" creationId="{14E2A788-8C9A-4B5A-A077-DACFA868154A}"/>
+          </ac:spMkLst>
+        </pc:spChg>
+      </pc:sldChg>
+      <pc:sldChg chg="addSp delSp modSp add del">
+        <pc:chgData name="Franco Ruggeri" userId="f8fb41c0b3afb4f0" providerId="LiveId" clId="{D8044BFB-ECB7-4860-8B53-8AB623343355}" dt="2019-10-23T00:43:22.079" v="2766" actId="2696"/>
+        <pc:sldMkLst>
+          <pc:docMk/>
+          <pc:sldMk cId="3960220500" sldId="285"/>
+        </pc:sldMkLst>
+        <pc:spChg chg="mod">
+          <ac:chgData name="Franco Ruggeri" userId="f8fb41c0b3afb4f0" providerId="LiveId" clId="{D8044BFB-ECB7-4860-8B53-8AB623343355}" dt="2019-10-23T00:40:54.899" v="2700"/>
+          <ac:spMkLst>
+            <pc:docMk/>
+            <pc:sldMk cId="3960220500" sldId="285"/>
+            <ac:spMk id="3" creationId="{B21CB584-21EE-4172-8055-76E5F92C40F6}"/>
+          </ac:spMkLst>
+        </pc:spChg>
+        <pc:spChg chg="add del mod">
+          <ac:chgData name="Franco Ruggeri" userId="f8fb41c0b3afb4f0" providerId="LiveId" clId="{D8044BFB-ECB7-4860-8B53-8AB623343355}" dt="2019-10-23T00:40:59.852" v="2702"/>
+          <ac:spMkLst>
+            <pc:docMk/>
+            <pc:sldMk cId="3960220500" sldId="285"/>
+            <ac:spMk id="4" creationId="{10892125-88E3-467E-BEB0-210A8F1B0E6F}"/>
+          </ac:spMkLst>
+        </pc:spChg>
+        <pc:spChg chg="mod">
+          <ac:chgData name="Franco Ruggeri" userId="f8fb41c0b3afb4f0" providerId="LiveId" clId="{D8044BFB-ECB7-4860-8B53-8AB623343355}" dt="2019-10-23T00:40:34.855" v="2699" actId="20577"/>
+          <ac:spMkLst>
+            <pc:docMk/>
+            <pc:sldMk cId="3960220500" sldId="285"/>
+            <ac:spMk id="20" creationId="{14E2A788-8C9A-4B5A-A077-DACFA868154A}"/>
+          </ac:spMkLst>
+        </pc:spChg>
+        <pc:picChg chg="del">
+          <ac:chgData name="Franco Ruggeri" userId="f8fb41c0b3afb4f0" providerId="LiveId" clId="{D8044BFB-ECB7-4860-8B53-8AB623343355}" dt="2019-10-23T00:40:56.286" v="2701" actId="478"/>
+          <ac:picMkLst>
+            <pc:docMk/>
+            <pc:sldMk cId="3960220500" sldId="285"/>
+            <ac:picMk id="5" creationId="{76E67CDE-0887-42B0-9936-DACFE00EBE0D}"/>
+          </ac:picMkLst>
+        </pc:picChg>
+        <pc:picChg chg="add mod">
+          <ac:chgData name="Franco Ruggeri" userId="f8fb41c0b3afb4f0" providerId="LiveId" clId="{D8044BFB-ECB7-4860-8B53-8AB623343355}" dt="2019-10-23T00:40:59.852" v="2702"/>
+          <ac:picMkLst>
+            <pc:docMk/>
+            <pc:sldMk cId="3960220500" sldId="285"/>
+            <ac:picMk id="7" creationId="{9DD27BDA-4D68-4BAF-AF00-E6B3F3E96122}"/>
+          </ac:picMkLst>
+        </pc:picChg>
+      </pc:sldChg>
+      <pc:sldChg chg="addSp delSp modSp add mod setBg delDesignElem">
+        <pc:chgData name="Franco Ruggeri" userId="f8fb41c0b3afb4f0" providerId="LiveId" clId="{D8044BFB-ECB7-4860-8B53-8AB623343355}" dt="2019-10-23T00:46:51.242" v="2802" actId="26606"/>
+        <pc:sldMkLst>
+          <pc:docMk/>
+          <pc:sldMk cId="3402406186" sldId="286"/>
+        </pc:sldMkLst>
+        <pc:spChg chg="mod">
+          <ac:chgData name="Franco Ruggeri" userId="f8fb41c0b3afb4f0" providerId="LiveId" clId="{D8044BFB-ECB7-4860-8B53-8AB623343355}" dt="2019-10-23T00:46:37.123" v="2791" actId="26606"/>
+          <ac:spMkLst>
+            <pc:docMk/>
+            <pc:sldMk cId="3402406186" sldId="286"/>
+            <ac:spMk id="3" creationId="{B21CB584-21EE-4172-8055-76E5F92C40F6}"/>
+          </ac:spMkLst>
+        </pc:spChg>
+        <pc:spChg chg="add del mod">
+          <ac:chgData name="Franco Ruggeri" userId="f8fb41c0b3afb4f0" providerId="LiveId" clId="{D8044BFB-ECB7-4860-8B53-8AB623343355}" dt="2019-10-23T00:46:19.058" v="2786" actId="478"/>
+          <ac:spMkLst>
+            <pc:docMk/>
+            <pc:sldMk cId="3402406186" sldId="286"/>
+            <ac:spMk id="5" creationId="{FA1FAC15-08EC-4E01-8EDD-2DFDDAD3DC88}"/>
+          </ac:spMkLst>
+        </pc:spChg>
+        <pc:spChg chg="mod">
+          <ac:chgData name="Franco Ruggeri" userId="f8fb41c0b3afb4f0" providerId="LiveId" clId="{D8044BFB-ECB7-4860-8B53-8AB623343355}" dt="2019-10-23T00:44:49.961" v="2784" actId="20577"/>
+          <ac:spMkLst>
+            <pc:docMk/>
+            <pc:sldMk cId="3402406186" sldId="286"/>
+            <ac:spMk id="20" creationId="{14E2A788-8C9A-4B5A-A077-DACFA868154A}"/>
+          </ac:spMkLst>
+        </pc:spChg>
+        <pc:picChg chg="del">
+          <ac:chgData name="Franco Ruggeri" userId="f8fb41c0b3afb4f0" providerId="LiveId" clId="{D8044BFB-ECB7-4860-8B53-8AB623343355}" dt="2019-10-23T00:46:19.703" v="2787" actId="478"/>
+          <ac:picMkLst>
+            <pc:docMk/>
+            <pc:sldMk cId="3402406186" sldId="286"/>
+            <ac:picMk id="4" creationId="{F0C0799D-613F-4AA4-997E-D14E4F4E1EBC}"/>
+          </ac:picMkLst>
+        </pc:picChg>
+        <pc:picChg chg="del">
+          <ac:chgData name="Franco Ruggeri" userId="f8fb41c0b3afb4f0" providerId="LiveId" clId="{D8044BFB-ECB7-4860-8B53-8AB623343355}" dt="2019-10-23T00:46:15.850" v="2785" actId="478"/>
+          <ac:picMkLst>
+            <pc:docMk/>
+            <pc:sldMk cId="3402406186" sldId="286"/>
+            <ac:picMk id="6" creationId="{344B735E-4B68-42C5-B621-CAFA8512334C}"/>
+          </ac:picMkLst>
+        </pc:picChg>
+        <pc:picChg chg="add del mod">
+          <ac:chgData name="Franco Ruggeri" userId="f8fb41c0b3afb4f0" providerId="LiveId" clId="{D8044BFB-ECB7-4860-8B53-8AB623343355}" dt="2019-10-23T00:46:46.026" v="2798" actId="478"/>
+          <ac:picMkLst>
+            <pc:docMk/>
+            <pc:sldMk cId="3402406186" sldId="286"/>
+            <ac:picMk id="8" creationId="{89AC1BF8-862C-4B83-A406-F62579C9597B}"/>
+          </ac:picMkLst>
+        </pc:picChg>
+        <pc:picChg chg="add del mod">
+          <ac:chgData name="Franco Ruggeri" userId="f8fb41c0b3afb4f0" providerId="LiveId" clId="{D8044BFB-ECB7-4860-8B53-8AB623343355}" dt="2019-10-23T00:46:46.465" v="2799" actId="478"/>
+          <ac:picMkLst>
+            <pc:docMk/>
+            <pc:sldMk cId="3402406186" sldId="286"/>
+            <ac:picMk id="10" creationId="{4C433432-B9A4-4C2B-B2D8-8898C1A62B1A}"/>
+          </ac:picMkLst>
+        </pc:picChg>
+        <pc:picChg chg="add mod ord">
+          <ac:chgData name="Franco Ruggeri" userId="f8fb41c0b3afb4f0" providerId="LiveId" clId="{D8044BFB-ECB7-4860-8B53-8AB623343355}" dt="2019-10-23T00:46:51.242" v="2802" actId="26606"/>
+          <ac:picMkLst>
+            <pc:docMk/>
+            <pc:sldMk cId="3402406186" sldId="286"/>
+            <ac:picMk id="12" creationId="{A80E2C67-DAE8-4DBD-9952-B9D618F0D7D3}"/>
+          </ac:picMkLst>
+        </pc:picChg>
+        <pc:picChg chg="add mod">
+          <ac:chgData name="Franco Ruggeri" userId="f8fb41c0b3afb4f0" providerId="LiveId" clId="{D8044BFB-ECB7-4860-8B53-8AB623343355}" dt="2019-10-23T00:46:51.242" v="2802" actId="26606"/>
+          <ac:picMkLst>
+            <pc:docMk/>
+            <pc:sldMk cId="3402406186" sldId="286"/>
+            <ac:picMk id="14" creationId="{02F131B3-ABC1-4796-8A32-3E38543C2061}"/>
+          </ac:picMkLst>
+        </pc:picChg>
+        <pc:picChg chg="add del">
+          <ac:chgData name="Franco Ruggeri" userId="f8fb41c0b3afb4f0" providerId="LiveId" clId="{D8044BFB-ECB7-4860-8B53-8AB623343355}" dt="2019-10-23T00:46:51.242" v="2802" actId="26606"/>
+          <ac:picMkLst>
+            <pc:docMk/>
+            <pc:sldMk cId="3402406186" sldId="286"/>
+            <ac:picMk id="25" creationId="{EE253802-2FE2-4F1F-B256-423BEF09FB90}"/>
+          </ac:picMkLst>
+        </pc:picChg>
+        <pc:picChg chg="add">
+          <ac:chgData name="Franco Ruggeri" userId="f8fb41c0b3afb4f0" providerId="LiveId" clId="{D8044BFB-ECB7-4860-8B53-8AB623343355}" dt="2019-10-23T00:46:51.242" v="2802" actId="26606"/>
+          <ac:picMkLst>
+            <pc:docMk/>
+            <pc:sldMk cId="3402406186" sldId="286"/>
+            <ac:picMk id="27" creationId="{EE253802-2FE2-4F1F-B256-423BEF09FB90}"/>
+          </ac:picMkLst>
+        </pc:picChg>
+        <pc:picChg chg="add del">
+          <ac:chgData name="Franco Ruggeri" userId="f8fb41c0b3afb4f0" providerId="LiveId" clId="{D8044BFB-ECB7-4860-8B53-8AB623343355}" dt="2019-10-23T00:46:44.002" v="2797" actId="26606"/>
+          <ac:picMkLst>
+            <pc:docMk/>
+            <pc:sldMk cId="3402406186" sldId="286"/>
+            <ac:picMk id="30" creationId="{EE253802-2FE2-4F1F-B256-423BEF09FB90}"/>
+          </ac:picMkLst>
+        </pc:picChg>
+        <pc:picChg chg="del">
+          <ac:chgData name="Franco Ruggeri" userId="f8fb41c0b3afb4f0" providerId="LiveId" clId="{D8044BFB-ECB7-4860-8B53-8AB623343355}" dt="2019-10-23T00:43:20.007" v="2765"/>
+          <ac:picMkLst>
+            <pc:docMk/>
+            <pc:sldMk cId="3402406186" sldId="286"/>
+            <ac:picMk id="33" creationId="{EE253802-2FE2-4F1F-B256-423BEF09FB90}"/>
+          </ac:picMkLst>
+        </pc:picChg>
+      </pc:sldChg>
+      <pc:sldChg chg="delSp modSp add setBg delDesignElem">
+        <pc:chgData name="Franco Ruggeri" userId="f8fb41c0b3afb4f0" providerId="LiveId" clId="{D8044BFB-ECB7-4860-8B53-8AB623343355}" dt="2019-10-23T01:05:16.756" v="3539" actId="20577"/>
+        <pc:sldMkLst>
+          <pc:docMk/>
+          <pc:sldMk cId="4048875456" sldId="287"/>
+        </pc:sldMkLst>
+        <pc:spChg chg="mod">
+          <ac:chgData name="Franco Ruggeri" userId="f8fb41c0b3afb4f0" providerId="LiveId" clId="{D8044BFB-ECB7-4860-8B53-8AB623343355}" dt="2019-10-23T01:05:16.756" v="3539" actId="20577"/>
+          <ac:spMkLst>
+            <pc:docMk/>
+            <pc:sldMk cId="4048875456" sldId="287"/>
+            <ac:spMk id="3" creationId="{B21CB584-21EE-4172-8055-76E5F92C40F6}"/>
+          </ac:spMkLst>
+        </pc:spChg>
+        <pc:spChg chg="mod">
+          <ac:chgData name="Franco Ruggeri" userId="f8fb41c0b3afb4f0" providerId="LiveId" clId="{D8044BFB-ECB7-4860-8B53-8AB623343355}" dt="2019-10-23T00:47:44.507" v="2824" actId="20577"/>
+          <ac:spMkLst>
+            <pc:docMk/>
+            <pc:sldMk cId="4048875456" sldId="287"/>
+            <ac:spMk id="20" creationId="{14E2A788-8C9A-4B5A-A077-DACFA868154A}"/>
+          </ac:spMkLst>
+        </pc:spChg>
+        <pc:picChg chg="del">
+          <ac:chgData name="Franco Ruggeri" userId="f8fb41c0b3afb4f0" providerId="LiveId" clId="{D8044BFB-ECB7-4860-8B53-8AB623343355}" dt="2019-10-23T00:47:35.217" v="2806" actId="478"/>
+          <ac:picMkLst>
+            <pc:docMk/>
+            <pc:sldMk cId="4048875456" sldId="287"/>
+            <ac:picMk id="12" creationId="{A80E2C67-DAE8-4DBD-9952-B9D618F0D7D3}"/>
+          </ac:picMkLst>
+        </pc:picChg>
+        <pc:picChg chg="del">
+          <ac:chgData name="Franco Ruggeri" userId="f8fb41c0b3afb4f0" providerId="LiveId" clId="{D8044BFB-ECB7-4860-8B53-8AB623343355}" dt="2019-10-23T00:47:34.906" v="2805" actId="478"/>
+          <ac:picMkLst>
+            <pc:docMk/>
+            <pc:sldMk cId="4048875456" sldId="287"/>
+            <ac:picMk id="14" creationId="{02F131B3-ABC1-4796-8A32-3E38543C2061}"/>
+          </ac:picMkLst>
+        </pc:picChg>
+        <pc:picChg chg="del">
+          <ac:chgData name="Franco Ruggeri" userId="f8fb41c0b3afb4f0" providerId="LiveId" clId="{D8044BFB-ECB7-4860-8B53-8AB623343355}" dt="2019-10-23T00:47:25.344" v="2804"/>
+          <ac:picMkLst>
+            <pc:docMk/>
+            <pc:sldMk cId="4048875456" sldId="287"/>
+            <ac:picMk id="27" creationId="{EE253802-2FE2-4F1F-B256-423BEF09FB90}"/>
           </ac:picMkLst>
         </pc:picChg>
       </pc:sldChg>
@@ -431,37 +1215,6 @@
         <pc:docMk/>
       </pc:docMkLst>
       <pc:sldChg chg="addSp delSp modSp">
-        <pc:chgData name="Franco Ruggeri" userId="f8fb41c0b3afb4f0" providerId="LiveId" clId="{F5C4D789-79BD-4735-80BF-948E53497136}" dt="2019-10-09T22:39:33.246" v="1556" actId="20577"/>
-        <pc:sldMkLst>
-          <pc:docMk/>
-          <pc:sldMk cId="1469382393" sldId="257"/>
-        </pc:sldMkLst>
-        <pc:spChg chg="mod">
-          <ac:chgData name="Franco Ruggeri" userId="f8fb41c0b3afb4f0" providerId="LiveId" clId="{F5C4D789-79BD-4735-80BF-948E53497136}" dt="2019-10-09T22:39:33.246" v="1556" actId="20577"/>
-          <ac:spMkLst>
-            <pc:docMk/>
-            <pc:sldMk cId="1469382393" sldId="257"/>
-            <ac:spMk id="9" creationId="{743CDFEC-19D5-480F-B796-DD158E7D5302}"/>
-          </ac:spMkLst>
-        </pc:spChg>
-        <pc:picChg chg="add mod">
-          <ac:chgData name="Franco Ruggeri" userId="f8fb41c0b3afb4f0" providerId="LiveId" clId="{F5C4D789-79BD-4735-80BF-948E53497136}" dt="2019-10-09T22:29:54.368" v="1436" actId="1076"/>
-          <ac:picMkLst>
-            <pc:docMk/>
-            <pc:sldMk cId="1469382393" sldId="257"/>
-            <ac:picMk id="4" creationId="{E520B093-8466-4647-A18F-9E451E5CACE9}"/>
-          </ac:picMkLst>
-        </pc:picChg>
-        <pc:picChg chg="add del">
-          <ac:chgData name="Franco Ruggeri" userId="f8fb41c0b3afb4f0" providerId="LiveId" clId="{F5C4D789-79BD-4735-80BF-948E53497136}" dt="2019-10-09T22:29:32.705" v="1431" actId="478"/>
-          <ac:picMkLst>
-            <pc:docMk/>
-            <pc:sldMk cId="1469382393" sldId="257"/>
-            <ac:picMk id="5" creationId="{34E1C447-BD62-4DF8-83DB-836AAC112C03}"/>
-          </ac:picMkLst>
-        </pc:picChg>
-      </pc:sldChg>
-      <pc:sldChg chg="addSp delSp modSp">
         <pc:chgData name="Franco Ruggeri" userId="f8fb41c0b3afb4f0" providerId="LiveId" clId="{F5C4D789-79BD-4735-80BF-948E53497136}" dt="2019-10-09T23:10:38.347" v="1957" actId="26606"/>
         <pc:sldMkLst>
           <pc:docMk/>
@@ -619,76 +1372,6 @@
             <ac:picMk id="24" creationId="{E0A41B70-364F-4590-88AD-030DE35B4F3D}"/>
           </ac:picMkLst>
         </pc:picChg>
-      </pc:sldChg>
-      <pc:sldChg chg="addSp delSp modSp">
-        <pc:chgData name="Franco Ruggeri" userId="f8fb41c0b3afb4f0" providerId="LiveId" clId="{F5C4D789-79BD-4735-80BF-948E53497136}" dt="2019-10-09T23:15:33.222" v="1995" actId="20577"/>
-        <pc:sldMkLst>
-          <pc:docMk/>
-          <pc:sldMk cId="2708024467" sldId="259"/>
-        </pc:sldMkLst>
-        <pc:spChg chg="mod">
-          <ac:chgData name="Franco Ruggeri" userId="f8fb41c0b3afb4f0" providerId="LiveId" clId="{F5C4D789-79BD-4735-80BF-948E53497136}" dt="2019-10-09T23:15:33.222" v="1995" actId="20577"/>
-          <ac:spMkLst>
-            <pc:docMk/>
-            <pc:sldMk cId="2708024467" sldId="259"/>
-            <ac:spMk id="2" creationId="{94962D0F-060B-455D-AE22-3081286434C9}"/>
-          </ac:spMkLst>
-        </pc:spChg>
-        <pc:spChg chg="mod">
-          <ac:chgData name="Franco Ruggeri" userId="f8fb41c0b3afb4f0" providerId="LiveId" clId="{F5C4D789-79BD-4735-80BF-948E53497136}" dt="2019-10-09T23:08:24.257" v="1931" actId="20577"/>
-          <ac:spMkLst>
-            <pc:docMk/>
-            <pc:sldMk cId="2708024467" sldId="259"/>
-            <ac:spMk id="11" creationId="{F1E36F99-EDF6-46A9-8D4B-16A41898FF74}"/>
-          </ac:spMkLst>
-        </pc:spChg>
-        <pc:picChg chg="add mod">
-          <ac:chgData name="Franco Ruggeri" userId="f8fb41c0b3afb4f0" providerId="LiveId" clId="{F5C4D789-79BD-4735-80BF-948E53497136}" dt="2019-10-09T23:11:27.901" v="1963" actId="1076"/>
-          <ac:picMkLst>
-            <pc:docMk/>
-            <pc:sldMk cId="2708024467" sldId="259"/>
-            <ac:picMk id="4" creationId="{E20E788D-D0CA-4359-B660-070FD1935045}"/>
-          </ac:picMkLst>
-        </pc:picChg>
-        <pc:picChg chg="del">
-          <ac:chgData name="Franco Ruggeri" userId="f8fb41c0b3afb4f0" providerId="LiveId" clId="{F5C4D789-79BD-4735-80BF-948E53497136}" dt="2019-10-09T23:08:47.568" v="1933" actId="478"/>
-          <ac:picMkLst>
-            <pc:docMk/>
-            <pc:sldMk cId="2708024467" sldId="259"/>
-            <ac:picMk id="5" creationId="{49586848-5D85-4601-8BE9-E1F121190C95}"/>
-          </ac:picMkLst>
-        </pc:picChg>
-        <pc:picChg chg="del">
-          <ac:chgData name="Franco Ruggeri" userId="f8fb41c0b3afb4f0" providerId="LiveId" clId="{F5C4D789-79BD-4735-80BF-948E53497136}" dt="2019-10-09T23:08:46.251" v="1932" actId="478"/>
-          <ac:picMkLst>
-            <pc:docMk/>
-            <pc:sldMk cId="2708024467" sldId="259"/>
-            <ac:picMk id="7" creationId="{6CFEA171-94DD-4AE1-8DCE-F630D10C9DE7}"/>
-          </ac:picMkLst>
-        </pc:picChg>
-        <pc:picChg chg="add mod">
-          <ac:chgData name="Franco Ruggeri" userId="f8fb41c0b3afb4f0" providerId="LiveId" clId="{F5C4D789-79BD-4735-80BF-948E53497136}" dt="2019-10-09T23:11:31.917" v="1964" actId="1076"/>
-          <ac:picMkLst>
-            <pc:docMk/>
-            <pc:sldMk cId="2708024467" sldId="259"/>
-            <ac:picMk id="8" creationId="{CF06657F-E32B-4342-A7E9-A62582494DF2}"/>
-          </ac:picMkLst>
-        </pc:picChg>
-      </pc:sldChg>
-      <pc:sldChg chg="modSp">
-        <pc:chgData name="Franco Ruggeri" userId="f8fb41c0b3afb4f0" providerId="LiveId" clId="{F5C4D789-79BD-4735-80BF-948E53497136}" dt="2019-10-09T23:21:04.532" v="2021" actId="20577"/>
-        <pc:sldMkLst>
-          <pc:docMk/>
-          <pc:sldMk cId="3678269272" sldId="265"/>
-        </pc:sldMkLst>
-        <pc:spChg chg="mod">
-          <ac:chgData name="Franco Ruggeri" userId="f8fb41c0b3afb4f0" providerId="LiveId" clId="{F5C4D789-79BD-4735-80BF-948E53497136}" dt="2019-10-09T23:21:04.532" v="2021" actId="20577"/>
-          <ac:spMkLst>
-            <pc:docMk/>
-            <pc:sldMk cId="3678269272" sldId="265"/>
-            <ac:spMk id="2" creationId="{E2BD2527-3AAD-4F9E-B47F-DFDD22A0874D}"/>
-          </ac:spMkLst>
-        </pc:spChg>
       </pc:sldChg>
       <pc:sldChg chg="addSp delSp modSp add">
         <pc:chgData name="Franco Ruggeri" userId="f8fb41c0b3afb4f0" providerId="LiveId" clId="{F5C4D789-79BD-4735-80BF-948E53497136}" dt="2019-10-09T23:27:22.492" v="2120" actId="113"/>
@@ -984,179 +1667,6 @@
           </ac:picMkLst>
         </pc:picChg>
       </pc:sldChg>
-      <pc:sldChg chg="addSp delSp modSp add">
-        <pc:chgData name="Franco Ruggeri" userId="f8fb41c0b3afb4f0" providerId="LiveId" clId="{F5C4D789-79BD-4735-80BF-948E53497136}" dt="2019-10-09T23:27:30.795" v="2124" actId="113"/>
-        <pc:sldMkLst>
-          <pc:docMk/>
-          <pc:sldMk cId="1075614242" sldId="269"/>
-        </pc:sldMkLst>
-        <pc:spChg chg="add mod">
-          <ac:chgData name="Franco Ruggeri" userId="f8fb41c0b3afb4f0" providerId="LiveId" clId="{F5C4D789-79BD-4735-80BF-948E53497136}" dt="2019-10-09T23:25:17.288" v="2048" actId="20577"/>
-          <ac:spMkLst>
-            <pc:docMk/>
-            <pc:sldMk cId="1075614242" sldId="269"/>
-            <ac:spMk id="3" creationId="{F22E47A0-7FE4-4BDD-9F0B-092D74358B57}"/>
-          </ac:spMkLst>
-        </pc:spChg>
-        <pc:spChg chg="add del mod">
-          <ac:chgData name="Franco Ruggeri" userId="f8fb41c0b3afb4f0" providerId="LiveId" clId="{F5C4D789-79BD-4735-80BF-948E53497136}" dt="2019-10-09T18:02:59.221" v="479"/>
-          <ac:spMkLst>
-            <pc:docMk/>
-            <pc:sldMk cId="1075614242" sldId="269"/>
-            <ac:spMk id="5" creationId="{10E268FE-E475-4236-A1AA-8DD1F9F6358C}"/>
-          </ac:spMkLst>
-        </pc:spChg>
-        <pc:spChg chg="del">
-          <ac:chgData name="Franco Ruggeri" userId="f8fb41c0b3afb4f0" providerId="LiveId" clId="{F5C4D789-79BD-4735-80BF-948E53497136}" dt="2019-10-09T18:02:49.382" v="478" actId="478"/>
-          <ac:spMkLst>
-            <pc:docMk/>
-            <pc:sldMk cId="1075614242" sldId="269"/>
-            <ac:spMk id="10" creationId="{D44ECFBD-AB61-40EE-BBCB-E066F4981B7E}"/>
-          </ac:spMkLst>
-        </pc:spChg>
-        <pc:spChg chg="add del mod">
-          <ac:chgData name="Franco Ruggeri" userId="f8fb41c0b3afb4f0" providerId="LiveId" clId="{F5C4D789-79BD-4735-80BF-948E53497136}" dt="2019-10-09T18:22:37.516" v="875"/>
-          <ac:spMkLst>
-            <pc:docMk/>
-            <pc:sldMk cId="1075614242" sldId="269"/>
-            <ac:spMk id="14" creationId="{63E35143-4B58-4A8E-B810-1165BB29AE46}"/>
-          </ac:spMkLst>
-        </pc:spChg>
-        <pc:spChg chg="add del mod">
-          <ac:chgData name="Franco Ruggeri" userId="f8fb41c0b3afb4f0" providerId="LiveId" clId="{F5C4D789-79BD-4735-80BF-948E53497136}" dt="2019-10-09T22:29:13.023" v="1427"/>
-          <ac:spMkLst>
-            <pc:docMk/>
-            <pc:sldMk cId="1075614242" sldId="269"/>
-            <ac:spMk id="18" creationId="{4F998152-8356-46A3-B065-CC155023C25E}"/>
-          </ac:spMkLst>
-        </pc:spChg>
-        <pc:spChg chg="mod">
-          <ac:chgData name="Franco Ruggeri" userId="f8fb41c0b3afb4f0" providerId="LiveId" clId="{F5C4D789-79BD-4735-80BF-948E53497136}" dt="2019-10-09T23:27:30.795" v="2124" actId="113"/>
-          <ac:spMkLst>
-            <pc:docMk/>
-            <pc:sldMk cId="1075614242" sldId="269"/>
-            <ac:spMk id="20" creationId="{14E2A788-8C9A-4B5A-A077-DACFA868154A}"/>
-          </ac:spMkLst>
-        </pc:spChg>
-        <pc:picChg chg="del">
-          <ac:chgData name="Franco Ruggeri" userId="f8fb41c0b3afb4f0" providerId="LiveId" clId="{F5C4D789-79BD-4735-80BF-948E53497136}" dt="2019-10-09T18:02:44.614" v="477" actId="478"/>
-          <ac:picMkLst>
-            <pc:docMk/>
-            <pc:sldMk cId="1075614242" sldId="269"/>
-            <ac:picMk id="7" creationId="{9EF35753-DE3B-496C-8518-F3012D53480F}"/>
-          </ac:picMkLst>
-        </pc:picChg>
-        <pc:picChg chg="add del mod">
-          <ac:chgData name="Franco Ruggeri" userId="f8fb41c0b3afb4f0" providerId="LiveId" clId="{F5C4D789-79BD-4735-80BF-948E53497136}" dt="2019-10-09T18:22:35.204" v="874" actId="478"/>
-          <ac:picMkLst>
-            <pc:docMk/>
-            <pc:sldMk cId="1075614242" sldId="269"/>
-            <ac:picMk id="8" creationId="{096BEF1F-6045-46E0-A78D-E5553A1B4883}"/>
-          </ac:picMkLst>
-        </pc:picChg>
-        <pc:picChg chg="del">
-          <ac:chgData name="Franco Ruggeri" userId="f8fb41c0b3afb4f0" providerId="LiveId" clId="{F5C4D789-79BD-4735-80BF-948E53497136}" dt="2019-10-09T18:02:44.302" v="476" actId="478"/>
-          <ac:picMkLst>
-            <pc:docMk/>
-            <pc:sldMk cId="1075614242" sldId="269"/>
-            <ac:picMk id="9" creationId="{4224EF7A-45E7-41DA-B510-754392EDB678}"/>
-          </ac:picMkLst>
-        </pc:picChg>
-        <pc:picChg chg="add del mod">
-          <ac:chgData name="Franco Ruggeri" userId="f8fb41c0b3afb4f0" providerId="LiveId" clId="{F5C4D789-79BD-4735-80BF-948E53497136}" dt="2019-10-09T18:22:34.437" v="873" actId="478"/>
-          <ac:picMkLst>
-            <pc:docMk/>
-            <pc:sldMk cId="1075614242" sldId="269"/>
-            <ac:picMk id="12" creationId="{2030200E-7BEE-4D83-9B50-AB73798907B9}"/>
-          </ac:picMkLst>
-        </pc:picChg>
-        <pc:picChg chg="add del mod">
-          <ac:chgData name="Franco Ruggeri" userId="f8fb41c0b3afb4f0" providerId="LiveId" clId="{F5C4D789-79BD-4735-80BF-948E53497136}" dt="2019-10-09T22:29:10.009" v="1426" actId="478"/>
-          <ac:picMkLst>
-            <pc:docMk/>
-            <pc:sldMk cId="1075614242" sldId="269"/>
-            <ac:picMk id="16" creationId="{B8AA5853-73DB-4CB6-95C6-560C9D101DA4}"/>
-          </ac:picMkLst>
-        </pc:picChg>
-        <pc:picChg chg="add mod">
-          <ac:chgData name="Franco Ruggeri" userId="f8fb41c0b3afb4f0" providerId="LiveId" clId="{F5C4D789-79BD-4735-80BF-948E53497136}" dt="2019-10-09T22:29:13.023" v="1427"/>
-          <ac:picMkLst>
-            <pc:docMk/>
-            <pc:sldMk cId="1075614242" sldId="269"/>
-            <ac:picMk id="21" creationId="{1FD78719-7661-473E-B28B-41954B81480D}"/>
-          </ac:picMkLst>
-        </pc:picChg>
-      </pc:sldChg>
-      <pc:sldChg chg="addSp delSp modSp add">
-        <pc:chgData name="Franco Ruggeri" userId="f8fb41c0b3afb4f0" providerId="LiveId" clId="{F5C4D789-79BD-4735-80BF-948E53497136}" dt="2019-10-09T23:27:33.211" v="2125" actId="113"/>
-        <pc:sldMkLst>
-          <pc:docMk/>
-          <pc:sldMk cId="2238127685" sldId="270"/>
-        </pc:sldMkLst>
-        <pc:spChg chg="mod">
-          <ac:chgData name="Franco Ruggeri" userId="f8fb41c0b3afb4f0" providerId="LiveId" clId="{F5C4D789-79BD-4735-80BF-948E53497136}" dt="2019-10-09T23:25:59.478" v="2100" actId="20577"/>
-          <ac:spMkLst>
-            <pc:docMk/>
-            <pc:sldMk cId="2238127685" sldId="270"/>
-            <ac:spMk id="3" creationId="{F22E47A0-7FE4-4BDD-9F0B-092D74358B57}"/>
-          </ac:spMkLst>
-        </pc:spChg>
-        <pc:spChg chg="add del mod">
-          <ac:chgData name="Franco Ruggeri" userId="f8fb41c0b3afb4f0" providerId="LiveId" clId="{F5C4D789-79BD-4735-80BF-948E53497136}" dt="2019-10-09T18:09:23.461" v="871"/>
-          <ac:spMkLst>
-            <pc:docMk/>
-            <pc:sldMk cId="2238127685" sldId="270"/>
-            <ac:spMk id="4" creationId="{B4DBEC28-DC41-4D70-8A11-781E41083519}"/>
-          </ac:spMkLst>
-        </pc:spChg>
-        <pc:spChg chg="mod">
-          <ac:chgData name="Franco Ruggeri" userId="f8fb41c0b3afb4f0" providerId="LiveId" clId="{F5C4D789-79BD-4735-80BF-948E53497136}" dt="2019-10-09T23:27:33.211" v="2125" actId="113"/>
-          <ac:spMkLst>
-            <pc:docMk/>
-            <pc:sldMk cId="2238127685" sldId="270"/>
-            <ac:spMk id="20" creationId="{14E2A788-8C9A-4B5A-A077-DACFA868154A}"/>
-          </ac:spMkLst>
-        </pc:spChg>
-        <pc:picChg chg="add mod">
-          <ac:chgData name="Franco Ruggeri" userId="f8fb41c0b3afb4f0" providerId="LiveId" clId="{F5C4D789-79BD-4735-80BF-948E53497136}" dt="2019-10-09T18:09:23.461" v="871"/>
-          <ac:picMkLst>
-            <pc:docMk/>
-            <pc:sldMk cId="2238127685" sldId="270"/>
-            <ac:picMk id="6" creationId="{E50C6AC5-7D33-4B3D-A23C-97936A15DF4A}"/>
-          </ac:picMkLst>
-        </pc:picChg>
-        <pc:picChg chg="del">
-          <ac:chgData name="Franco Ruggeri" userId="f8fb41c0b3afb4f0" providerId="LiveId" clId="{F5C4D789-79BD-4735-80BF-948E53497136}" dt="2019-10-09T18:09:19.408" v="870" actId="478"/>
-          <ac:picMkLst>
-            <pc:docMk/>
-            <pc:sldMk cId="2238127685" sldId="270"/>
-            <ac:picMk id="8" creationId="{096BEF1F-6045-46E0-A78D-E5553A1B4883}"/>
-          </ac:picMkLst>
-        </pc:picChg>
-      </pc:sldChg>
-      <pc:sldChg chg="modSp add">
-        <pc:chgData name="Franco Ruggeri" userId="f8fb41c0b3afb4f0" providerId="LiveId" clId="{F5C4D789-79BD-4735-80BF-948E53497136}" dt="2019-10-10T00:49:43.740" v="3366" actId="20577"/>
-        <pc:sldMkLst>
-          <pc:docMk/>
-          <pc:sldMk cId="3817413176" sldId="271"/>
-        </pc:sldMkLst>
-        <pc:spChg chg="mod">
-          <ac:chgData name="Franco Ruggeri" userId="f8fb41c0b3afb4f0" providerId="LiveId" clId="{F5C4D789-79BD-4735-80BF-948E53497136}" dt="2019-10-09T23:27:49.671" v="2152" actId="113"/>
-          <ac:spMkLst>
-            <pc:docMk/>
-            <pc:sldMk cId="3817413176" sldId="271"/>
-            <ac:spMk id="2" creationId="{AF17BB29-8C35-4E47-ACA6-8D478C7B130B}"/>
-          </ac:spMkLst>
-        </pc:spChg>
-        <pc:spChg chg="mod">
-          <ac:chgData name="Franco Ruggeri" userId="f8fb41c0b3afb4f0" providerId="LiveId" clId="{F5C4D789-79BD-4735-80BF-948E53497136}" dt="2019-10-10T00:49:43.740" v="3366" actId="20577"/>
-          <ac:spMkLst>
-            <pc:docMk/>
-            <pc:sldMk cId="3817413176" sldId="271"/>
-            <ac:spMk id="3" creationId="{A078EA66-7F7D-4DC5-BC61-A20F8C5B924B}"/>
-          </ac:spMkLst>
-        </pc:spChg>
-      </pc:sldChg>
     </pc:docChg>
   </pc:docChgLst>
   <pc:docChgLst>
@@ -1166,29 +1676,6 @@
       <pc:docMkLst>
         <pc:docMk/>
       </pc:docMkLst>
-      <pc:sldChg chg="delSp modSp">
-        <pc:chgData name="Franco Ruggeri" userId="f8fb41c0b3afb4f0" providerId="LiveId" clId="{91284456-B732-4D55-8327-55814796A3F8}" dt="2019-10-10T12:20:35.321" v="1" actId="1076"/>
-        <pc:sldMkLst>
-          <pc:docMk/>
-          <pc:sldMk cId="1719672851" sldId="272"/>
-        </pc:sldMkLst>
-        <pc:spChg chg="del">
-          <ac:chgData name="Franco Ruggeri" userId="f8fb41c0b3afb4f0" providerId="LiveId" clId="{91284456-B732-4D55-8327-55814796A3F8}" dt="2019-10-10T12:20:30.139" v="0" actId="478"/>
-          <ac:spMkLst>
-            <pc:docMk/>
-            <pc:sldMk cId="1719672851" sldId="272"/>
-            <ac:spMk id="10" creationId="{CD86020C-737B-4364-912B-154E76D28C7A}"/>
-          </ac:spMkLst>
-        </pc:spChg>
-        <pc:picChg chg="mod">
-          <ac:chgData name="Franco Ruggeri" userId="f8fb41c0b3afb4f0" providerId="LiveId" clId="{91284456-B732-4D55-8327-55814796A3F8}" dt="2019-10-10T12:20:35.321" v="1" actId="1076"/>
-          <ac:picMkLst>
-            <pc:docMk/>
-            <pc:sldMk cId="1719672851" sldId="272"/>
-            <ac:picMk id="5" creationId="{00C91B6F-320B-460F-AA85-4021DA44279C}"/>
-          </ac:picMkLst>
-        </pc:picChg>
-      </pc:sldChg>
     </pc:docChg>
   </pc:docChgLst>
   <pc:docChgLst>
@@ -1198,44 +1685,6 @@
       <pc:docMkLst>
         <pc:docMk/>
       </pc:docMkLst>
-      <pc:sldChg chg="modSp">
-        <pc:chgData name="Alessandro Iucci" userId="84c7e91a124b25e9" providerId="LiveId" clId="{955445CC-B49E-44CD-B4CB-5BAC92870AA8}" dt="2019-10-09T09:44:13.077" v="657" actId="27636"/>
-        <pc:sldMkLst>
-          <pc:docMk/>
-          <pc:sldMk cId="2708024467" sldId="259"/>
-        </pc:sldMkLst>
-        <pc:spChg chg="mod">
-          <ac:chgData name="Alessandro Iucci" userId="84c7e91a124b25e9" providerId="LiveId" clId="{955445CC-B49E-44CD-B4CB-5BAC92870AA8}" dt="2019-10-09T09:44:13.077" v="657" actId="27636"/>
-          <ac:spMkLst>
-            <pc:docMk/>
-            <pc:sldMk cId="2708024467" sldId="259"/>
-            <ac:spMk id="11" creationId="{F1E36F99-EDF6-46A9-8D4B-16A41898FF74}"/>
-          </ac:spMkLst>
-        </pc:spChg>
-      </pc:sldChg>
-      <pc:sldChg chg="modSp add">
-        <pc:chgData name="Alessandro Iucci" userId="84c7e91a124b25e9" providerId="LiveId" clId="{955445CC-B49E-44CD-B4CB-5BAC92870AA8}" dt="2019-10-09T09:39:18.601" v="500" actId="113"/>
-        <pc:sldMkLst>
-          <pc:docMk/>
-          <pc:sldMk cId="3678269272" sldId="265"/>
-        </pc:sldMkLst>
-        <pc:spChg chg="mod">
-          <ac:chgData name="Alessandro Iucci" userId="84c7e91a124b25e9" providerId="LiveId" clId="{955445CC-B49E-44CD-B4CB-5BAC92870AA8}" dt="2019-10-09T09:29:05.670" v="18" actId="113"/>
-          <ac:spMkLst>
-            <pc:docMk/>
-            <pc:sldMk cId="3678269272" sldId="265"/>
-            <ac:spMk id="2" creationId="{E2BD2527-3AAD-4F9E-B47F-DFDD22A0874D}"/>
-          </ac:spMkLst>
-        </pc:spChg>
-        <pc:spChg chg="mod">
-          <ac:chgData name="Alessandro Iucci" userId="84c7e91a124b25e9" providerId="LiveId" clId="{955445CC-B49E-44CD-B4CB-5BAC92870AA8}" dt="2019-10-09T09:39:18.601" v="500" actId="113"/>
-          <ac:spMkLst>
-            <pc:docMk/>
-            <pc:sldMk cId="3678269272" sldId="265"/>
-            <ac:spMk id="3" creationId="{11775999-4446-41D8-BB54-1DD6B9042C0F}"/>
-          </ac:spMkLst>
-        </pc:spChg>
-      </pc:sldChg>
     </pc:docChg>
   </pc:docChgLst>
 </pc:chgInfo>
@@ -1260,7 +1709,7 @@
       </p:grpSpPr>
       <p:pic>
         <p:nvPicPr>
-          <p:cNvPr id="8" name="Picture 7" descr="C2-HD-BTM.png"/>
+          <p:cNvPr id="8" name="Picture 7" descr="C3-HD-BTM.png"/>
           <p:cNvPicPr>
             <a:picLocks noChangeAspect="1"/>
           </p:cNvPicPr>
@@ -1472,7 +1921,7 @@
     </p:spTree>
     <p:extLst>
       <p:ext uri="{BB962C8B-B14F-4D97-AF65-F5344CB8AC3E}">
-        <p14:creationId xmlns:p14="http://schemas.microsoft.com/office/powerpoint/2010/main" val="3855730629"/>
+        <p14:creationId xmlns:p14="http://schemas.microsoft.com/office/powerpoint/2010/main" val="256765085"/>
       </p:ext>
     </p:extLst>
   </p:cSld>
@@ -1589,7 +2038,7 @@
           </a:lstStyle>
           <a:p>
             <a:r>
-              <a:rPr lang="it-IT" dirty="0"/>
+              <a:rPr lang="it-IT"/>
               <a:t>Fare clic sull'icona per inserire un'immagine</a:t>
             </a:r>
             <a:endParaRPr lang="en-US" dirty="0"/>
@@ -1729,7 +2178,7 @@
     </p:spTree>
     <p:extLst>
       <p:ext uri="{BB962C8B-B14F-4D97-AF65-F5344CB8AC3E}">
-        <p14:creationId xmlns:p14="http://schemas.microsoft.com/office/powerpoint/2010/main" val="2448124766"/>
+        <p14:creationId xmlns:p14="http://schemas.microsoft.com/office/powerpoint/2010/main" val="4132000707"/>
       </p:ext>
     </p:extLst>
   </p:cSld>
@@ -1758,7 +2207,7 @@
       </p:grpSpPr>
       <p:pic>
         <p:nvPicPr>
-          <p:cNvPr id="9" name="Picture 8" descr="C2-HD-BTM.png"/>
+          <p:cNvPr id="9" name="Picture 8" descr="C3-HD-BTM.png"/>
           <p:cNvPicPr>
             <a:picLocks noChangeAspect="1"/>
           </p:cNvPicPr>
@@ -1970,7 +2419,7 @@
     </p:spTree>
     <p:extLst>
       <p:ext uri="{BB962C8B-B14F-4D97-AF65-F5344CB8AC3E}">
-        <p14:creationId xmlns:p14="http://schemas.microsoft.com/office/powerpoint/2010/main" val="1123096151"/>
+        <p14:creationId xmlns:p14="http://schemas.microsoft.com/office/powerpoint/2010/main" val="3447316998"/>
       </p:ext>
     </p:extLst>
   </p:cSld>
@@ -1999,7 +2448,7 @@
       </p:grpSpPr>
       <p:pic>
         <p:nvPicPr>
-          <p:cNvPr id="11" name="Picture 10" descr="C2-HD-BTM.png"/>
+          <p:cNvPr id="11" name="Picture 10" descr="C3-HD-BTM.png"/>
           <p:cNvPicPr>
             <a:picLocks noChangeAspect="1"/>
           </p:cNvPicPr>
@@ -2512,7 +2961,7 @@
     </p:spTree>
     <p:extLst>
       <p:ext uri="{BB962C8B-B14F-4D97-AF65-F5344CB8AC3E}">
-        <p14:creationId xmlns:p14="http://schemas.microsoft.com/office/powerpoint/2010/main" val="2634902232"/>
+        <p14:creationId xmlns:p14="http://schemas.microsoft.com/office/powerpoint/2010/main" val="2644672974"/>
       </p:ext>
     </p:extLst>
   </p:cSld>
@@ -2541,7 +2990,7 @@
       </p:grpSpPr>
       <p:pic>
         <p:nvPicPr>
-          <p:cNvPr id="8" name="Picture 7" descr="C2-HD-BTM.png"/>
+          <p:cNvPr id="8" name="Picture 7" descr="C3-HD-BTM.png"/>
           <p:cNvPicPr>
             <a:picLocks noChangeAspect="1"/>
           </p:cNvPicPr>
@@ -2753,7 +3202,7 @@
     </p:spTree>
     <p:extLst>
       <p:ext uri="{BB962C8B-B14F-4D97-AF65-F5344CB8AC3E}">
-        <p14:creationId xmlns:p14="http://schemas.microsoft.com/office/powerpoint/2010/main" val="785157949"/>
+        <p14:creationId xmlns:p14="http://schemas.microsoft.com/office/powerpoint/2010/main" val="236918444"/>
       </p:ext>
     </p:extLst>
   </p:cSld>
@@ -3290,7 +3739,7 @@
     </p:spTree>
     <p:extLst>
       <p:ext uri="{BB962C8B-B14F-4D97-AF65-F5344CB8AC3E}">
-        <p14:creationId xmlns:p14="http://schemas.microsoft.com/office/powerpoint/2010/main" val="2001022749"/>
+        <p14:creationId xmlns:p14="http://schemas.microsoft.com/office/powerpoint/2010/main" val="4198452000"/>
       </p:ext>
     </p:extLst>
   </p:cSld>
@@ -3488,7 +3937,7 @@
           </a:lstStyle>
           <a:p>
             <a:r>
-              <a:rPr lang="it-IT" dirty="0"/>
+              <a:rPr lang="it-IT"/>
               <a:t>Fare clic sull'icona per inserire un'immagine</a:t>
             </a:r>
             <a:endParaRPr lang="en-US" dirty="0"/>
@@ -3705,7 +4154,7 @@
           </a:lstStyle>
           <a:p>
             <a:r>
-              <a:rPr lang="it-IT" dirty="0"/>
+              <a:rPr lang="it-IT"/>
               <a:t>Fare clic sull'icona per inserire un'immagine</a:t>
             </a:r>
             <a:endParaRPr lang="en-US" dirty="0"/>
@@ -3922,7 +4371,7 @@
           </a:lstStyle>
           <a:p>
             <a:r>
-              <a:rPr lang="it-IT" dirty="0"/>
+              <a:rPr lang="it-IT"/>
               <a:t>Fare clic sull'icona per inserire un'immagine</a:t>
             </a:r>
             <a:endParaRPr lang="en-US" dirty="0"/>
@@ -4064,7 +4513,7 @@
     </p:spTree>
     <p:extLst>
       <p:ext uri="{BB962C8B-B14F-4D97-AF65-F5344CB8AC3E}">
-        <p14:creationId xmlns:p14="http://schemas.microsoft.com/office/powerpoint/2010/main" val="2727059861"/>
+        <p14:creationId xmlns:p14="http://schemas.microsoft.com/office/powerpoint/2010/main" val="1276431440"/>
       </p:ext>
     </p:extLst>
   </p:cSld>
@@ -4239,7 +4688,7 @@
     </p:spTree>
     <p:extLst>
       <p:ext uri="{BB962C8B-B14F-4D97-AF65-F5344CB8AC3E}">
-        <p14:creationId xmlns:p14="http://schemas.microsoft.com/office/powerpoint/2010/main" val="4235761160"/>
+        <p14:creationId xmlns:p14="http://schemas.microsoft.com/office/powerpoint/2010/main" val="593172805"/>
       </p:ext>
     </p:extLst>
   </p:cSld>
@@ -4268,7 +4717,7 @@
       </p:grpSpPr>
       <p:pic>
         <p:nvPicPr>
-          <p:cNvPr id="9" name="Picture 8" descr="C2-HD-BTM.png"/>
+          <p:cNvPr id="9" name="Picture 8" descr="C3-HD-BTM.png"/>
           <p:cNvPicPr>
             <a:picLocks noChangeAspect="1"/>
           </p:cNvPicPr>
@@ -4472,7 +4921,7 @@
     </p:spTree>
     <p:extLst>
       <p:ext uri="{BB962C8B-B14F-4D97-AF65-F5344CB8AC3E}">
-        <p14:creationId xmlns:p14="http://schemas.microsoft.com/office/powerpoint/2010/main" val="600314143"/>
+        <p14:creationId xmlns:p14="http://schemas.microsoft.com/office/powerpoint/2010/main" val="526834962"/>
       </p:ext>
     </p:extLst>
   </p:cSld>
@@ -4642,7 +5091,7 @@
     </p:spTree>
     <p:extLst>
       <p:ext uri="{BB962C8B-B14F-4D97-AF65-F5344CB8AC3E}">
-        <p14:creationId xmlns:p14="http://schemas.microsoft.com/office/powerpoint/2010/main" val="685825324"/>
+        <p14:creationId xmlns:p14="http://schemas.microsoft.com/office/powerpoint/2010/main" val="1543263577"/>
       </p:ext>
     </p:extLst>
   </p:cSld>
@@ -4671,7 +5120,7 @@
       </p:grpSpPr>
       <p:pic>
         <p:nvPicPr>
-          <p:cNvPr id="8" name="Picture 7" descr="C2-HD-BTM.png"/>
+          <p:cNvPr id="8" name="Picture 7" descr="C3-HD-BTM.png"/>
           <p:cNvPicPr>
             <a:picLocks noChangeAspect="1"/>
           </p:cNvPicPr>
@@ -4941,7 +5390,7 @@
     </p:spTree>
     <p:extLst>
       <p:ext uri="{BB962C8B-B14F-4D97-AF65-F5344CB8AC3E}">
-        <p14:creationId xmlns:p14="http://schemas.microsoft.com/office/powerpoint/2010/main" val="650827631"/>
+        <p14:creationId xmlns:p14="http://schemas.microsoft.com/office/powerpoint/2010/main" val="2629069660"/>
       </p:ext>
     </p:extLst>
   </p:cSld>
@@ -5173,7 +5622,7 @@
     </p:spTree>
     <p:extLst>
       <p:ext uri="{BB962C8B-B14F-4D97-AF65-F5344CB8AC3E}">
-        <p14:creationId xmlns:p14="http://schemas.microsoft.com/office/powerpoint/2010/main" val="1088841587"/>
+        <p14:creationId xmlns:p14="http://schemas.microsoft.com/office/powerpoint/2010/main" val="2467793912"/>
       </p:ext>
     </p:extLst>
   </p:cSld>
@@ -5552,7 +6001,7 @@
     </p:spTree>
     <p:extLst>
       <p:ext uri="{BB962C8B-B14F-4D97-AF65-F5344CB8AC3E}">
-        <p14:creationId xmlns:p14="http://schemas.microsoft.com/office/powerpoint/2010/main" val="421049185"/>
+        <p14:creationId xmlns:p14="http://schemas.microsoft.com/office/powerpoint/2010/main" val="1821690554"/>
       </p:ext>
     </p:extLst>
   </p:cSld>
@@ -5670,7 +6119,7 @@
     </p:spTree>
     <p:extLst>
       <p:ext uri="{BB962C8B-B14F-4D97-AF65-F5344CB8AC3E}">
-        <p14:creationId xmlns:p14="http://schemas.microsoft.com/office/powerpoint/2010/main" val="3842775867"/>
+        <p14:creationId xmlns:p14="http://schemas.microsoft.com/office/powerpoint/2010/main" val="3287425076"/>
       </p:ext>
     </p:extLst>
   </p:cSld>
@@ -5765,7 +6214,7 @@
     </p:spTree>
     <p:extLst>
       <p:ext uri="{BB962C8B-B14F-4D97-AF65-F5344CB8AC3E}">
-        <p14:creationId xmlns:p14="http://schemas.microsoft.com/office/powerpoint/2010/main" val="2145570826"/>
+        <p14:creationId xmlns:p14="http://schemas.microsoft.com/office/powerpoint/2010/main" val="746189233"/>
       </p:ext>
     </p:extLst>
   </p:cSld>
@@ -6014,7 +6463,7 @@
     </p:spTree>
     <p:extLst>
       <p:ext uri="{BB962C8B-B14F-4D97-AF65-F5344CB8AC3E}">
-        <p14:creationId xmlns:p14="http://schemas.microsoft.com/office/powerpoint/2010/main" val="3992164634"/>
+        <p14:creationId xmlns:p14="http://schemas.microsoft.com/office/powerpoint/2010/main" val="2002782785"/>
       </p:ext>
     </p:extLst>
   </p:cSld>
@@ -6131,7 +6580,7 @@
           </a:lstStyle>
           <a:p>
             <a:r>
-              <a:rPr lang="it-IT" dirty="0"/>
+              <a:rPr lang="it-IT"/>
               <a:t>Fare clic sull'icona per inserire un'immagine</a:t>
             </a:r>
             <a:endParaRPr lang="en-US" dirty="0"/>
@@ -6271,7 +6720,7 @@
     </p:spTree>
     <p:extLst>
       <p:ext uri="{BB962C8B-B14F-4D97-AF65-F5344CB8AC3E}">
-        <p14:creationId xmlns:p14="http://schemas.microsoft.com/office/powerpoint/2010/main" val="1204043127"/>
+        <p14:creationId xmlns:p14="http://schemas.microsoft.com/office/powerpoint/2010/main" val="815703595"/>
       </p:ext>
     </p:extLst>
   </p:cSld>
@@ -6305,7 +6754,7 @@
       </p:grpSpPr>
       <p:pic>
         <p:nvPicPr>
-          <p:cNvPr id="8" name="Picture 7" descr="C2-HD-TOP.png"/>
+          <p:cNvPr id="8" name="Picture 7" descr="C3-HD-TOP.png"/>
           <p:cNvPicPr>
             <a:picLocks noChangeAspect="1"/>
           </p:cNvPicPr>
@@ -6550,29 +6999,29 @@
     </p:spTree>
     <p:extLst>
       <p:ext uri="{BB962C8B-B14F-4D97-AF65-F5344CB8AC3E}">
-        <p14:creationId xmlns:p14="http://schemas.microsoft.com/office/powerpoint/2010/main" val="3075693014"/>
+        <p14:creationId xmlns:p14="http://schemas.microsoft.com/office/powerpoint/2010/main" val="2082649077"/>
       </p:ext>
     </p:extLst>
   </p:cSld>
   <p:clrMap bg1="lt1" tx1="dk1" bg2="lt2" tx2="dk2" accent1="accent1" accent2="accent2" accent3="accent3" accent4="accent4" accent5="accent5" accent6="accent6" hlink="hlink" folHlink="folHlink"/>
   <p:sldLayoutIdLst>
-    <p:sldLayoutId id="2147483859" r:id="rId1"/>
-    <p:sldLayoutId id="2147483860" r:id="rId2"/>
-    <p:sldLayoutId id="2147483861" r:id="rId3"/>
-    <p:sldLayoutId id="2147483862" r:id="rId4"/>
-    <p:sldLayoutId id="2147483863" r:id="rId5"/>
-    <p:sldLayoutId id="2147483864" r:id="rId6"/>
-    <p:sldLayoutId id="2147483865" r:id="rId7"/>
-    <p:sldLayoutId id="2147483866" r:id="rId8"/>
-    <p:sldLayoutId id="2147483867" r:id="rId9"/>
-    <p:sldLayoutId id="2147483868" r:id="rId10"/>
-    <p:sldLayoutId id="2147483869" r:id="rId11"/>
-    <p:sldLayoutId id="2147483870" r:id="rId12"/>
-    <p:sldLayoutId id="2147483871" r:id="rId13"/>
-    <p:sldLayoutId id="2147483872" r:id="rId14"/>
-    <p:sldLayoutId id="2147483873" r:id="rId15"/>
-    <p:sldLayoutId id="2147483874" r:id="rId16"/>
-    <p:sldLayoutId id="2147483875" r:id="rId17"/>
+    <p:sldLayoutId id="2147483967" r:id="rId1"/>
+    <p:sldLayoutId id="2147483968" r:id="rId2"/>
+    <p:sldLayoutId id="2147483969" r:id="rId3"/>
+    <p:sldLayoutId id="2147483970" r:id="rId4"/>
+    <p:sldLayoutId id="2147483971" r:id="rId5"/>
+    <p:sldLayoutId id="2147483972" r:id="rId6"/>
+    <p:sldLayoutId id="2147483973" r:id="rId7"/>
+    <p:sldLayoutId id="2147483974" r:id="rId8"/>
+    <p:sldLayoutId id="2147483975" r:id="rId9"/>
+    <p:sldLayoutId id="2147483976" r:id="rId10"/>
+    <p:sldLayoutId id="2147483977" r:id="rId11"/>
+    <p:sldLayoutId id="2147483978" r:id="rId12"/>
+    <p:sldLayoutId id="2147483979" r:id="rId13"/>
+    <p:sldLayoutId id="2147483980" r:id="rId14"/>
+    <p:sldLayoutId id="2147483981" r:id="rId15"/>
+    <p:sldLayoutId id="2147483982" r:id="rId16"/>
+    <p:sldLayoutId id="2147483983" r:id="rId17"/>
   </p:sldLayoutIdLst>
   <p:txStyles>
     <p:titleStyle>
@@ -6908,7 +7357,7 @@
       </p:grpSpPr>
       <p:sp useBgFill="1">
         <p:nvSpPr>
-          <p:cNvPr id="13" name="Rectangle 7">
+          <p:cNvPr id="9" name="Rectangle 7">
             <a:extLst>
               <a:ext uri="{FF2B5EF4-FFF2-40B4-BE49-F238E27FC236}">
                 <a16:creationId xmlns:a16="http://schemas.microsoft.com/office/drawing/2014/main" id="{9CD9ACDE-8038-488C-AB0C-5FD1A373C8CD}"/>
@@ -6995,9 +7444,10 @@
           <a:lstStyle/>
           <a:p>
             <a:r>
-              <a:rPr lang="en-GB" sz="6000" b="1" dirty="0"/>
+              <a:rPr lang="en-GB" sz="6000" b="1"/>
               <a:t>Bayes classifiers and boosting</a:t>
             </a:r>
+            <a:endParaRPr lang="en-GB" sz="6000" b="1" dirty="0"/>
           </a:p>
         </p:txBody>
       </p:sp>
@@ -7030,15 +7480,16 @@
           <a:lstStyle/>
           <a:p>
             <a:r>
-              <a:rPr lang="en-GB" sz="2000" dirty="0"/>
+              <a:rPr lang="en-GB" sz="2000"/>
               <a:t>Machine Learning – Lab 3</a:t>
             </a:r>
-          </a:p>
-        </p:txBody>
-      </p:sp>
-      <p:sp>
-        <p:nvSpPr>
-          <p:cNvPr id="14" name="Rectangle 9">
+            <a:endParaRPr lang="en-GB" sz="2000" dirty="0"/>
+          </a:p>
+        </p:txBody>
+      </p:sp>
+      <p:sp>
+        <p:nvSpPr>
+          <p:cNvPr id="11" name="Rectangle 9">
             <a:extLst>
               <a:ext uri="{FF2B5EF4-FFF2-40B4-BE49-F238E27FC236}">
                 <a16:creationId xmlns:a16="http://schemas.microsoft.com/office/drawing/2014/main" id="{DA6C2449-5F66-4753-AAA3-4AD81E57A0E5}"/>
@@ -7162,10 +7613,10 @@
       </p:sp>
       <p:pic>
         <p:nvPicPr>
-          <p:cNvPr id="12" name="Picture 11">
+          <p:cNvPr id="15" name="Picture 11">
             <a:extLst>
               <a:ext uri="{FF2B5EF4-FFF2-40B4-BE49-F238E27FC236}">
-                <a16:creationId xmlns:a16="http://schemas.microsoft.com/office/drawing/2014/main" id="{D6574459-C046-4C49-8130-7114EBC6884B}"/>
+                <a16:creationId xmlns:a16="http://schemas.microsoft.com/office/drawing/2014/main" id="{CD0D7273-5B64-4961-B265-440B9FB9E6E5}"/>
               </a:ext>
               <a:ext uri="{C183D7F6-B498-43B3-948B-1728B52AA6E4}">
                 <adec:decorative xmlns:adec="http://schemas.microsoft.com/office/drawing/2017/decorative" val="1"/>
@@ -7191,13 +7642,13 @@
               </a:ext>
             </a:extLst>
           </a:blip>
-          <a:srcRect r="43730"/>
+          <a:srcRect r="43750"/>
           <a:stretch/>
         </p:blipFill>
         <p:spPr>
           <a:xfrm rot="16200000">
-            <a:off x="-1265219" y="2188762"/>
-            <a:ext cx="6860373" cy="2482850"/>
+            <a:off x="-1264032" y="2187574"/>
+            <a:ext cx="6857999" cy="2482850"/>
           </a:xfrm>
           <a:prstGeom prst="rect">
             <a:avLst/>
@@ -7220,6 +7671,14 @@
 <file path=ppt/slides/slide10.xml><?xml version="1.0" encoding="utf-8"?>
 <p:sld xmlns:a="http://schemas.openxmlformats.org/drawingml/2006/main" xmlns:r="http://schemas.openxmlformats.org/officeDocument/2006/relationships" xmlns:p="http://schemas.openxmlformats.org/presentationml/2006/main">
   <p:cSld>
+    <p:bg>
+      <p:bgPr>
+        <a:solidFill>
+          <a:schemeClr val="bg1"/>
+        </a:solidFill>
+        <a:effectLst/>
+      </p:bgPr>
+    </p:bg>
     <p:spTree>
       <p:nvGrpSpPr>
         <p:cNvPr id="1" name=""/>
@@ -7234,15 +7693,60 @@
           <a:chExt cx="0" cy="0"/>
         </a:xfrm>
       </p:grpSpPr>
-      <p:sp>
-        <p:nvSpPr>
-          <p:cNvPr id="2" name="Titolo 1">
+      <p:pic>
+        <p:nvPicPr>
+          <p:cNvPr id="27" name="Picture 29">
             <a:extLst>
               <a:ext uri="{FF2B5EF4-FFF2-40B4-BE49-F238E27FC236}">
-                <a16:creationId xmlns:a16="http://schemas.microsoft.com/office/drawing/2014/main" id="{AF17BB29-8C35-4E47-ACA6-8D478C7B130B}"/>
+                <a16:creationId xmlns:a16="http://schemas.microsoft.com/office/drawing/2014/main" id="{EE253802-2FE2-4F1F-B256-423BEF09FB90}"/>
+              </a:ext>
+              <a:ext uri="{C183D7F6-B498-43B3-948B-1728B52AA6E4}">
+                <adec:decorative xmlns:adec="http://schemas.microsoft.com/office/drawing/2017/decorative" val="1"/>
               </a:ext>
             </a:extLst>
           </p:cNvPr>
+          <p:cNvPicPr>
+            <a:picLocks noGrp="1" noRot="1" noChangeAspect="1" noMove="1" noResize="1" noEditPoints="1" noAdjustHandles="1" noChangeArrowheads="1" noChangeShapeType="1" noCrop="1"/>
+          </p:cNvPicPr>
+          <p:nvPr>
+            <p:extLst>
+              <p:ext uri="{386F3935-93C4-4BCD-93E2-E3B085C9AB24}">
+                <p16:designElem xmlns:p16="http://schemas.microsoft.com/office/powerpoint/2015/main" val="1"/>
+              </p:ext>
+            </p:extLst>
+          </p:nvPr>
+        </p:nvPicPr>
+        <p:blipFill>
+          <a:blip r:embed="rId2">
+            <a:extLst>
+              <a:ext uri="{28A0092B-C50C-407E-A947-70E740481C1C}">
+                <a14:useLocalDpi xmlns:a14="http://schemas.microsoft.com/office/drawing/2010/main" val="0"/>
+              </a:ext>
+            </a:extLst>
+          </a:blip>
+          <a:stretch>
+            <a:fillRect/>
+          </a:stretch>
+        </p:blipFill>
+        <p:spPr>
+          <a:xfrm>
+            <a:off x="0" y="0"/>
+            <a:ext cx="12192000" cy="1441450"/>
+          </a:xfrm>
+          <a:prstGeom prst="rect">
+            <a:avLst/>
+          </a:prstGeom>
+        </p:spPr>
+      </p:pic>
+      <p:sp>
+        <p:nvSpPr>
+          <p:cNvPr id="20" name="Titolo 19">
+            <a:extLst>
+              <a:ext uri="{FF2B5EF4-FFF2-40B4-BE49-F238E27FC236}">
+                <a16:creationId xmlns:a16="http://schemas.microsoft.com/office/drawing/2014/main" id="{14E2A788-8C9A-4B5A-A077-DACFA868154A}"/>
+              </a:ext>
+            </a:extLst>
+          </p:cNvPr>
           <p:cNvSpPr>
             <a:spLocks noGrp="1"/>
           </p:cNvSpPr>
@@ -7250,14 +7754,28 @@
             <p:ph type="title"/>
           </p:nvPr>
         </p:nvSpPr>
-        <p:spPr/>
-        <p:txBody>
-          <a:bodyPr/>
+        <p:spPr>
+          <a:xfrm>
+            <a:off x="619760" y="764373"/>
+            <a:ext cx="6832600" cy="1293028"/>
+          </a:xfrm>
+        </p:spPr>
+        <p:txBody>
+          <a:bodyPr vert="horz" lIns="91440" tIns="45720" rIns="91440" bIns="45720" rtlCol="0" anchor="ctr">
+            <a:normAutofit/>
+          </a:bodyPr>
           <a:lstStyle/>
           <a:p>
             <a:r>
-              <a:rPr lang="en-US" b="1" dirty="0"/>
-              <a:t>Slack variables</a:t>
+              <a:rPr lang="en-US" sz="4000" b="1" kern="1200" cap="all" baseline="0" dirty="0">
+                <a:solidFill>
+                  <a:schemeClr val="tx1"/>
+                </a:solidFill>
+                <a:latin typeface="+mj-lt"/>
+                <a:ea typeface="+mj-ea"/>
+                <a:cs typeface="+mj-cs"/>
+              </a:rPr>
+              <a:t>Decision trees (II)</a:t>
             </a:r>
           </a:p>
         </p:txBody>
@@ -7267,7 +7785,7 @@
           <p:cNvPr id="3" name="Segnaposto contenuto 2">
             <a:extLst>
               <a:ext uri="{FF2B5EF4-FFF2-40B4-BE49-F238E27FC236}">
-                <a16:creationId xmlns:a16="http://schemas.microsoft.com/office/drawing/2014/main" id="{A078EA66-7F7D-4DC5-BC61-A20F8C5B924B}"/>
+                <a16:creationId xmlns:a16="http://schemas.microsoft.com/office/drawing/2014/main" id="{B21CB584-21EE-4172-8055-76E5F92C40F6}"/>
               </a:ext>
             </a:extLst>
           </p:cNvPr>
@@ -7275,118 +7793,248 @@
             <a:spLocks noGrp="1"/>
           </p:cNvSpPr>
           <p:nvPr>
-            <p:ph idx="1"/>
-          </p:nvPr>
-        </p:nvSpPr>
-        <p:spPr/>
-        <p:txBody>
-          <a:bodyPr/>
+            <p:ph sz="half" idx="1"/>
+          </p:nvPr>
+        </p:nvSpPr>
+        <p:spPr>
+          <a:xfrm>
+            <a:off x="619760" y="2194560"/>
+            <a:ext cx="6832600" cy="4024125"/>
+          </a:xfrm>
+        </p:spPr>
+        <p:txBody>
+          <a:bodyPr vert="horz" lIns="91440" tIns="45720" rIns="91440" bIns="45720" rtlCol="0">
+            <a:normAutofit/>
+          </a:bodyPr>
           <a:lstStyle/>
           <a:p>
             <a:r>
-              <a:rPr lang="en-US" dirty="0"/>
-              <a:t>Slack variables allow to have </a:t>
-            </a:r>
-            <a:r>
-              <a:rPr lang="en-US" b="1" dirty="0"/>
-              <a:t>soft margins</a:t>
+              <a:rPr lang="en-US" kern="1200" dirty="0">
+                <a:solidFill>
+                  <a:schemeClr val="tx1"/>
+                </a:solidFill>
+                <a:latin typeface="+mn-lt"/>
+                <a:ea typeface="+mn-ea"/>
+                <a:cs typeface="+mn-cs"/>
+              </a:rPr>
+              <a:t>Vowel dataset</a:t>
             </a:r>
           </a:p>
           <a:p>
             <a:pPr lvl="1"/>
             <a:r>
-              <a:rPr lang="en-US" dirty="0"/>
-              <a:t>Some points can be on the wrong side of the margin or even of the decision boundary (</a:t>
-            </a:r>
-            <a:r>
-              <a:rPr lang="en-US" b="1" dirty="0"/>
-              <a:t>misclassification</a:t>
-            </a:r>
-            <a:r>
-              <a:rPr lang="en-US" dirty="0"/>
-              <a:t>)</a:t>
+              <a:rPr lang="en-US" kern="1200" dirty="0">
+                <a:solidFill>
+                  <a:schemeClr val="tx1"/>
+                </a:solidFill>
+                <a:latin typeface="+mn-lt"/>
+                <a:ea typeface="+mn-ea"/>
+                <a:cs typeface="+mn-cs"/>
+              </a:rPr>
+              <a:t>2 correlated features</a:t>
             </a:r>
           </a:p>
           <a:p>
             <a:pPr lvl="1"/>
-            <a:endParaRPr lang="en-US" dirty="0"/>
-          </a:p>
-          <a:p>
-            <a:r>
-              <a:rPr lang="en-US" dirty="0"/>
-              <a:t>Slack parameter </a:t>
-            </a:r>
-            <a:r>
-              <a:rPr lang="en-US" b="1" dirty="0"/>
-              <a:t>C</a:t>
-            </a:r>
-            <a:r>
-              <a:rPr lang="en-US" dirty="0"/>
-              <a:t>:</a:t>
-            </a:r>
+            <a:r>
+              <a:rPr lang="en-US" kern="1200" dirty="0">
+                <a:solidFill>
+                  <a:schemeClr val="tx1"/>
+                </a:solidFill>
+                <a:latin typeface="+mn-lt"/>
+                <a:ea typeface="+mn-ea"/>
+                <a:cs typeface="+mn-cs"/>
+              </a:rPr>
+              <a:t>3 classes</a:t>
+            </a:r>
+          </a:p>
+          <a:p>
+            <a:endParaRPr lang="en-US" kern="1200" dirty="0">
+              <a:solidFill>
+                <a:schemeClr val="tx1"/>
+              </a:solidFill>
+              <a:latin typeface="+mn-lt"/>
+              <a:ea typeface="+mn-ea"/>
+              <a:cs typeface="+mn-cs"/>
+            </a:endParaRPr>
+          </a:p>
+          <a:p>
+            <a:r>
+              <a:rPr lang="en-US" kern="1200" dirty="0">
+                <a:solidFill>
+                  <a:schemeClr val="tx1"/>
+                </a:solidFill>
+                <a:latin typeface="+mn-lt"/>
+                <a:ea typeface="+mn-ea"/>
+                <a:cs typeface="+mn-cs"/>
+              </a:rPr>
+              <a:t>Accuracy</a:t>
+            </a:r>
+            <a:endParaRPr lang="en-US" kern="1200">
+              <a:solidFill>
+                <a:schemeClr val="tx1"/>
+              </a:solidFill>
+              <a:latin typeface="+mn-lt"/>
+              <a:ea typeface="+mn-ea"/>
+              <a:cs typeface="+mn-cs"/>
+            </a:endParaRPr>
           </a:p>
           <a:p>
             <a:pPr lvl="1"/>
             <a:r>
-              <a:rPr lang="en-US" b="1" dirty="0"/>
-              <a:t>small</a:t>
-            </a:r>
-            <a:r>
-              <a:rPr lang="en-US" dirty="0"/>
-              <a:t> values tolerate </a:t>
-            </a:r>
-            <a:r>
-              <a:rPr lang="en-US" b="1" dirty="0"/>
-              <a:t>many </a:t>
-            </a:r>
-            <a:r>
-              <a:rPr lang="en-US" dirty="0"/>
-              <a:t>points</a:t>
-            </a:r>
-            <a:r>
-              <a:rPr lang="en-US" b="1" dirty="0"/>
-              <a:t> violating </a:t>
-            </a:r>
-            <a:r>
-              <a:rPr lang="en-US" dirty="0"/>
-              <a:t>the margin</a:t>
+              <a:rPr lang="en-US" kern="1200">
+                <a:solidFill>
+                  <a:schemeClr val="tx1"/>
+                </a:solidFill>
+                <a:latin typeface="+mn-lt"/>
+                <a:ea typeface="+mn-ea"/>
+                <a:cs typeface="+mn-cs"/>
+              </a:rPr>
+              <a:t>Without boosting: </a:t>
+            </a:r>
+            <a:r>
+              <a:rPr lang="en-US" kern="1200" dirty="0">
+                <a:solidFill>
+                  <a:schemeClr val="tx1"/>
+                </a:solidFill>
+                <a:latin typeface="+mn-lt"/>
+                <a:ea typeface="+mn-ea"/>
+                <a:cs typeface="+mn-cs"/>
+              </a:rPr>
+              <a:t>µ = </a:t>
+            </a:r>
+            <a:r>
+              <a:rPr lang="en-US" kern="1200">
+                <a:solidFill>
+                  <a:schemeClr val="tx1"/>
+                </a:solidFill>
+                <a:latin typeface="+mn-lt"/>
+                <a:ea typeface="+mn-ea"/>
+                <a:cs typeface="+mn-cs"/>
+              </a:rPr>
+              <a:t>64.1, </a:t>
+            </a:r>
+            <a:r>
+              <a:rPr lang="en-US" kern="1200" dirty="0">
+                <a:solidFill>
+                  <a:schemeClr val="tx1"/>
+                </a:solidFill>
+                <a:latin typeface="+mn-lt"/>
+                <a:ea typeface="+mn-ea"/>
+                <a:cs typeface="+mn-cs"/>
+              </a:rPr>
+              <a:t>σ = </a:t>
+            </a:r>
+            <a:r>
+              <a:rPr lang="en-US" kern="1200">
+                <a:solidFill>
+                  <a:schemeClr val="tx1"/>
+                </a:solidFill>
+                <a:latin typeface="+mn-lt"/>
+                <a:ea typeface="+mn-ea"/>
+                <a:cs typeface="+mn-cs"/>
+              </a:rPr>
+              <a:t>4</a:t>
             </a:r>
           </a:p>
           <a:p>
             <a:pPr lvl="1"/>
             <a:r>
-              <a:rPr lang="en-US" dirty="0"/>
-              <a:t>extreme case: infinity → </a:t>
-            </a:r>
-            <a:r>
-              <a:rPr lang="en-US"/>
-              <a:t>no tolerance</a:t>
-            </a:r>
-            <a:endParaRPr lang="en-US" dirty="0"/>
-          </a:p>
-          <a:p>
-            <a:endParaRPr lang="en-US" dirty="0"/>
-          </a:p>
-          <a:p>
-            <a:r>
-              <a:rPr lang="en-US" dirty="0"/>
-              <a:t>Advantages: robust to </a:t>
-            </a:r>
-            <a:r>
-              <a:rPr lang="en-US" b="1" dirty="0"/>
-              <a:t>noise </a:t>
-            </a:r>
-            <a:r>
-              <a:rPr lang="en-US" dirty="0"/>
-              <a:t>(→ generalize better)</a:t>
-            </a:r>
-          </a:p>
-        </p:txBody>
-      </p:sp>
+              <a:rPr lang="en-US" kern="1200">
+                <a:solidFill>
+                  <a:schemeClr val="tx1"/>
+                </a:solidFill>
+                <a:latin typeface="+mn-lt"/>
+                <a:ea typeface="+mn-ea"/>
+                <a:cs typeface="+mn-cs"/>
+              </a:rPr>
+              <a:t>With boosting: µ = 86.9, σ = 3.07</a:t>
+            </a:r>
+            <a:endParaRPr lang="en-US" kern="1200" dirty="0">
+              <a:solidFill>
+                <a:schemeClr val="tx1"/>
+              </a:solidFill>
+              <a:latin typeface="+mn-lt"/>
+              <a:ea typeface="+mn-ea"/>
+              <a:cs typeface="+mn-cs"/>
+            </a:endParaRPr>
+          </a:p>
+        </p:txBody>
+      </p:sp>
+      <p:pic>
+        <p:nvPicPr>
+          <p:cNvPr id="14" name="Immagine 13">
+            <a:extLst>
+              <a:ext uri="{FF2B5EF4-FFF2-40B4-BE49-F238E27FC236}">
+                <a16:creationId xmlns:a16="http://schemas.microsoft.com/office/drawing/2014/main" id="{02F131B3-ABC1-4796-8A32-3E38543C2061}"/>
+              </a:ext>
+            </a:extLst>
+          </p:cNvPr>
+          <p:cNvPicPr>
+            <a:picLocks noChangeAspect="1"/>
+          </p:cNvPicPr>
+          <p:nvPr/>
+        </p:nvPicPr>
+        <p:blipFill rotWithShape="1">
+          <a:blip r:embed="rId3">
+            <a:extLst>
+              <a:ext uri="{28A0092B-C50C-407E-A947-70E740481C1C}">
+                <a14:useLocalDpi xmlns:a14="http://schemas.microsoft.com/office/drawing/2010/main" val="0"/>
+              </a:ext>
+            </a:extLst>
+          </a:blip>
+          <a:srcRect t="5023" r="-4" b="8006"/>
+          <a:stretch/>
+        </p:blipFill>
+        <p:spPr>
+          <a:xfrm>
+            <a:off x="7861238" y="933693"/>
+            <a:ext cx="3644962" cy="2377440"/>
+          </a:xfrm>
+          <a:prstGeom prst="rect">
+            <a:avLst/>
+          </a:prstGeom>
+        </p:spPr>
+      </p:pic>
+      <p:pic>
+        <p:nvPicPr>
+          <p:cNvPr id="12" name="Immagine 11">
+            <a:extLst>
+              <a:ext uri="{FF2B5EF4-FFF2-40B4-BE49-F238E27FC236}">
+                <a16:creationId xmlns:a16="http://schemas.microsoft.com/office/drawing/2014/main" id="{A80E2C67-DAE8-4DBD-9952-B9D618F0D7D3}"/>
+              </a:ext>
+            </a:extLst>
+          </p:cNvPr>
+          <p:cNvPicPr>
+            <a:picLocks noChangeAspect="1"/>
+          </p:cNvPicPr>
+          <p:nvPr/>
+        </p:nvPicPr>
+        <p:blipFill rotWithShape="1">
+          <a:blip r:embed="rId4">
+            <a:extLst>
+              <a:ext uri="{28A0092B-C50C-407E-A947-70E740481C1C}">
+                <a14:useLocalDpi xmlns:a14="http://schemas.microsoft.com/office/drawing/2010/main" val="0"/>
+              </a:ext>
+            </a:extLst>
+          </a:blip>
+          <a:srcRect t="4879" r="-4" b="8150"/>
+          <a:stretch/>
+        </p:blipFill>
+        <p:spPr>
+          <a:xfrm>
+            <a:off x="7861238" y="3588301"/>
+            <a:ext cx="3644962" cy="2377440"/>
+          </a:xfrm>
+          <a:prstGeom prst="rect">
+            <a:avLst/>
+          </a:prstGeom>
+        </p:spPr>
+      </p:pic>
     </p:spTree>
     <p:extLst>
       <p:ext uri="{BB962C8B-B14F-4D97-AF65-F5344CB8AC3E}">
-        <p14:creationId xmlns:p14="http://schemas.microsoft.com/office/powerpoint/2010/main" val="3817413176"/>
+        <p14:creationId xmlns:p14="http://schemas.microsoft.com/office/powerpoint/2010/main" val="3402406186"/>
       </p:ext>
     </p:extLst>
   </p:cSld>
@@ -7415,10 +8063,10 @@
       </p:grpSpPr>
       <p:sp>
         <p:nvSpPr>
-          <p:cNvPr id="9" name="Titolo 8">
+          <p:cNvPr id="20" name="Titolo 19">
             <a:extLst>
               <a:ext uri="{FF2B5EF4-FFF2-40B4-BE49-F238E27FC236}">
-                <a16:creationId xmlns:a16="http://schemas.microsoft.com/office/drawing/2014/main" id="{8EC742C7-6E85-453D-AC6F-AA558881D01A}"/>
+                <a16:creationId xmlns:a16="http://schemas.microsoft.com/office/drawing/2014/main" id="{14E2A788-8C9A-4B5A-A077-DACFA868154A}"/>
               </a:ext>
             </a:extLst>
           </p:cNvPr>
@@ -7431,1233 +8079,113 @@
         </p:nvSpPr>
         <p:spPr/>
         <p:txBody>
-          <a:bodyPr/>
+          <a:bodyPr vert="horz" lIns="91440" tIns="45720" rIns="91440" bIns="45720" rtlCol="0" anchor="ctr">
+            <a:normAutofit/>
+          </a:bodyPr>
           <a:lstStyle/>
           <a:p>
             <a:r>
-              <a:rPr lang="en-GB" b="1" dirty="0"/>
-              <a:t>Slack parameter C - Linear</a:t>
-            </a:r>
-          </a:p>
-        </p:txBody>
-      </p:sp>
-      <p:pic>
-        <p:nvPicPr>
-          <p:cNvPr id="5" name="linear_animation">
-            <a:hlinkClick r:id="" action="ppaction://media"/>
+              <a:rPr lang="en-US" sz="4000" b="1" kern="1200" cap="all" baseline="0" dirty="0">
+                <a:solidFill>
+                  <a:schemeClr val="tx1"/>
+                </a:solidFill>
+                <a:latin typeface="+mj-lt"/>
+                <a:ea typeface="+mj-ea"/>
+                <a:cs typeface="+mj-cs"/>
+              </a:rPr>
+              <a:t>Naïve </a:t>
+            </a:r>
+            <a:r>
+              <a:rPr lang="en-US" sz="4000" b="1" kern="1200" cap="all" baseline="0" dirty="0" err="1">
+                <a:solidFill>
+                  <a:schemeClr val="tx1"/>
+                </a:solidFill>
+                <a:latin typeface="+mj-lt"/>
+                <a:ea typeface="+mj-ea"/>
+                <a:cs typeface="+mj-cs"/>
+              </a:rPr>
+              <a:t>bayes</a:t>
+            </a:r>
+            <a:r>
+              <a:rPr lang="en-US" sz="4000" b="1" kern="1200" cap="all" baseline="0" dirty="0">
+                <a:solidFill>
+                  <a:schemeClr val="tx1"/>
+                </a:solidFill>
+                <a:latin typeface="+mj-lt"/>
+                <a:ea typeface="+mj-ea"/>
+                <a:cs typeface="+mj-cs"/>
+              </a:rPr>
+              <a:t> vs Decision tree</a:t>
+            </a:r>
+          </a:p>
+        </p:txBody>
+      </p:sp>
+      <p:sp>
+        <p:nvSpPr>
+          <p:cNvPr id="3" name="Segnaposto contenuto 2">
             <a:extLst>
               <a:ext uri="{FF2B5EF4-FFF2-40B4-BE49-F238E27FC236}">
-                <a16:creationId xmlns:a16="http://schemas.microsoft.com/office/drawing/2014/main" id="{00C91B6F-320B-460F-AA85-4021DA44279C}"/>
+                <a16:creationId xmlns:a16="http://schemas.microsoft.com/office/drawing/2014/main" id="{B21CB584-21EE-4172-8055-76E5F92C40F6}"/>
               </a:ext>
             </a:extLst>
           </p:cNvPr>
-          <p:cNvPicPr>
-            <a:picLocks noGrp="1" noChangeAspect="1"/>
-          </p:cNvPicPr>
+          <p:cNvSpPr>
+            <a:spLocks noGrp="1"/>
+          </p:cNvSpPr>
           <p:nvPr>
             <p:ph idx="1"/>
-            <a:videoFile r:link="rId2"/>
-            <p:extLst>
-              <p:ext uri="{DAA4B4D4-6D71-4841-9C94-3DE7FCFB9230}">
-                <p14:media xmlns:p14="http://schemas.microsoft.com/office/powerpoint/2010/main" r:embed="rId1"/>
-              </p:ext>
-            </p:extLst>
-          </p:nvPr>
-        </p:nvPicPr>
-        <p:blipFill>
-          <a:blip r:embed="rId4"/>
-          <a:stretch>
-            <a:fillRect/>
-          </a:stretch>
-        </p:blipFill>
-        <p:spPr>
-          <a:xfrm>
-            <a:off x="3413125" y="2266582"/>
-            <a:ext cx="5365750" cy="4024313"/>
-          </a:xfrm>
-        </p:spPr>
-      </p:pic>
+          </p:nvPr>
+        </p:nvSpPr>
+        <p:spPr/>
+        <p:txBody>
+          <a:bodyPr vert="horz" lIns="91440" tIns="45720" rIns="91440" bIns="45720" rtlCol="0">
+            <a:normAutofit/>
+          </a:bodyPr>
+          <a:lstStyle/>
+          <a:p>
+            <a:r>
+              <a:rPr lang="en-US" dirty="0"/>
+              <a:t>Outliers: Naïve Bayes is robust because based on probabilities</a:t>
+            </a:r>
+          </a:p>
+          <a:p>
+            <a:r>
+              <a:rPr lang="en-US" dirty="0"/>
+              <a:t>Irrelevant inputs: pruning in DT can ignore irrelevant features</a:t>
+            </a:r>
+          </a:p>
+          <a:p>
+            <a:r>
+              <a:rPr lang="en-US" dirty="0"/>
+              <a:t>Predictive power: both, boosting can improve significantly</a:t>
+            </a:r>
+          </a:p>
+          <a:p>
+            <a:r>
+              <a:rPr lang="en-US" dirty="0"/>
+              <a:t>Mixed types of data: both</a:t>
+            </a:r>
+          </a:p>
+          <a:p>
+            <a:r>
+              <a:rPr lang="en-US" dirty="0"/>
+              <a:t>Scalability: boosting can be time consuming depending on T</a:t>
+            </a:r>
+            <a:endParaRPr lang="en-US" kern="1200" dirty="0">
+              <a:solidFill>
+                <a:schemeClr val="tx1"/>
+              </a:solidFill>
+              <a:latin typeface="+mn-lt"/>
+              <a:ea typeface="+mn-ea"/>
+              <a:cs typeface="+mn-cs"/>
+            </a:endParaRPr>
+          </a:p>
+        </p:txBody>
+      </p:sp>
     </p:spTree>
     <p:extLst>
       <p:ext uri="{BB962C8B-B14F-4D97-AF65-F5344CB8AC3E}">
-        <p14:creationId xmlns:p14="http://schemas.microsoft.com/office/powerpoint/2010/main" val="1719672851"/>
-      </p:ext>
-    </p:extLst>
-  </p:cSld>
-  <p:clrMapOvr>
-    <a:masterClrMapping/>
-  </p:clrMapOvr>
-  <p:timing>
-    <p:tnLst>
-      <p:par>
-        <p:cTn id="1" dur="indefinite" restart="never" nodeType="tmRoot">
-          <p:childTnLst>
-            <p:seq concurrent="1" nextAc="seek">
-              <p:cTn id="2" dur="indefinite" nodeType="mainSeq">
-                <p:childTnLst>
-                  <p:par>
-                    <p:cTn id="3" fill="hold">
-                      <p:stCondLst>
-                        <p:cond delay="indefinite"/>
-                      </p:stCondLst>
-                      <p:childTnLst>
-                        <p:par>
-                          <p:cTn id="4" fill="hold">
-                            <p:stCondLst>
-                              <p:cond delay="0"/>
-                            </p:stCondLst>
-                            <p:childTnLst>
-                              <p:par>
-                                <p:cTn id="5" presetID="1" presetClass="mediacall" presetSubtype="0" fill="hold" nodeType="clickEffect">
-                                  <p:stCondLst>
-                                    <p:cond delay="0"/>
-                                  </p:stCondLst>
-                                  <p:childTnLst>
-                                    <p:cmd type="call" cmd="playFrom(0.0)">
-                                      <p:cBhvr>
-                                        <p:cTn id="6" dur="13334" fill="hold"/>
-                                        <p:tgtEl>
-                                          <p:spTgt spid="5"/>
-                                        </p:tgtEl>
-                                      </p:cBhvr>
-                                    </p:cmd>
-                                  </p:childTnLst>
-                                </p:cTn>
-                              </p:par>
-                            </p:childTnLst>
-                          </p:cTn>
-                        </p:par>
-                      </p:childTnLst>
-                    </p:cTn>
-                  </p:par>
-                </p:childTnLst>
-              </p:cTn>
-              <p:prevCondLst>
-                <p:cond evt="onPrev" delay="0">
-                  <p:tgtEl>
-                    <p:sldTgt/>
-                  </p:tgtEl>
-                </p:cond>
-              </p:prevCondLst>
-              <p:nextCondLst>
-                <p:cond evt="onNext" delay="0">
-                  <p:tgtEl>
-                    <p:sldTgt/>
-                  </p:tgtEl>
-                </p:cond>
-              </p:nextCondLst>
-            </p:seq>
-            <p:video>
-              <p:cMediaNode vol="80000">
-                <p:cTn id="7" fill="hold" display="0">
-                  <p:stCondLst>
-                    <p:cond delay="indefinite"/>
-                  </p:stCondLst>
-                </p:cTn>
-                <p:tgtEl>
-                  <p:spTgt spid="5"/>
-                </p:tgtEl>
-              </p:cMediaNode>
-            </p:video>
-            <p:seq concurrent="1" nextAc="seek">
-              <p:cTn id="8" restart="whenNotActive" fill="hold" evtFilter="cancelBubble" nodeType="interactiveSeq">
-                <p:stCondLst>
-                  <p:cond evt="onClick" delay="0">
-                    <p:tgtEl>
-                      <p:spTgt spid="5"/>
-                    </p:tgtEl>
-                  </p:cond>
-                </p:stCondLst>
-                <p:endSync evt="end" delay="0">
-                  <p:rtn val="all"/>
-                </p:endSync>
-                <p:childTnLst>
-                  <p:par>
-                    <p:cTn id="9" fill="hold">
-                      <p:stCondLst>
-                        <p:cond delay="0"/>
-                      </p:stCondLst>
-                      <p:childTnLst>
-                        <p:par>
-                          <p:cTn id="10" fill="hold">
-                            <p:stCondLst>
-                              <p:cond delay="0"/>
-                            </p:stCondLst>
-                            <p:childTnLst>
-                              <p:par>
-                                <p:cTn id="11" presetID="2" presetClass="mediacall" presetSubtype="0" fill="hold" nodeType="clickEffect">
-                                  <p:stCondLst>
-                                    <p:cond delay="0"/>
-                                  </p:stCondLst>
-                                  <p:childTnLst>
-                                    <p:cmd type="call" cmd="togglePause">
-                                      <p:cBhvr>
-                                        <p:cTn id="12" dur="1" fill="hold"/>
-                                        <p:tgtEl>
-                                          <p:spTgt spid="5"/>
-                                        </p:tgtEl>
-                                      </p:cBhvr>
-                                    </p:cmd>
-                                  </p:childTnLst>
-                                </p:cTn>
-                              </p:par>
-                            </p:childTnLst>
-                          </p:cTn>
-                        </p:par>
-                      </p:childTnLst>
-                    </p:cTn>
-                  </p:par>
-                </p:childTnLst>
-              </p:cTn>
-              <p:nextCondLst>
-                <p:cond evt="onClick" delay="0">
-                  <p:tgtEl>
-                    <p:spTgt spid="5"/>
-                  </p:tgtEl>
-                </p:cond>
-              </p:nextCondLst>
-            </p:seq>
-          </p:childTnLst>
-        </p:cTn>
-      </p:par>
-    </p:tnLst>
-  </p:timing>
-</p:sld>
-</file>
-
-<file path=ppt/slides/slide12.xml><?xml version="1.0" encoding="utf-8"?>
-<p:sld xmlns:a="http://schemas.openxmlformats.org/drawingml/2006/main" xmlns:r="http://schemas.openxmlformats.org/officeDocument/2006/relationships" xmlns:p="http://schemas.openxmlformats.org/presentationml/2006/main">
-  <p:cSld>
-    <p:spTree>
-      <p:nvGrpSpPr>
-        <p:cNvPr id="1" name=""/>
-        <p:cNvGrpSpPr/>
-        <p:nvPr/>
-      </p:nvGrpSpPr>
-      <p:grpSpPr>
-        <a:xfrm>
-          <a:off x="0" y="0"/>
-          <a:ext cx="0" cy="0"/>
-          <a:chOff x="0" y="0"/>
-          <a:chExt cx="0" cy="0"/>
-        </a:xfrm>
-      </p:grpSpPr>
-      <p:sp>
-        <p:nvSpPr>
-          <p:cNvPr id="2" name="Titolo 1">
-            <a:extLst>
-              <a:ext uri="{FF2B5EF4-FFF2-40B4-BE49-F238E27FC236}">
-                <a16:creationId xmlns:a16="http://schemas.microsoft.com/office/drawing/2014/main" id="{B18E07F9-A317-4C3B-B771-1987402AAA89}"/>
-              </a:ext>
-            </a:extLst>
-          </p:cNvPr>
-          <p:cNvSpPr>
-            <a:spLocks noGrp="1"/>
-          </p:cNvSpPr>
-          <p:nvPr>
-            <p:ph type="title"/>
-          </p:nvPr>
-        </p:nvSpPr>
-        <p:spPr>
-          <a:xfrm>
-            <a:off x="2294021" y="764373"/>
-            <a:ext cx="9212179" cy="1293028"/>
-          </a:xfrm>
-        </p:spPr>
-        <p:txBody>
-          <a:bodyPr/>
-          <a:lstStyle/>
-          <a:p>
-            <a:r>
-              <a:rPr lang="en-GB" b="1" dirty="0"/>
-              <a:t>Slack parameter C - polynomial</a:t>
-            </a:r>
-            <a:endParaRPr lang="en-GB" dirty="0"/>
-          </a:p>
-        </p:txBody>
-      </p:sp>
-      <p:sp>
-        <p:nvSpPr>
-          <p:cNvPr id="6" name="CasellaDiTesto 5">
-            <a:extLst>
-              <a:ext uri="{FF2B5EF4-FFF2-40B4-BE49-F238E27FC236}">
-                <a16:creationId xmlns:a16="http://schemas.microsoft.com/office/drawing/2014/main" id="{D5D712F5-D182-4F99-B065-733BC5846B06}"/>
-              </a:ext>
-            </a:extLst>
-          </p:cNvPr>
-          <p:cNvSpPr txBox="1"/>
-          <p:nvPr/>
-        </p:nvSpPr>
-        <p:spPr>
-          <a:xfrm>
-            <a:off x="762000" y="1918447"/>
-            <a:ext cx="4697506" cy="369332"/>
-          </a:xfrm>
-          <a:prstGeom prst="rect">
-            <a:avLst/>
-          </a:prstGeom>
-          <a:noFill/>
-        </p:spPr>
-        <p:txBody>
-          <a:bodyPr wrap="square" rtlCol="0">
-            <a:spAutoFit/>
-          </a:bodyPr>
-          <a:lstStyle/>
-          <a:p>
-            <a:pPr algn="ctr"/>
-            <a:r>
-              <a:rPr lang="en-GB" b="1" dirty="0"/>
-              <a:t>Degree = 3</a:t>
-            </a:r>
-          </a:p>
-        </p:txBody>
-      </p:sp>
-      <p:sp>
-        <p:nvSpPr>
-          <p:cNvPr id="7" name="CasellaDiTesto 6">
-            <a:extLst>
-              <a:ext uri="{FF2B5EF4-FFF2-40B4-BE49-F238E27FC236}">
-                <a16:creationId xmlns:a16="http://schemas.microsoft.com/office/drawing/2014/main" id="{9C30875C-1A46-4CD7-9279-98BAD5F6BDD5}"/>
-              </a:ext>
-            </a:extLst>
-          </p:cNvPr>
-          <p:cNvSpPr txBox="1"/>
-          <p:nvPr/>
-        </p:nvSpPr>
-        <p:spPr>
-          <a:xfrm>
-            <a:off x="6814033" y="1918447"/>
-            <a:ext cx="4697506" cy="369332"/>
-          </a:xfrm>
-          <a:prstGeom prst="rect">
-            <a:avLst/>
-          </a:prstGeom>
-          <a:noFill/>
-        </p:spPr>
-        <p:txBody>
-          <a:bodyPr wrap="square" rtlCol="0">
-            <a:spAutoFit/>
-          </a:bodyPr>
-          <a:lstStyle/>
-          <a:p>
-            <a:pPr algn="ctr"/>
-            <a:r>
-              <a:rPr lang="en-GB" b="1" dirty="0"/>
-              <a:t>Degree = 9</a:t>
-            </a:r>
-          </a:p>
-        </p:txBody>
-      </p:sp>
-      <p:pic>
-        <p:nvPicPr>
-          <p:cNvPr id="3" name="polynomial_3_animation">
-            <a:hlinkClick r:id="" action="ppaction://media"/>
-            <a:extLst>
-              <a:ext uri="{FF2B5EF4-FFF2-40B4-BE49-F238E27FC236}">
-                <a16:creationId xmlns:a16="http://schemas.microsoft.com/office/drawing/2014/main" id="{335B5608-7A18-4AA0-93EB-C728D41BED21}"/>
-              </a:ext>
-            </a:extLst>
-          </p:cNvPr>
-          <p:cNvPicPr>
-            <a:picLocks noChangeAspect="1"/>
-          </p:cNvPicPr>
-          <p:nvPr>
-            <a:videoFile r:link="rId2"/>
-            <p:extLst>
-              <p:ext uri="{DAA4B4D4-6D71-4841-9C94-3DE7FCFB9230}">
-                <p14:media xmlns:p14="http://schemas.microsoft.com/office/powerpoint/2010/main" r:embed="rId1"/>
-              </p:ext>
-            </p:extLst>
-          </p:nvPr>
-        </p:nvPicPr>
-        <p:blipFill>
-          <a:blip r:embed="rId6"/>
-          <a:stretch>
-            <a:fillRect/>
-          </a:stretch>
-        </p:blipFill>
-        <p:spPr>
-          <a:xfrm>
-            <a:off x="16778" y="2314179"/>
-            <a:ext cx="6058428" cy="4543821"/>
-          </a:xfrm>
-          <a:prstGeom prst="rect">
-            <a:avLst/>
-          </a:prstGeom>
-        </p:spPr>
-      </p:pic>
-      <p:pic>
-        <p:nvPicPr>
-          <p:cNvPr id="10" name="polynomial_9_animation">
-            <a:hlinkClick r:id="" action="ppaction://media"/>
-            <a:extLst>
-              <a:ext uri="{FF2B5EF4-FFF2-40B4-BE49-F238E27FC236}">
-                <a16:creationId xmlns:a16="http://schemas.microsoft.com/office/drawing/2014/main" id="{3DAE0E2C-8949-45EE-A6DE-93A17E905B01}"/>
-              </a:ext>
-            </a:extLst>
-          </p:cNvPr>
-          <p:cNvPicPr>
-            <a:picLocks noGrp="1" noChangeAspect="1"/>
-          </p:cNvPicPr>
-          <p:nvPr>
-            <p:ph idx="1"/>
-            <a:videoFile r:link="rId4"/>
-            <p:extLst>
-              <p:ext uri="{DAA4B4D4-6D71-4841-9C94-3DE7FCFB9230}">
-                <p14:media xmlns:p14="http://schemas.microsoft.com/office/powerpoint/2010/main" r:embed="rId3"/>
-              </p:ext>
-            </p:extLst>
-          </p:nvPr>
-        </p:nvPicPr>
-        <p:blipFill>
-          <a:blip r:embed="rId7"/>
-          <a:stretch>
-            <a:fillRect/>
-          </a:stretch>
-        </p:blipFill>
-        <p:spPr>
-          <a:xfrm>
-            <a:off x="6133574" y="2314179"/>
-            <a:ext cx="6058428" cy="4543822"/>
-          </a:xfrm>
-        </p:spPr>
-      </p:pic>
-    </p:spTree>
-    <p:extLst>
-      <p:ext uri="{BB962C8B-B14F-4D97-AF65-F5344CB8AC3E}">
-        <p14:creationId xmlns:p14="http://schemas.microsoft.com/office/powerpoint/2010/main" val="2457965671"/>
-      </p:ext>
-    </p:extLst>
-  </p:cSld>
-  <p:clrMapOvr>
-    <a:masterClrMapping/>
-  </p:clrMapOvr>
-  <p:timing>
-    <p:tnLst>
-      <p:par>
-        <p:cTn id="1" dur="indefinite" restart="never" nodeType="tmRoot">
-          <p:childTnLst>
-            <p:seq concurrent="1" nextAc="seek">
-              <p:cTn id="2" dur="indefinite" nodeType="mainSeq">
-                <p:childTnLst>
-                  <p:par>
-                    <p:cTn id="3" fill="hold">
-                      <p:stCondLst>
-                        <p:cond delay="indefinite"/>
-                      </p:stCondLst>
-                      <p:childTnLst>
-                        <p:par>
-                          <p:cTn id="4" fill="hold">
-                            <p:stCondLst>
-                              <p:cond delay="0"/>
-                            </p:stCondLst>
-                            <p:childTnLst>
-                              <p:par>
-                                <p:cTn id="5" presetID="1" presetClass="mediacall" presetSubtype="0" fill="hold" nodeType="clickEffect">
-                                  <p:stCondLst>
-                                    <p:cond delay="0"/>
-                                  </p:stCondLst>
-                                  <p:childTnLst>
-                                    <p:cmd type="call" cmd="playFrom(0.0)">
-                                      <p:cBhvr>
-                                        <p:cTn id="6" dur="13334" fill="hold"/>
-                                        <p:tgtEl>
-                                          <p:spTgt spid="3"/>
-                                        </p:tgtEl>
-                                      </p:cBhvr>
-                                    </p:cmd>
-                                  </p:childTnLst>
-                                </p:cTn>
-                              </p:par>
-                            </p:childTnLst>
-                          </p:cTn>
-                        </p:par>
-                      </p:childTnLst>
-                    </p:cTn>
-                  </p:par>
-                  <p:par>
-                    <p:cTn id="7" fill="hold">
-                      <p:stCondLst>
-                        <p:cond delay="indefinite"/>
-                      </p:stCondLst>
-                      <p:childTnLst>
-                        <p:par>
-                          <p:cTn id="8" fill="hold">
-                            <p:stCondLst>
-                              <p:cond delay="0"/>
-                            </p:stCondLst>
-                            <p:childTnLst>
-                              <p:par>
-                                <p:cTn id="9" presetID="1" presetClass="mediacall" presetSubtype="0" fill="hold" nodeType="clickEffect">
-                                  <p:stCondLst>
-                                    <p:cond delay="0"/>
-                                  </p:stCondLst>
-                                  <p:childTnLst>
-                                    <p:cmd type="call" cmd="playFrom(0.0)">
-                                      <p:cBhvr>
-                                        <p:cTn id="10" dur="13334" fill="hold"/>
-                                        <p:tgtEl>
-                                          <p:spTgt spid="10"/>
-                                        </p:tgtEl>
-                                      </p:cBhvr>
-                                    </p:cmd>
-                                  </p:childTnLst>
-                                </p:cTn>
-                              </p:par>
-                            </p:childTnLst>
-                          </p:cTn>
-                        </p:par>
-                      </p:childTnLst>
-                    </p:cTn>
-                  </p:par>
-                </p:childTnLst>
-              </p:cTn>
-              <p:prevCondLst>
-                <p:cond evt="onPrev" delay="0">
-                  <p:tgtEl>
-                    <p:sldTgt/>
-                  </p:tgtEl>
-                </p:cond>
-              </p:prevCondLst>
-              <p:nextCondLst>
-                <p:cond evt="onNext" delay="0">
-                  <p:tgtEl>
-                    <p:sldTgt/>
-                  </p:tgtEl>
-                </p:cond>
-              </p:nextCondLst>
-            </p:seq>
-            <p:video>
-              <p:cMediaNode vol="80000">
-                <p:cTn id="11" fill="hold" display="0">
-                  <p:stCondLst>
-                    <p:cond delay="indefinite"/>
-                  </p:stCondLst>
-                </p:cTn>
-                <p:tgtEl>
-                  <p:spTgt spid="3"/>
-                </p:tgtEl>
-              </p:cMediaNode>
-            </p:video>
-            <p:seq concurrent="1" nextAc="seek">
-              <p:cTn id="12" restart="whenNotActive" fill="hold" evtFilter="cancelBubble" nodeType="interactiveSeq">
-                <p:stCondLst>
-                  <p:cond evt="onClick" delay="0">
-                    <p:tgtEl>
-                      <p:spTgt spid="3"/>
-                    </p:tgtEl>
-                  </p:cond>
-                </p:stCondLst>
-                <p:endSync evt="end" delay="0">
-                  <p:rtn val="all"/>
-                </p:endSync>
-                <p:childTnLst>
-                  <p:par>
-                    <p:cTn id="13" fill="hold">
-                      <p:stCondLst>
-                        <p:cond delay="0"/>
-                      </p:stCondLst>
-                      <p:childTnLst>
-                        <p:par>
-                          <p:cTn id="14" fill="hold">
-                            <p:stCondLst>
-                              <p:cond delay="0"/>
-                            </p:stCondLst>
-                            <p:childTnLst>
-                              <p:par>
-                                <p:cTn id="15" presetID="2" presetClass="mediacall" presetSubtype="0" fill="hold" nodeType="clickEffect">
-                                  <p:stCondLst>
-                                    <p:cond delay="0"/>
-                                  </p:stCondLst>
-                                  <p:childTnLst>
-                                    <p:cmd type="call" cmd="togglePause">
-                                      <p:cBhvr>
-                                        <p:cTn id="16" dur="1" fill="hold"/>
-                                        <p:tgtEl>
-                                          <p:spTgt spid="3"/>
-                                        </p:tgtEl>
-                                      </p:cBhvr>
-                                    </p:cmd>
-                                  </p:childTnLst>
-                                </p:cTn>
-                              </p:par>
-                            </p:childTnLst>
-                          </p:cTn>
-                        </p:par>
-                      </p:childTnLst>
-                    </p:cTn>
-                  </p:par>
-                </p:childTnLst>
-              </p:cTn>
-              <p:nextCondLst>
-                <p:cond evt="onClick" delay="0">
-                  <p:tgtEl>
-                    <p:spTgt spid="3"/>
-                  </p:tgtEl>
-                </p:cond>
-              </p:nextCondLst>
-            </p:seq>
-            <p:video>
-              <p:cMediaNode vol="80000">
-                <p:cTn id="17" fill="hold" display="0">
-                  <p:stCondLst>
-                    <p:cond delay="indefinite"/>
-                  </p:stCondLst>
-                </p:cTn>
-                <p:tgtEl>
-                  <p:spTgt spid="10"/>
-                </p:tgtEl>
-              </p:cMediaNode>
-            </p:video>
-            <p:seq concurrent="1" nextAc="seek">
-              <p:cTn id="18" restart="whenNotActive" fill="hold" evtFilter="cancelBubble" nodeType="interactiveSeq">
-                <p:stCondLst>
-                  <p:cond evt="onClick" delay="0">
-                    <p:tgtEl>
-                      <p:spTgt spid="10"/>
-                    </p:tgtEl>
-                  </p:cond>
-                </p:stCondLst>
-                <p:endSync evt="end" delay="0">
-                  <p:rtn val="all"/>
-                </p:endSync>
-                <p:childTnLst>
-                  <p:par>
-                    <p:cTn id="19" fill="hold">
-                      <p:stCondLst>
-                        <p:cond delay="0"/>
-                      </p:stCondLst>
-                      <p:childTnLst>
-                        <p:par>
-                          <p:cTn id="20" fill="hold">
-                            <p:stCondLst>
-                              <p:cond delay="0"/>
-                            </p:stCondLst>
-                            <p:childTnLst>
-                              <p:par>
-                                <p:cTn id="21" presetID="2" presetClass="mediacall" presetSubtype="0" fill="hold" nodeType="clickEffect">
-                                  <p:stCondLst>
-                                    <p:cond delay="0"/>
-                                  </p:stCondLst>
-                                  <p:childTnLst>
-                                    <p:cmd type="call" cmd="togglePause">
-                                      <p:cBhvr>
-                                        <p:cTn id="22" dur="1" fill="hold"/>
-                                        <p:tgtEl>
-                                          <p:spTgt spid="10"/>
-                                        </p:tgtEl>
-                                      </p:cBhvr>
-                                    </p:cmd>
-                                  </p:childTnLst>
-                                </p:cTn>
-                              </p:par>
-                            </p:childTnLst>
-                          </p:cTn>
-                        </p:par>
-                      </p:childTnLst>
-                    </p:cTn>
-                  </p:par>
-                </p:childTnLst>
-              </p:cTn>
-              <p:nextCondLst>
-                <p:cond evt="onClick" delay="0">
-                  <p:tgtEl>
-                    <p:spTgt spid="10"/>
-                  </p:tgtEl>
-                </p:cond>
-              </p:nextCondLst>
-            </p:seq>
-          </p:childTnLst>
-        </p:cTn>
-      </p:par>
-    </p:tnLst>
-  </p:timing>
-</p:sld>
-</file>
-
-<file path=ppt/slides/slide13.xml><?xml version="1.0" encoding="utf-8"?>
-<p:sld xmlns:a="http://schemas.openxmlformats.org/drawingml/2006/main" xmlns:r="http://schemas.openxmlformats.org/officeDocument/2006/relationships" xmlns:p="http://schemas.openxmlformats.org/presentationml/2006/main">
-  <p:cSld>
-    <p:spTree>
-      <p:nvGrpSpPr>
-        <p:cNvPr id="1" name=""/>
-        <p:cNvGrpSpPr/>
-        <p:nvPr/>
-      </p:nvGrpSpPr>
-      <p:grpSpPr>
-        <a:xfrm>
-          <a:off x="0" y="0"/>
-          <a:ext cx="0" cy="0"/>
-          <a:chOff x="0" y="0"/>
-          <a:chExt cx="0" cy="0"/>
-        </a:xfrm>
-      </p:grpSpPr>
-      <p:sp>
-        <p:nvSpPr>
-          <p:cNvPr id="2" name="Titolo 1">
-            <a:extLst>
-              <a:ext uri="{FF2B5EF4-FFF2-40B4-BE49-F238E27FC236}">
-                <a16:creationId xmlns:a16="http://schemas.microsoft.com/office/drawing/2014/main" id="{B18E07F9-A317-4C3B-B771-1987402AAA89}"/>
-              </a:ext>
-            </a:extLst>
-          </p:cNvPr>
-          <p:cNvSpPr>
-            <a:spLocks noGrp="1"/>
-          </p:cNvSpPr>
-          <p:nvPr>
-            <p:ph type="title"/>
-          </p:nvPr>
-        </p:nvSpPr>
-        <p:spPr/>
-        <p:txBody>
-          <a:bodyPr/>
-          <a:lstStyle/>
-          <a:p>
-            <a:r>
-              <a:rPr lang="en-GB" b="1" dirty="0"/>
-              <a:t>Slack parameter C - RBF</a:t>
-            </a:r>
-            <a:endParaRPr lang="en-GB" dirty="0"/>
-          </a:p>
-        </p:txBody>
-      </p:sp>
-      <p:sp>
-        <p:nvSpPr>
-          <p:cNvPr id="9" name="CasellaDiTesto 8">
-            <a:extLst>
-              <a:ext uri="{FF2B5EF4-FFF2-40B4-BE49-F238E27FC236}">
-                <a16:creationId xmlns:a16="http://schemas.microsoft.com/office/drawing/2014/main" id="{0AA9299D-E6AB-4017-B3E4-70F609EE4A7E}"/>
-              </a:ext>
-            </a:extLst>
-          </p:cNvPr>
-          <p:cNvSpPr txBox="1"/>
-          <p:nvPr/>
-        </p:nvSpPr>
-        <p:spPr>
-          <a:xfrm>
-            <a:off x="692368" y="1942889"/>
-            <a:ext cx="4697506" cy="369332"/>
-          </a:xfrm>
-          <a:prstGeom prst="rect">
-            <a:avLst/>
-          </a:prstGeom>
-          <a:noFill/>
-        </p:spPr>
-        <p:txBody>
-          <a:bodyPr wrap="square" rtlCol="0">
-            <a:spAutoFit/>
-          </a:bodyPr>
-          <a:lstStyle/>
-          <a:p>
-            <a:pPr algn="ctr"/>
-            <a:r>
-              <a:rPr lang="en-GB" b="1" dirty="0"/>
-              <a:t>  σ = 0.5</a:t>
-            </a:r>
-          </a:p>
-        </p:txBody>
-      </p:sp>
-      <p:sp>
-        <p:nvSpPr>
-          <p:cNvPr id="12" name="CasellaDiTesto 11">
-            <a:extLst>
-              <a:ext uri="{FF2B5EF4-FFF2-40B4-BE49-F238E27FC236}">
-                <a16:creationId xmlns:a16="http://schemas.microsoft.com/office/drawing/2014/main" id="{41A21872-25D0-4821-8DB2-64941101FBE1}"/>
-              </a:ext>
-            </a:extLst>
-          </p:cNvPr>
-          <p:cNvSpPr txBox="1"/>
-          <p:nvPr/>
-        </p:nvSpPr>
-        <p:spPr>
-          <a:xfrm>
-            <a:off x="6802128" y="1942889"/>
-            <a:ext cx="4843025" cy="369332"/>
-          </a:xfrm>
-          <a:prstGeom prst="rect">
-            <a:avLst/>
-          </a:prstGeom>
-          <a:noFill/>
-        </p:spPr>
-        <p:txBody>
-          <a:bodyPr wrap="square" rtlCol="0">
-            <a:spAutoFit/>
-          </a:bodyPr>
-          <a:lstStyle/>
-          <a:p>
-            <a:pPr algn="ctr"/>
-            <a:r>
-              <a:rPr lang="en-GB" b="1" dirty="0"/>
-              <a:t>σ = 1.5</a:t>
-            </a:r>
-          </a:p>
-        </p:txBody>
-      </p:sp>
-      <p:pic>
-        <p:nvPicPr>
-          <p:cNvPr id="4" name="radial_0_5_animation">
-            <a:hlinkClick r:id="" action="ppaction://media"/>
-            <a:extLst>
-              <a:ext uri="{FF2B5EF4-FFF2-40B4-BE49-F238E27FC236}">
-                <a16:creationId xmlns:a16="http://schemas.microsoft.com/office/drawing/2014/main" id="{AC03D4C1-41D7-4E47-97C0-0A17EFA965F0}"/>
-              </a:ext>
-            </a:extLst>
-          </p:cNvPr>
-          <p:cNvPicPr>
-            <a:picLocks noChangeAspect="1"/>
-          </p:cNvPicPr>
-          <p:nvPr>
-            <a:videoFile r:link="rId2"/>
-            <p:extLst>
-              <p:ext uri="{DAA4B4D4-6D71-4841-9C94-3DE7FCFB9230}">
-                <p14:media xmlns:p14="http://schemas.microsoft.com/office/powerpoint/2010/main" r:embed="rId1"/>
-              </p:ext>
-            </p:extLst>
-          </p:nvPr>
-        </p:nvPicPr>
-        <p:blipFill>
-          <a:blip r:embed="rId6"/>
-          <a:stretch>
-            <a:fillRect/>
-          </a:stretch>
-        </p:blipFill>
-        <p:spPr>
-          <a:xfrm>
-            <a:off x="-1" y="2296318"/>
-            <a:ext cx="6082243" cy="4561682"/>
-          </a:xfrm>
-          <a:prstGeom prst="rect">
-            <a:avLst/>
-          </a:prstGeom>
-        </p:spPr>
-      </p:pic>
-      <p:pic>
-        <p:nvPicPr>
-          <p:cNvPr id="5" name="radial_1_5_animation">
-            <a:hlinkClick r:id="" action="ppaction://media"/>
-            <a:extLst>
-              <a:ext uri="{FF2B5EF4-FFF2-40B4-BE49-F238E27FC236}">
-                <a16:creationId xmlns:a16="http://schemas.microsoft.com/office/drawing/2014/main" id="{4921DA12-8698-44C8-9B6B-FF752B3A0905}"/>
-              </a:ext>
-            </a:extLst>
-          </p:cNvPr>
-          <p:cNvPicPr>
-            <a:picLocks noChangeAspect="1"/>
-          </p:cNvPicPr>
-          <p:nvPr>
-            <a:videoFile r:link="rId4"/>
-            <p:extLst>
-              <p:ext uri="{DAA4B4D4-6D71-4841-9C94-3DE7FCFB9230}">
-                <p14:media xmlns:p14="http://schemas.microsoft.com/office/powerpoint/2010/main" r:embed="rId3"/>
-              </p:ext>
-            </p:extLst>
-          </p:nvPr>
-        </p:nvPicPr>
-        <p:blipFill>
-          <a:blip r:embed="rId7"/>
-          <a:stretch>
-            <a:fillRect/>
-          </a:stretch>
-        </p:blipFill>
-        <p:spPr>
-          <a:xfrm>
-            <a:off x="6109760" y="2321485"/>
-            <a:ext cx="6082243" cy="4561682"/>
-          </a:xfrm>
-          <a:prstGeom prst="rect">
-            <a:avLst/>
-          </a:prstGeom>
-        </p:spPr>
-      </p:pic>
-    </p:spTree>
-    <p:extLst>
-      <p:ext uri="{BB962C8B-B14F-4D97-AF65-F5344CB8AC3E}">
-        <p14:creationId xmlns:p14="http://schemas.microsoft.com/office/powerpoint/2010/main" val="2620067442"/>
-      </p:ext>
-    </p:extLst>
-  </p:cSld>
-  <p:clrMapOvr>
-    <a:masterClrMapping/>
-  </p:clrMapOvr>
-  <p:timing>
-    <p:tnLst>
-      <p:par>
-        <p:cTn id="1" dur="indefinite" restart="never" nodeType="tmRoot">
-          <p:childTnLst>
-            <p:seq concurrent="1" nextAc="seek">
-              <p:cTn id="2" dur="indefinite" nodeType="mainSeq">
-                <p:childTnLst>
-                  <p:par>
-                    <p:cTn id="3" fill="hold">
-                      <p:stCondLst>
-                        <p:cond delay="indefinite"/>
-                      </p:stCondLst>
-                      <p:childTnLst>
-                        <p:par>
-                          <p:cTn id="4" fill="hold">
-                            <p:stCondLst>
-                              <p:cond delay="0"/>
-                            </p:stCondLst>
-                            <p:childTnLst>
-                              <p:par>
-                                <p:cTn id="5" presetID="1" presetClass="mediacall" presetSubtype="0" fill="hold" nodeType="clickEffect">
-                                  <p:stCondLst>
-                                    <p:cond delay="0"/>
-                                  </p:stCondLst>
-                                  <p:childTnLst>
-                                    <p:cmd type="call" cmd="playFrom(0.0)">
-                                      <p:cBhvr>
-                                        <p:cTn id="6" dur="13334" fill="hold"/>
-                                        <p:tgtEl>
-                                          <p:spTgt spid="4"/>
-                                        </p:tgtEl>
-                                      </p:cBhvr>
-                                    </p:cmd>
-                                  </p:childTnLst>
-                                </p:cTn>
-                              </p:par>
-                            </p:childTnLst>
-                          </p:cTn>
-                        </p:par>
-                      </p:childTnLst>
-                    </p:cTn>
-                  </p:par>
-                  <p:par>
-                    <p:cTn id="7" fill="hold">
-                      <p:stCondLst>
-                        <p:cond delay="indefinite"/>
-                      </p:stCondLst>
-                      <p:childTnLst>
-                        <p:par>
-                          <p:cTn id="8" fill="hold">
-                            <p:stCondLst>
-                              <p:cond delay="0"/>
-                            </p:stCondLst>
-                            <p:childTnLst>
-                              <p:par>
-                                <p:cTn id="9" presetID="1" presetClass="mediacall" presetSubtype="0" fill="hold" nodeType="clickEffect">
-                                  <p:stCondLst>
-                                    <p:cond delay="0"/>
-                                  </p:stCondLst>
-                                  <p:childTnLst>
-                                    <p:cmd type="call" cmd="playFrom(0.0)">
-                                      <p:cBhvr>
-                                        <p:cTn id="10" dur="13334" fill="hold"/>
-                                        <p:tgtEl>
-                                          <p:spTgt spid="5"/>
-                                        </p:tgtEl>
-                                      </p:cBhvr>
-                                    </p:cmd>
-                                  </p:childTnLst>
-                                </p:cTn>
-                              </p:par>
-                            </p:childTnLst>
-                          </p:cTn>
-                        </p:par>
-                      </p:childTnLst>
-                    </p:cTn>
-                  </p:par>
-                </p:childTnLst>
-              </p:cTn>
-              <p:prevCondLst>
-                <p:cond evt="onPrev" delay="0">
-                  <p:tgtEl>
-                    <p:sldTgt/>
-                  </p:tgtEl>
-                </p:cond>
-              </p:prevCondLst>
-              <p:nextCondLst>
-                <p:cond evt="onNext" delay="0">
-                  <p:tgtEl>
-                    <p:sldTgt/>
-                  </p:tgtEl>
-                </p:cond>
-              </p:nextCondLst>
-            </p:seq>
-            <p:video>
-              <p:cMediaNode vol="80000">
-                <p:cTn id="11" fill="hold" display="0">
-                  <p:stCondLst>
-                    <p:cond delay="indefinite"/>
-                  </p:stCondLst>
-                </p:cTn>
-                <p:tgtEl>
-                  <p:spTgt spid="4"/>
-                </p:tgtEl>
-              </p:cMediaNode>
-            </p:video>
-            <p:seq concurrent="1" nextAc="seek">
-              <p:cTn id="12" restart="whenNotActive" fill="hold" evtFilter="cancelBubble" nodeType="interactiveSeq">
-                <p:stCondLst>
-                  <p:cond evt="onClick" delay="0">
-                    <p:tgtEl>
-                      <p:spTgt spid="4"/>
-                    </p:tgtEl>
-                  </p:cond>
-                </p:stCondLst>
-                <p:endSync evt="end" delay="0">
-                  <p:rtn val="all"/>
-                </p:endSync>
-                <p:childTnLst>
-                  <p:par>
-                    <p:cTn id="13" fill="hold">
-                      <p:stCondLst>
-                        <p:cond delay="0"/>
-                      </p:stCondLst>
-                      <p:childTnLst>
-                        <p:par>
-                          <p:cTn id="14" fill="hold">
-                            <p:stCondLst>
-                              <p:cond delay="0"/>
-                            </p:stCondLst>
-                            <p:childTnLst>
-                              <p:par>
-                                <p:cTn id="15" presetID="2" presetClass="mediacall" presetSubtype="0" fill="hold" nodeType="clickEffect">
-                                  <p:stCondLst>
-                                    <p:cond delay="0"/>
-                                  </p:stCondLst>
-                                  <p:childTnLst>
-                                    <p:cmd type="call" cmd="togglePause">
-                                      <p:cBhvr>
-                                        <p:cTn id="16" dur="1" fill="hold"/>
-                                        <p:tgtEl>
-                                          <p:spTgt spid="4"/>
-                                        </p:tgtEl>
-                                      </p:cBhvr>
-                                    </p:cmd>
-                                  </p:childTnLst>
-                                </p:cTn>
-                              </p:par>
-                            </p:childTnLst>
-                          </p:cTn>
-                        </p:par>
-                      </p:childTnLst>
-                    </p:cTn>
-                  </p:par>
-                </p:childTnLst>
-              </p:cTn>
-              <p:nextCondLst>
-                <p:cond evt="onClick" delay="0">
-                  <p:tgtEl>
-                    <p:spTgt spid="4"/>
-                  </p:tgtEl>
-                </p:cond>
-              </p:nextCondLst>
-            </p:seq>
-            <p:video>
-              <p:cMediaNode vol="80000">
-                <p:cTn id="17" fill="hold" display="0">
-                  <p:stCondLst>
-                    <p:cond delay="indefinite"/>
-                  </p:stCondLst>
-                </p:cTn>
-                <p:tgtEl>
-                  <p:spTgt spid="5"/>
-                </p:tgtEl>
-              </p:cMediaNode>
-            </p:video>
-            <p:seq concurrent="1" nextAc="seek">
-              <p:cTn id="18" restart="whenNotActive" fill="hold" evtFilter="cancelBubble" nodeType="interactiveSeq">
-                <p:stCondLst>
-                  <p:cond evt="onClick" delay="0">
-                    <p:tgtEl>
-                      <p:spTgt spid="5"/>
-                    </p:tgtEl>
-                  </p:cond>
-                </p:stCondLst>
-                <p:endSync evt="end" delay="0">
-                  <p:rtn val="all"/>
-                </p:endSync>
-                <p:childTnLst>
-                  <p:par>
-                    <p:cTn id="19" fill="hold">
-                      <p:stCondLst>
-                        <p:cond delay="0"/>
-                      </p:stCondLst>
-                      <p:childTnLst>
-                        <p:par>
-                          <p:cTn id="20" fill="hold">
-                            <p:stCondLst>
-                              <p:cond delay="0"/>
-                            </p:stCondLst>
-                            <p:childTnLst>
-                              <p:par>
-                                <p:cTn id="21" presetID="2" presetClass="mediacall" presetSubtype="0" fill="hold" nodeType="clickEffect">
-                                  <p:stCondLst>
-                                    <p:cond delay="0"/>
-                                  </p:stCondLst>
-                                  <p:childTnLst>
-                                    <p:cmd type="call" cmd="togglePause">
-                                      <p:cBhvr>
-                                        <p:cTn id="22" dur="1" fill="hold"/>
-                                        <p:tgtEl>
-                                          <p:spTgt spid="5"/>
-                                        </p:tgtEl>
-                                      </p:cBhvr>
-                                    </p:cmd>
-                                  </p:childTnLst>
-                                </p:cTn>
-                              </p:par>
-                            </p:childTnLst>
-                          </p:cTn>
-                        </p:par>
-                      </p:childTnLst>
-                    </p:cTn>
-                  </p:par>
-                </p:childTnLst>
-              </p:cTn>
-              <p:nextCondLst>
-                <p:cond evt="onClick" delay="0">
-                  <p:tgtEl>
-                    <p:spTgt spid="5"/>
-                  </p:tgtEl>
-                </p:cond>
-              </p:nextCondLst>
-            </p:seq>
-          </p:childTnLst>
-        </p:cTn>
-      </p:par>
-    </p:tnLst>
-  </p:timing>
-</p:sld>
-</file>
-
-<file path=ppt/slides/slide14.xml><?xml version="1.0" encoding="utf-8"?>
-<p:sld xmlns:a="http://schemas.openxmlformats.org/drawingml/2006/main" xmlns:r="http://schemas.openxmlformats.org/officeDocument/2006/relationships" xmlns:p="http://schemas.openxmlformats.org/presentationml/2006/main">
-  <p:cSld>
-    <p:spTree>
-      <p:nvGrpSpPr>
-        <p:cNvPr id="1" name=""/>
-        <p:cNvGrpSpPr/>
-        <p:nvPr/>
-      </p:nvGrpSpPr>
-      <p:grpSpPr>
-        <a:xfrm>
-          <a:off x="0" y="0"/>
-          <a:ext cx="0" cy="0"/>
-          <a:chOff x="0" y="0"/>
-          <a:chExt cx="0" cy="0"/>
-        </a:xfrm>
-      </p:grpSpPr>
-      <p:sp>
-        <p:nvSpPr>
-          <p:cNvPr id="2" name="Titolo 1">
-            <a:extLst>
-              <a:ext uri="{FF2B5EF4-FFF2-40B4-BE49-F238E27FC236}">
-                <a16:creationId xmlns:a16="http://schemas.microsoft.com/office/drawing/2014/main" id="{E2BD2527-3AAD-4F9E-B47F-DFDD22A0874D}"/>
-              </a:ext>
-            </a:extLst>
-          </p:cNvPr>
-          <p:cNvSpPr>
-            <a:spLocks noGrp="1"/>
-          </p:cNvSpPr>
-          <p:nvPr>
-            <p:ph type="title"/>
-          </p:nvPr>
-        </p:nvSpPr>
-        <p:spPr/>
-        <p:txBody>
-          <a:bodyPr/>
-          <a:lstStyle/>
-          <a:p>
-            <a:r>
-              <a:rPr lang="en-GB" b="1" dirty="0"/>
-              <a:t>Slack vs complexity</a:t>
-            </a:r>
-          </a:p>
-        </p:txBody>
-      </p:sp>
-      <p:sp>
-        <p:nvSpPr>
-          <p:cNvPr id="3" name="Segnaposto contenuto 2">
-            <a:extLst>
-              <a:ext uri="{FF2B5EF4-FFF2-40B4-BE49-F238E27FC236}">
-                <a16:creationId xmlns:a16="http://schemas.microsoft.com/office/drawing/2014/main" id="{11775999-4446-41D8-BB54-1DD6B9042C0F}"/>
-              </a:ext>
-            </a:extLst>
-          </p:cNvPr>
-          <p:cNvSpPr>
-            <a:spLocks noGrp="1"/>
-          </p:cNvSpPr>
-          <p:nvPr>
-            <p:ph idx="1"/>
-          </p:nvPr>
-        </p:nvSpPr>
-        <p:spPr/>
-        <p:txBody>
-          <a:bodyPr>
-            <a:normAutofit/>
-          </a:bodyPr>
-          <a:lstStyle/>
-          <a:p>
-            <a:r>
-              <a:rPr lang="en-GB" sz="2800" b="1" dirty="0"/>
-              <a:t>More</a:t>
-            </a:r>
-            <a:r>
-              <a:rPr lang="en-GB" sz="2800" dirty="0"/>
-              <a:t> </a:t>
-            </a:r>
-            <a:r>
-              <a:rPr lang="en-GB" sz="2800" b="1" dirty="0"/>
-              <a:t>slack</a:t>
-            </a:r>
-            <a:r>
-              <a:rPr lang="en-GB" sz="2800" dirty="0"/>
-              <a:t>: when there is a lot of </a:t>
-            </a:r>
-            <a:r>
-              <a:rPr lang="en-GB" sz="2800" b="1" dirty="0"/>
-              <a:t>noise</a:t>
-            </a:r>
-            <a:r>
-              <a:rPr lang="en-GB" sz="2800" dirty="0"/>
-              <a:t> in the data. It means that using bigger slack we could get rid of </a:t>
-            </a:r>
-            <a:r>
-              <a:rPr lang="en-GB" sz="2800" b="1" dirty="0"/>
-              <a:t>outliers</a:t>
-            </a:r>
-            <a:r>
-              <a:rPr lang="en-GB" sz="2800" dirty="0"/>
-              <a:t> in the dataset and we don’t </a:t>
-            </a:r>
-            <a:r>
-              <a:rPr lang="en-GB" sz="2800" b="1" dirty="0"/>
-              <a:t>overfit</a:t>
-            </a:r>
-            <a:r>
-              <a:rPr lang="en-GB" sz="2800" dirty="0"/>
-              <a:t> noise in the final model</a:t>
-            </a:r>
-          </a:p>
-          <a:p>
-            <a:endParaRPr lang="en-GB" sz="2800" dirty="0"/>
-          </a:p>
-          <a:p>
-            <a:r>
-              <a:rPr lang="en-GB" sz="2800" b="1" dirty="0"/>
-              <a:t>More complex</a:t>
-            </a:r>
-            <a:r>
-              <a:rPr lang="en-GB" sz="2800" dirty="0"/>
-              <a:t>: If we know that data are </a:t>
-            </a:r>
-            <a:r>
-              <a:rPr lang="en-GB" sz="2800" b="1" dirty="0"/>
-              <a:t>not noisy</a:t>
-            </a:r>
-            <a:r>
-              <a:rPr lang="en-GB" sz="2800" dirty="0"/>
-              <a:t>, but it is still difficult to get a nice classification, we should increase complexity of the model</a:t>
-            </a:r>
-          </a:p>
-        </p:txBody>
-      </p:sp>
-    </p:spTree>
-    <p:extLst>
-      <p:ext uri="{BB962C8B-B14F-4D97-AF65-F5344CB8AC3E}">
-        <p14:creationId xmlns:p14="http://schemas.microsoft.com/office/powerpoint/2010/main" val="3678269272"/>
+        <p14:creationId xmlns:p14="http://schemas.microsoft.com/office/powerpoint/2010/main" val="4048875456"/>
       </p:ext>
     </p:extLst>
   </p:cSld>
@@ -8720,8 +8248,8 @@
           </a:p>
         </p:txBody>
       </p:sp>
-      <mc:AlternateContent xmlns:mc="http://schemas.openxmlformats.org/markup-compatibility/2006">
-        <mc:Choice xmlns:a14="http://schemas.microsoft.com/office/drawing/2010/main" Requires="a14">
+      <mc:AlternateContent xmlns:mc="http://schemas.openxmlformats.org/markup-compatibility/2006" xmlns:a14="http://schemas.microsoft.com/office/drawing/2010/main">
+        <mc:Choice Requires="a14">
           <p:sp>
             <p:nvSpPr>
               <p:cNvPr id="3" name="Segnaposto contenuto 2">
@@ -8745,14 +8273,26 @@
               <a:p>
                 <a:r>
                   <a:rPr lang="en-US" dirty="0"/>
-                  <a:t>Naïve assumption</a:t>
+                  <a:t>Naïve </a:t>
+                </a:r>
+                <a:r>
+                  <a:rPr lang="en-US" b="1" dirty="0"/>
+                  <a:t>assumption</a:t>
                 </a:r>
               </a:p>
               <a:p>
                 <a:pPr lvl="1"/>
                 <a:r>
                   <a:rPr lang="en-US" dirty="0"/>
-                  <a:t>Features conditionally independent given the class</a:t>
+                  <a:t>Features conditionally </a:t>
+                </a:r>
+                <a:r>
+                  <a:rPr lang="en-US" b="1" dirty="0"/>
+                  <a:t>independent</a:t>
+                </a:r>
+                <a:r>
+                  <a:rPr lang="en-US" dirty="0"/>
+                  <a:t> given the class</a:t>
                 </a:r>
               </a:p>
               <a:p>
@@ -8939,7 +8479,7 @@
             </p:txBody>
           </p:sp>
         </mc:Choice>
-        <mc:Fallback>
+        <mc:Fallback xmlns="">
           <p:sp>
             <p:nvSpPr>
               <p:cNvPr id="3" name="Segnaposto contenuto 2">
@@ -9106,7 +8646,15 @@
             <a:pPr lvl="1"/>
             <a:r>
               <a:rPr lang="en-US" dirty="0"/>
-              <a:t>Not so bad, only 2 features and relatively simple decision boundary, but…</a:t>
+              <a:t>Only 2 features and relatively </a:t>
+            </a:r>
+            <a:r>
+              <a:rPr lang="en-US" b="1" dirty="0"/>
+              <a:t>simple</a:t>
+            </a:r>
+            <a:r>
+              <a:rPr lang="en-US" dirty="0"/>
+              <a:t> decision boundary, but…</a:t>
             </a:r>
           </a:p>
           <a:p>
@@ -9114,8 +8662,12 @@
           </a:p>
           <a:p>
             <a:r>
+              <a:rPr lang="en-US" b="1" dirty="0"/>
+              <a:t>Not good</a:t>
+            </a:r>
+            <a:r>
               <a:rPr lang="en-US" dirty="0"/>
-              <a:t>Not good decision boundary between class 1 and class 2</a:t>
+              <a:t> decision boundary between class 1 and class 2</a:t>
             </a:r>
           </a:p>
         </p:txBody>
@@ -9282,50 +8834,50 @@
             <a:pPr lvl="1"/>
             <a:r>
               <a:rPr lang="en-US" dirty="0"/>
-              <a:t>Worse, </a:t>
-            </a:r>
-            <a:r>
-              <a:rPr lang="en-US"/>
-              <a:t>more difficult</a:t>
-            </a:r>
-            <a:endParaRPr lang="en-US" dirty="0"/>
-          </a:p>
-          <a:p>
-            <a:endParaRPr lang="en-US" dirty="0"/>
-          </a:p>
-          <a:p>
-            <a:r>
-              <a:rPr lang="en-US" dirty="0"/>
-              <a:t>Not good decision boundary between class 1 and class 2</a:t>
-            </a:r>
-          </a:p>
-        </p:txBody>
-      </p:sp>
-      <p:sp>
-        <p:nvSpPr>
-          <p:cNvPr id="4" name="Segnaposto contenuto 3">
+              <a:t>Much worse, more</a:t>
+            </a:r>
+            <a:r>
+              <a:rPr lang="en-US" b="1" dirty="0"/>
+              <a:t> difficult</a:t>
+            </a:r>
+          </a:p>
+        </p:txBody>
+      </p:sp>
+      <p:pic>
+        <p:nvPicPr>
+          <p:cNvPr id="5" name="Segnaposto contenuto 4">
             <a:extLst>
               <a:ext uri="{FF2B5EF4-FFF2-40B4-BE49-F238E27FC236}">
-                <a16:creationId xmlns:a16="http://schemas.microsoft.com/office/drawing/2014/main" id="{C64CF3DC-A83F-4632-9FE3-FC9A01BB5B9C}"/>
+                <a16:creationId xmlns:a16="http://schemas.microsoft.com/office/drawing/2014/main" id="{76E67CDE-0887-42B0-9936-DACFE00EBE0D}"/>
               </a:ext>
             </a:extLst>
           </p:cNvPr>
-          <p:cNvSpPr>
-            <a:spLocks noGrp="1"/>
-          </p:cNvSpPr>
+          <p:cNvPicPr>
+            <a:picLocks noGrp="1" noChangeAspect="1"/>
+          </p:cNvPicPr>
           <p:nvPr>
             <p:ph sz="half" idx="2"/>
           </p:nvPr>
-        </p:nvSpPr>
-        <p:spPr/>
-        <p:txBody>
-          <a:bodyPr/>
-          <a:lstStyle/>
-          <a:p>
-            <a:endParaRPr lang="en-US" dirty="0"/>
-          </a:p>
-        </p:txBody>
-      </p:sp>
+        </p:nvPicPr>
+        <p:blipFill>
+          <a:blip r:embed="rId2">
+            <a:extLst>
+              <a:ext uri="{28A0092B-C50C-407E-A947-70E740481C1C}">
+                <a14:useLocalDpi xmlns:a14="http://schemas.microsoft.com/office/drawing/2010/main" val="0"/>
+              </a:ext>
+            </a:extLst>
+          </a:blip>
+          <a:stretch>
+            <a:fillRect/>
+          </a:stretch>
+        </p:blipFill>
+        <p:spPr>
+          <a:xfrm>
+            <a:off x="6172200" y="2205831"/>
+            <a:ext cx="5334000" cy="4000500"/>
+          </a:xfrm>
+        </p:spPr>
+      </p:pic>
     </p:spTree>
     <p:extLst>
       <p:ext uri="{BB962C8B-B14F-4D97-AF65-F5344CB8AC3E}">
@@ -9342,6 +8894,14 @@
 <file path=ppt/slides/slide5.xml><?xml version="1.0" encoding="utf-8"?>
 <p:sld xmlns:a="http://schemas.openxmlformats.org/drawingml/2006/main" xmlns:r="http://schemas.openxmlformats.org/officeDocument/2006/relationships" xmlns:p="http://schemas.openxmlformats.org/presentationml/2006/main">
   <p:cSld>
+    <p:bg>
+      <p:bgPr>
+        <a:solidFill>
+          <a:schemeClr val="bg1"/>
+        </a:solidFill>
+        <a:effectLst/>
+      </p:bgPr>
+    </p:bg>
     <p:spTree>
       <p:nvGrpSpPr>
         <p:cNvPr id="1" name=""/>
@@ -9358,10 +8918,10 @@
       </p:grpSpPr>
       <p:sp>
         <p:nvSpPr>
-          <p:cNvPr id="20" name="Titolo 19">
+          <p:cNvPr id="2" name="Titolo 1">
             <a:extLst>
               <a:ext uri="{FF2B5EF4-FFF2-40B4-BE49-F238E27FC236}">
-                <a16:creationId xmlns:a16="http://schemas.microsoft.com/office/drawing/2014/main" id="{14E2A788-8C9A-4B5A-A077-DACFA868154A}"/>
+                <a16:creationId xmlns:a16="http://schemas.microsoft.com/office/drawing/2014/main" id="{65894461-A0E5-40BB-833E-30261F54E070}"/>
               </a:ext>
             </a:extLst>
           </p:cNvPr>
@@ -9372,24 +8932,31 @@
             <p:ph type="title"/>
           </p:nvPr>
         </p:nvSpPr>
-        <p:spPr/>
-        <p:txBody>
-          <a:bodyPr/>
+        <p:spPr>
+          <a:xfrm>
+            <a:off x="619760" y="764373"/>
+            <a:ext cx="6832600" cy="1293028"/>
+          </a:xfrm>
+        </p:spPr>
+        <p:txBody>
+          <a:bodyPr>
+            <a:normAutofit/>
+          </a:bodyPr>
           <a:lstStyle/>
           <a:p>
             <a:r>
-              <a:rPr lang="en-US" b="1" dirty="0"/>
-              <a:t>Linear kernel (III)</a:t>
-            </a:r>
-          </a:p>
-        </p:txBody>
-      </p:sp>
-      <p:sp>
-        <p:nvSpPr>
-          <p:cNvPr id="3" name="Segnaposto contenuto 2">
+              <a:rPr lang="en-GB" sz="4000" b="1" dirty="0"/>
+              <a:t>How to improve</a:t>
+            </a:r>
+          </a:p>
+        </p:txBody>
+      </p:sp>
+      <p:sp>
+        <p:nvSpPr>
+          <p:cNvPr id="11" name="Content Placeholder 10">
             <a:extLst>
               <a:ext uri="{FF2B5EF4-FFF2-40B4-BE49-F238E27FC236}">
-                <a16:creationId xmlns:a16="http://schemas.microsoft.com/office/drawing/2014/main" id="{F22E47A0-7FE4-4BDD-9F0B-092D74358B57}"/>
+                <a16:creationId xmlns:a16="http://schemas.microsoft.com/office/drawing/2014/main" id="{B3BC52A2-872E-47FE-875C-DEBA489A726F}"/>
               </a:ext>
             </a:extLst>
           </p:cNvPr>
@@ -9397,79 +8964,68 @@
             <a:spLocks noGrp="1"/>
           </p:cNvSpPr>
           <p:nvPr>
-            <p:ph sz="half" idx="2"/>
-          </p:nvPr>
-        </p:nvSpPr>
-        <p:spPr/>
-        <p:txBody>
-          <a:bodyPr/>
+            <p:ph idx="1"/>
+          </p:nvPr>
+        </p:nvSpPr>
+        <p:spPr>
+          <a:xfrm>
+            <a:off x="619760" y="2194560"/>
+            <a:ext cx="6832600" cy="4024125"/>
+          </a:xfrm>
+        </p:spPr>
+        <p:txBody>
+          <a:bodyPr>
+            <a:normAutofit/>
+          </a:bodyPr>
           <a:lstStyle/>
           <a:p>
             <a:r>
+              <a:rPr lang="en-US" sz="2200" dirty="0"/>
+              <a:t>Change classifier</a:t>
+            </a:r>
+          </a:p>
+          <a:p>
+            <a:pPr lvl="1"/>
+            <a:r>
+              <a:rPr lang="en-US" b="1" dirty="0"/>
+              <a:t>SVM </a:t>
+            </a:r>
+            <a:r>
               <a:rPr lang="en-US" dirty="0"/>
-              <a:t>There is </a:t>
-            </a:r>
-            <a:r>
-              <a:rPr lang="en-US" b="1" dirty="0"/>
-              <a:t>no separating hyperplane </a:t>
-            </a:r>
+              <a:t>(extended for more than 2 classes, one-versus-one or one-versus-all)</a:t>
+            </a:r>
+          </a:p>
+          <a:p>
+            <a:pPr lvl="1"/>
+            <a:endParaRPr lang="en-US" dirty="0"/>
+          </a:p>
+          <a:p>
+            <a:pPr lvl="1"/>
+            <a:endParaRPr lang="en-US" dirty="0"/>
+          </a:p>
+          <a:p>
             <a:r>
               <a:rPr lang="en-US" dirty="0"/>
-              <a:t>(line in this case, 2D).</a:t>
-            </a:r>
-          </a:p>
-          <a:p>
-            <a:r>
-              <a:rPr lang="en-US" b="1" dirty="0"/>
-              <a:t>No solution</a:t>
-            </a:r>
-            <a:r>
-              <a:rPr lang="en-US" dirty="0"/>
-              <a:t> found by the optimizer.</a:t>
-            </a:r>
-          </a:p>
-          <a:p>
-            <a:endParaRPr lang="en-US" dirty="0"/>
-          </a:p>
-          <a:p>
-            <a:r>
-              <a:rPr lang="en-US" dirty="0"/>
-              <a:t>How to solve?</a:t>
-            </a:r>
-          </a:p>
-          <a:p>
-            <a:pPr lvl="1"/>
-            <a:r>
-              <a:rPr lang="en-US" dirty="0"/>
-              <a:t>Non-linear kernels</a:t>
-            </a:r>
-          </a:p>
-          <a:p>
-            <a:pPr lvl="1"/>
-            <a:r>
-              <a:rPr lang="en-US" dirty="0"/>
-              <a:t>Slack variables</a:t>
+              <a:t>Boosting</a:t>
             </a:r>
           </a:p>
         </p:txBody>
       </p:sp>
       <p:pic>
         <p:nvPicPr>
-          <p:cNvPr id="21" name="Segnaposto contenuto 20">
+          <p:cNvPr id="7" name="Segnaposto contenuto 8">
             <a:extLst>
               <a:ext uri="{FF2B5EF4-FFF2-40B4-BE49-F238E27FC236}">
-                <a16:creationId xmlns:a16="http://schemas.microsoft.com/office/drawing/2014/main" id="{1FD78719-7661-473E-B28B-41954B81480D}"/>
+                <a16:creationId xmlns:a16="http://schemas.microsoft.com/office/drawing/2014/main" id="{E0847D8F-5158-45A0-ABD6-47164754EAE1}"/>
               </a:ext>
             </a:extLst>
           </p:cNvPr>
           <p:cNvPicPr>
-            <a:picLocks noGrp="1" noChangeAspect="1"/>
+            <a:picLocks noChangeAspect="1"/>
           </p:cNvPicPr>
-          <p:nvPr>
-            <p:ph sz="half" idx="1"/>
-          </p:nvPr>
+          <p:nvPr/>
         </p:nvPicPr>
-        <p:blipFill>
+        <p:blipFill rotWithShape="1">
           <a:blip r:embed="rId2">
             <a:extLst>
               <a:ext uri="{28A0092B-C50C-407E-A947-70E740481C1C}">
@@ -9477,21 +9033,58 @@
               </a:ext>
             </a:extLst>
           </a:blip>
-          <a:stretch>
-            <a:fillRect/>
-          </a:stretch>
+          <a:srcRect r="-4" b="13029"/>
+          <a:stretch/>
         </p:blipFill>
         <p:spPr>
           <a:xfrm>
-            <a:off x="685800" y="2205831"/>
-            <a:ext cx="5334000" cy="4000500"/>
-          </a:xfrm>
+            <a:off x="7861238" y="933693"/>
+            <a:ext cx="3644962" cy="2377440"/>
+          </a:xfrm>
+          <a:prstGeom prst="rect">
+            <a:avLst/>
+          </a:prstGeom>
+        </p:spPr>
+      </p:pic>
+      <p:pic>
+        <p:nvPicPr>
+          <p:cNvPr id="6" name="Segnaposto contenuto 4">
+            <a:extLst>
+              <a:ext uri="{FF2B5EF4-FFF2-40B4-BE49-F238E27FC236}">
+                <a16:creationId xmlns:a16="http://schemas.microsoft.com/office/drawing/2014/main" id="{5BCCCDC7-4FB7-4083-BF85-CA9DED6FA23B}"/>
+              </a:ext>
+            </a:extLst>
+          </p:cNvPr>
+          <p:cNvPicPr>
+            <a:picLocks noChangeAspect="1"/>
+          </p:cNvPicPr>
+          <p:nvPr/>
+        </p:nvPicPr>
+        <p:blipFill rotWithShape="1">
+          <a:blip r:embed="rId3">
+            <a:extLst>
+              <a:ext uri="{28A0092B-C50C-407E-A947-70E740481C1C}">
+                <a14:useLocalDpi xmlns:a14="http://schemas.microsoft.com/office/drawing/2010/main" val="0"/>
+              </a:ext>
+            </a:extLst>
+          </a:blip>
+          <a:srcRect t="4612" r="-4" b="8417"/>
+          <a:stretch/>
+        </p:blipFill>
+        <p:spPr>
+          <a:xfrm>
+            <a:off x="7861238" y="3588301"/>
+            <a:ext cx="3644962" cy="2377440"/>
+          </a:xfrm>
+          <a:prstGeom prst="rect">
+            <a:avLst/>
+          </a:prstGeom>
         </p:spPr>
       </p:pic>
     </p:spTree>
     <p:extLst>
       <p:ext uri="{BB962C8B-B14F-4D97-AF65-F5344CB8AC3E}">
-        <p14:creationId xmlns:p14="http://schemas.microsoft.com/office/powerpoint/2010/main" val="1075614242"/>
+        <p14:creationId xmlns:p14="http://schemas.microsoft.com/office/powerpoint/2010/main" val="3011724712"/>
       </p:ext>
     </p:extLst>
   </p:cSld>
@@ -9541,7 +9134,7 @@
           <a:p>
             <a:r>
               <a:rPr lang="en-US" b="1" dirty="0"/>
-              <a:t>Linear kernel (IV)</a:t>
+              <a:t>boosting (I)</a:t>
             </a:r>
           </a:p>
         </p:txBody>
@@ -9551,7 +9144,7 @@
           <p:cNvPr id="3" name="Segnaposto contenuto 2">
             <a:extLst>
               <a:ext uri="{FF2B5EF4-FFF2-40B4-BE49-F238E27FC236}">
-                <a16:creationId xmlns:a16="http://schemas.microsoft.com/office/drawing/2014/main" id="{F22E47A0-7FE4-4BDD-9F0B-092D74358B57}"/>
+                <a16:creationId xmlns:a16="http://schemas.microsoft.com/office/drawing/2014/main" id="{85C707E0-2079-4DA5-B658-E7E54372D490}"/>
               </a:ext>
             </a:extLst>
           </p:cNvPr>
@@ -9559,7 +9152,7 @@
             <a:spLocks noGrp="1"/>
           </p:cNvSpPr>
           <p:nvPr>
-            <p:ph sz="half" idx="2"/>
+            <p:ph idx="1"/>
           </p:nvPr>
         </p:nvSpPr>
         <p:spPr/>
@@ -9567,92 +9160,83 @@
           <a:bodyPr/>
           <a:lstStyle/>
           <a:p>
+            <a:endParaRPr lang="en-US" dirty="0"/>
+          </a:p>
+          <a:p>
             <a:r>
               <a:rPr lang="en-US" dirty="0"/>
-              <a:t>There is </a:t>
+              <a:t>Combine </a:t>
             </a:r>
             <a:r>
               <a:rPr lang="en-US" b="1" dirty="0"/>
-              <a:t>no separating hyperplane </a:t>
+              <a:t>weak</a:t>
             </a:r>
             <a:r>
               <a:rPr lang="en-US" dirty="0"/>
-              <a:t>(line in this case, 2D).</a:t>
-            </a:r>
-          </a:p>
-          <a:p>
+              <a:t> classifiers (high bias) in one </a:t>
+            </a:r>
             <a:r>
               <a:rPr lang="en-US" b="1" dirty="0"/>
-              <a:t>No solution </a:t>
+              <a:t>strong</a:t>
             </a:r>
             <a:r>
               <a:rPr lang="en-US" dirty="0"/>
-              <a:t>found by the optimizer.</a:t>
-            </a:r>
+              <a:t> classifier (low bias)</a:t>
+            </a:r>
+          </a:p>
+          <a:p>
+            <a:pPr marL="0" indent="0">
+              <a:buNone/>
+            </a:pPr>
+            <a:endParaRPr lang="en-US" dirty="0"/>
           </a:p>
           <a:p>
             <a:r>
               <a:rPr lang="en-US" dirty="0"/>
-              <a:t>Linear kernel is clearly not useful even with slack variables.</a:t>
-            </a:r>
-          </a:p>
-          <a:p>
+              <a:t>Naïve Bayes classifiers weak due to the </a:t>
+            </a:r>
+            <a:r>
+              <a:rPr lang="en-US" b="1" dirty="0"/>
+              <a:t>unrealistic assumption</a:t>
+            </a:r>
+          </a:p>
+          <a:p>
+            <a:endParaRPr lang="en-US" b="1" dirty="0"/>
+          </a:p>
+          <a:p>
+            <a:r>
+              <a:rPr lang="en-US" dirty="0"/>
+              <a:t>Our boosted Naïve Bayes classifier</a:t>
+            </a:r>
+          </a:p>
+          <a:p>
+            <a:pPr lvl="1"/>
+            <a:r>
+              <a:rPr lang="en-US" b="1" dirty="0" err="1"/>
+              <a:t>Adaboost</a:t>
+            </a:r>
+            <a:r>
+              <a:rPr lang="en-US" dirty="0"/>
+              <a:t> algorithm</a:t>
+            </a:r>
+          </a:p>
+          <a:p>
+            <a:pPr lvl="1"/>
+            <a:r>
+              <a:rPr lang="en-US" dirty="0"/>
+              <a:t>10 Naïve Bayes classifiers (T=10)</a:t>
+            </a:r>
+          </a:p>
+          <a:p>
+            <a:pPr lvl="1"/>
             <a:endParaRPr lang="en-US" dirty="0"/>
           </a:p>
-          <a:p>
-            <a:r>
-              <a:rPr lang="en-US" dirty="0"/>
-              <a:t>How to solve?</a:t>
-            </a:r>
-          </a:p>
-          <a:p>
-            <a:pPr lvl="1"/>
-            <a:r>
-              <a:rPr lang="en-US" dirty="0"/>
-              <a:t>Non-linear kernels</a:t>
-            </a:r>
-          </a:p>
-        </p:txBody>
-      </p:sp>
-      <p:pic>
-        <p:nvPicPr>
-          <p:cNvPr id="6" name="Segnaposto contenuto 5">
-            <a:extLst>
-              <a:ext uri="{FF2B5EF4-FFF2-40B4-BE49-F238E27FC236}">
-                <a16:creationId xmlns:a16="http://schemas.microsoft.com/office/drawing/2014/main" id="{E50C6AC5-7D33-4B3D-A23C-97936A15DF4A}"/>
-              </a:ext>
-            </a:extLst>
-          </p:cNvPr>
-          <p:cNvPicPr>
-            <a:picLocks noGrp="1" noChangeAspect="1"/>
-          </p:cNvPicPr>
-          <p:nvPr>
-            <p:ph sz="half" idx="1"/>
-          </p:nvPr>
-        </p:nvPicPr>
-        <p:blipFill>
-          <a:blip r:embed="rId2">
-            <a:extLst>
-              <a:ext uri="{28A0092B-C50C-407E-A947-70E740481C1C}">
-                <a14:useLocalDpi xmlns:a14="http://schemas.microsoft.com/office/drawing/2010/main" val="0"/>
-              </a:ext>
-            </a:extLst>
-          </a:blip>
-          <a:stretch>
-            <a:fillRect/>
-          </a:stretch>
-        </p:blipFill>
-        <p:spPr>
-          <a:xfrm>
-            <a:off x="685800" y="2205831"/>
-            <a:ext cx="5334000" cy="4000500"/>
-          </a:xfrm>
-        </p:spPr>
-      </p:pic>
+        </p:txBody>
+      </p:sp>
     </p:spTree>
     <p:extLst>
       <p:ext uri="{BB962C8B-B14F-4D97-AF65-F5344CB8AC3E}">
-        <p14:creationId xmlns:p14="http://schemas.microsoft.com/office/powerpoint/2010/main" val="2238127685"/>
+        <p14:creationId xmlns:p14="http://schemas.microsoft.com/office/powerpoint/2010/main" val="2117202177"/>
       </p:ext>
     </p:extLst>
   </p:cSld>
@@ -9665,14 +9249,6 @@
 <file path=ppt/slides/slide7.xml><?xml version="1.0" encoding="utf-8"?>
 <p:sld xmlns:a="http://schemas.openxmlformats.org/drawingml/2006/main" xmlns:r="http://schemas.openxmlformats.org/officeDocument/2006/relationships" xmlns:p="http://schemas.openxmlformats.org/presentationml/2006/main">
   <p:cSld>
-    <p:bg>
-      <p:bgPr>
-        <a:solidFill>
-          <a:schemeClr val="bg1"/>
-        </a:solidFill>
-        <a:effectLst/>
-      </p:bgPr>
-    </p:bg>
     <p:spTree>
       <p:nvGrpSpPr>
         <p:cNvPr id="1" name=""/>
@@ -9689,10 +9265,10 @@
       </p:grpSpPr>
       <p:sp>
         <p:nvSpPr>
-          <p:cNvPr id="2" name="Titolo 1">
+          <p:cNvPr id="20" name="Titolo 19">
             <a:extLst>
               <a:ext uri="{FF2B5EF4-FFF2-40B4-BE49-F238E27FC236}">
-                <a16:creationId xmlns:a16="http://schemas.microsoft.com/office/drawing/2014/main" id="{3B11F1FE-8EE2-4E46-BA1F-7764FCB19DA2}"/>
+                <a16:creationId xmlns:a16="http://schemas.microsoft.com/office/drawing/2014/main" id="{14E2A788-8C9A-4B5A-A077-DACFA868154A}"/>
               </a:ext>
             </a:extLst>
           </p:cNvPr>
@@ -9703,12 +9279,35 @@
             <p:ph type="title"/>
           </p:nvPr>
         </p:nvSpPr>
-        <p:spPr>
-          <a:xfrm>
-            <a:off x="2895600" y="764373"/>
-            <a:ext cx="8610600" cy="1293028"/>
-          </a:xfrm>
-        </p:spPr>
+        <p:spPr/>
+        <p:txBody>
+          <a:bodyPr/>
+          <a:lstStyle/>
+          <a:p>
+            <a:r>
+              <a:rPr lang="en-US" b="1" dirty="0"/>
+              <a:t>Boosting (II)</a:t>
+            </a:r>
+          </a:p>
+        </p:txBody>
+      </p:sp>
+      <p:sp>
+        <p:nvSpPr>
+          <p:cNvPr id="3" name="Segnaposto contenuto 2">
+            <a:extLst>
+              <a:ext uri="{FF2B5EF4-FFF2-40B4-BE49-F238E27FC236}">
+                <a16:creationId xmlns:a16="http://schemas.microsoft.com/office/drawing/2014/main" id="{B21CB584-21EE-4172-8055-76E5F92C40F6}"/>
+              </a:ext>
+            </a:extLst>
+          </p:cNvPr>
+          <p:cNvSpPr>
+            <a:spLocks noGrp="1"/>
+          </p:cNvSpPr>
+          <p:nvPr>
+            <p:ph sz="half" idx="1"/>
+          </p:nvPr>
+        </p:nvSpPr>
+        <p:spPr/>
         <p:txBody>
           <a:bodyPr>
             <a:normAutofit/>
@@ -9716,18 +9315,76 @@
           <a:lstStyle/>
           <a:p>
             <a:r>
-              <a:rPr lang="en-GB" b="1" dirty="0"/>
-              <a:t>Difficult clusters</a:t>
-            </a:r>
-          </a:p>
-        </p:txBody>
-      </p:sp>
-      <p:sp>
-        <p:nvSpPr>
-          <p:cNvPr id="9" name="Content Placeholder 8">
+              <a:rPr lang="en-US" dirty="0"/>
+              <a:t>Iris dataset</a:t>
+            </a:r>
+          </a:p>
+          <a:p>
+            <a:pPr lvl="1"/>
+            <a:r>
+              <a:rPr lang="en-US" dirty="0"/>
+              <a:t>2 correlated features</a:t>
+            </a:r>
+          </a:p>
+          <a:p>
+            <a:pPr lvl="1"/>
+            <a:r>
+              <a:rPr lang="en-US" dirty="0"/>
+              <a:t>3 classes</a:t>
+            </a:r>
+          </a:p>
+          <a:p>
+            <a:pPr lvl="1"/>
+            <a:endParaRPr lang="en-US" dirty="0"/>
+          </a:p>
+          <a:p>
+            <a:r>
+              <a:rPr lang="en-US" dirty="0"/>
+              <a:t>Accuracy: µ = 94.7, </a:t>
+            </a:r>
+            <a:r>
+              <a:rPr lang="az-Cyrl-AZ" dirty="0"/>
+              <a:t>σ</a:t>
+            </a:r>
+            <a:r>
+              <a:rPr lang="en-US" dirty="0"/>
+              <a:t> = 2.91</a:t>
+            </a:r>
+          </a:p>
+          <a:p>
+            <a:pPr lvl="1"/>
+            <a:r>
+              <a:rPr lang="en-US" dirty="0"/>
+              <a:t>Without boosting: µ = 89, </a:t>
+            </a:r>
+            <a:r>
+              <a:rPr lang="az-Cyrl-AZ" dirty="0"/>
+              <a:t>σ</a:t>
+            </a:r>
+            <a:r>
+              <a:rPr lang="en-US" dirty="0"/>
+              <a:t> = 4.16</a:t>
+            </a:r>
+          </a:p>
+          <a:p>
+            <a:pPr lvl="1"/>
+            <a:endParaRPr lang="en-US" dirty="0"/>
+          </a:p>
+          <a:p>
+            <a:r>
+              <a:rPr lang="en-US" b="1" dirty="0"/>
+              <a:t>Improved</a:t>
+            </a:r>
+            <a:endParaRPr lang="en-US" dirty="0"/>
+          </a:p>
+        </p:txBody>
+      </p:sp>
+      <p:sp>
+        <p:nvSpPr>
+          <p:cNvPr id="10" name="Segnaposto contenuto 9">
             <a:extLst>
               <a:ext uri="{FF2B5EF4-FFF2-40B4-BE49-F238E27FC236}">
-                <a16:creationId xmlns:a16="http://schemas.microsoft.com/office/drawing/2014/main" id="{743CDFEC-19D5-480F-B796-DD158E7D5302}"/>
+                <a16:creationId xmlns:a16="http://schemas.microsoft.com/office/drawing/2014/main" id="{8B19D1E2-54E5-4FB6-977B-C874F4D9B1D5}"/>
               </a:ext>
             </a:extLst>
           </p:cNvPr>
@@ -9735,191 +9392,83 @@
             <a:spLocks noGrp="1"/>
           </p:cNvSpPr>
           <p:nvPr>
-            <p:ph idx="1"/>
-          </p:nvPr>
-        </p:nvSpPr>
-        <p:spPr>
-          <a:xfrm>
-            <a:off x="677333" y="2194560"/>
-            <a:ext cx="5816600" cy="4024125"/>
-          </a:xfrm>
-        </p:spPr>
-        <p:txBody>
-          <a:bodyPr>
-            <a:normAutofit/>
-          </a:bodyPr>
+            <p:ph sz="half" idx="2"/>
+          </p:nvPr>
+        </p:nvSpPr>
+        <p:spPr/>
+        <p:txBody>
+          <a:bodyPr/>
           <a:lstStyle/>
           <a:p>
             <a:r>
-              <a:rPr lang="en-US" sz="2400" b="1" dirty="0"/>
-              <a:t>Rearranging clusters</a:t>
-            </a:r>
-            <a:r>
-              <a:rPr lang="en-US" sz="2400" dirty="0"/>
-              <a:t> moving means to</a:t>
+              <a:rPr lang="en-US" dirty="0"/>
+              <a:t>Vowel dataset</a:t>
             </a:r>
           </a:p>
           <a:p>
             <a:pPr lvl="1"/>
             <a:r>
-              <a:rPr lang="en-US" sz="2400" dirty="0"/>
-              <a:t>Class A (1): [0.5, </a:t>
-            </a:r>
-            <a:r>
-              <a:rPr lang="en-US" sz="2400" b="1" dirty="0"/>
-              <a:t>0.2</a:t>
-            </a:r>
-            <a:r>
-              <a:rPr lang="en-US" sz="2400" dirty="0"/>
-              <a:t>]</a:t>
+              <a:rPr lang="en-US" dirty="0"/>
+              <a:t>10 correlated features</a:t>
             </a:r>
           </a:p>
           <a:p>
             <a:pPr lvl="1"/>
             <a:r>
-              <a:rPr lang="en-US" sz="2400" dirty="0"/>
-              <a:t>Class A (2): [-0.5, </a:t>
-            </a:r>
-            <a:r>
-              <a:rPr lang="en-US" sz="2400" b="1" dirty="0"/>
-              <a:t>0.2</a:t>
-            </a:r>
-            <a:r>
-              <a:rPr lang="en-US" sz="2400" dirty="0"/>
-              <a:t>]</a:t>
+              <a:rPr lang="en-US" dirty="0"/>
+              <a:t>11 classes</a:t>
             </a:r>
           </a:p>
           <a:p>
             <a:pPr lvl="1"/>
-            <a:r>
-              <a:rPr lang="en-US" sz="2400" dirty="0"/>
-              <a:t>Class B :  [0.0, </a:t>
-            </a:r>
-            <a:r>
-              <a:rPr lang="en-US" sz="2400" b="1" dirty="0"/>
-              <a:t>-0.2</a:t>
-            </a:r>
-            <a:r>
-              <a:rPr lang="en-US" sz="2400" dirty="0"/>
-              <a:t>]</a:t>
-            </a:r>
-          </a:p>
-          <a:p>
-            <a:pPr marL="457200" lvl="1" indent="0">
-              <a:buNone/>
-            </a:pPr>
-            <a:endParaRPr lang="en-US" sz="2400" dirty="0"/>
-          </a:p>
-          <a:p>
-            <a:r>
-              <a:rPr lang="en-US" sz="2400" dirty="0"/>
-              <a:t>Not linearly separable </a:t>
-            </a:r>
-            <a:r>
-              <a:rPr lang="en-US" sz="2400" dirty="0">
-                <a:sym typeface="Wingdings" panose="05000000000000000000" pitchFamily="2" charset="2"/>
-              </a:rPr>
-              <a:t> </a:t>
-            </a:r>
-            <a:r>
-              <a:rPr lang="en-US" sz="2400" b="1" dirty="0">
-                <a:sym typeface="Wingdings" panose="05000000000000000000" pitchFamily="2" charset="2"/>
-              </a:rPr>
-              <a:t>linear</a:t>
-            </a:r>
-            <a:r>
-              <a:rPr lang="en-US" sz="2400" dirty="0">
-                <a:sym typeface="Wingdings" panose="05000000000000000000" pitchFamily="2" charset="2"/>
-              </a:rPr>
-              <a:t> kernel </a:t>
-            </a:r>
-            <a:r>
-              <a:rPr lang="en-US" sz="2400" b="1" dirty="0">
-                <a:sym typeface="Wingdings" panose="05000000000000000000" pitchFamily="2" charset="2"/>
-              </a:rPr>
-              <a:t>does</a:t>
-            </a:r>
-            <a:r>
-              <a:rPr lang="en-US" sz="2400" dirty="0">
-                <a:sym typeface="Wingdings" panose="05000000000000000000" pitchFamily="2" charset="2"/>
-              </a:rPr>
-              <a:t> </a:t>
-            </a:r>
-            <a:r>
-              <a:rPr lang="en-US" sz="2400" b="1" dirty="0">
-                <a:sym typeface="Wingdings" panose="05000000000000000000" pitchFamily="2" charset="2"/>
-              </a:rPr>
-              <a:t>not find a solution</a:t>
-            </a:r>
-          </a:p>
-          <a:p>
-            <a:endParaRPr lang="en-US" sz="2400" b="1" dirty="0">
-              <a:sym typeface="Wingdings" panose="05000000000000000000" pitchFamily="2" charset="2"/>
-            </a:endParaRPr>
-          </a:p>
-          <a:p>
-            <a:r>
-              <a:rPr lang="en-US" sz="2400" dirty="0">
-                <a:sym typeface="Wingdings" panose="05000000000000000000" pitchFamily="2" charset="2"/>
-              </a:rPr>
-              <a:t>We need a </a:t>
-            </a:r>
-            <a:r>
-              <a:rPr lang="en-US" sz="2400" b="1" dirty="0">
-                <a:sym typeface="Wingdings" panose="05000000000000000000" pitchFamily="2" charset="2"/>
-              </a:rPr>
-              <a:t>non-linear</a:t>
-            </a:r>
-            <a:r>
-              <a:rPr lang="en-US" sz="2400" dirty="0">
-                <a:sym typeface="Wingdings" panose="05000000000000000000" pitchFamily="2" charset="2"/>
-              </a:rPr>
-              <a:t> model</a:t>
-            </a:r>
-            <a:endParaRPr lang="en-US" sz="2400" dirty="0"/>
-          </a:p>
-        </p:txBody>
-      </p:sp>
-      <p:pic>
-        <p:nvPicPr>
-          <p:cNvPr id="4" name="Immagine 3">
-            <a:extLst>
-              <a:ext uri="{FF2B5EF4-FFF2-40B4-BE49-F238E27FC236}">
-                <a16:creationId xmlns:a16="http://schemas.microsoft.com/office/drawing/2014/main" id="{E520B093-8466-4647-A18F-9E451E5CACE9}"/>
-              </a:ext>
-            </a:extLst>
-          </p:cNvPr>
-          <p:cNvPicPr>
-            <a:picLocks noChangeAspect="1"/>
-          </p:cNvPicPr>
-          <p:nvPr/>
-        </p:nvPicPr>
-        <p:blipFill>
-          <a:blip r:embed="rId2">
-            <a:extLst>
-              <a:ext uri="{28A0092B-C50C-407E-A947-70E740481C1C}">
-                <a14:useLocalDpi xmlns:a14="http://schemas.microsoft.com/office/drawing/2010/main" val="0"/>
-              </a:ext>
-            </a:extLst>
-          </a:blip>
-          <a:stretch>
-            <a:fillRect/>
-          </a:stretch>
-        </p:blipFill>
-        <p:spPr>
-          <a:xfrm>
-            <a:off x="6493933" y="2030137"/>
-            <a:ext cx="5240742" cy="3930557"/>
-          </a:xfrm>
-          <a:prstGeom prst="rect">
-            <a:avLst/>
-          </a:prstGeom>
-        </p:spPr>
-      </p:pic>
+            <a:endParaRPr lang="en-US" dirty="0"/>
+          </a:p>
+          <a:p>
+            <a:r>
+              <a:rPr lang="en-US" dirty="0"/>
+              <a:t>Accuracy: µ = 92.4, </a:t>
+            </a:r>
+            <a:r>
+              <a:rPr lang="az-Cyrl-AZ" dirty="0"/>
+              <a:t>σ</a:t>
+            </a:r>
+            <a:r>
+              <a:rPr lang="en-US" dirty="0"/>
+              <a:t> = 3.71</a:t>
+            </a:r>
+          </a:p>
+          <a:p>
+            <a:pPr lvl="1"/>
+            <a:r>
+              <a:rPr lang="en-US" dirty="0"/>
+              <a:t>Without boosting: µ = 64.7, </a:t>
+            </a:r>
+            <a:r>
+              <a:rPr lang="az-Cyrl-AZ" dirty="0"/>
+              <a:t>σ</a:t>
+            </a:r>
+            <a:r>
+              <a:rPr lang="en-US" dirty="0"/>
+              <a:t> = 4.03</a:t>
+            </a:r>
+          </a:p>
+          <a:p>
+            <a:pPr lvl="1"/>
+            <a:endParaRPr lang="en-US" dirty="0"/>
+          </a:p>
+          <a:p>
+            <a:r>
+              <a:rPr lang="en-US" b="1" dirty="0"/>
+              <a:t>Improved dramatically</a:t>
+            </a:r>
+            <a:endParaRPr lang="en-US" dirty="0"/>
+          </a:p>
+        </p:txBody>
+      </p:sp>
     </p:spTree>
     <p:extLst>
       <p:ext uri="{BB962C8B-B14F-4D97-AF65-F5344CB8AC3E}">
-        <p14:creationId xmlns:p14="http://schemas.microsoft.com/office/powerpoint/2010/main" val="1469382393"/>
+        <p14:creationId xmlns:p14="http://schemas.microsoft.com/office/powerpoint/2010/main" val="1347641437"/>
       </p:ext>
     </p:extLst>
   </p:cSld>
@@ -9954,132 +9503,28 @@
           <a:chExt cx="0" cy="0"/>
         </a:xfrm>
       </p:grpSpPr>
-      <p:sp>
-        <p:nvSpPr>
-          <p:cNvPr id="2" name="Titolo 1">
+      <p:pic>
+        <p:nvPicPr>
+          <p:cNvPr id="25" name="Picture 24">
             <a:extLst>
               <a:ext uri="{FF2B5EF4-FFF2-40B4-BE49-F238E27FC236}">
-                <a16:creationId xmlns:a16="http://schemas.microsoft.com/office/drawing/2014/main" id="{65894461-A0E5-40BB-833E-30261F54E070}"/>
+                <a16:creationId xmlns:a16="http://schemas.microsoft.com/office/drawing/2014/main" id="{EE253802-2FE2-4F1F-B256-423BEF09FB90}"/>
               </a:ext>
-            </a:extLst>
-          </p:cNvPr>
-          <p:cNvSpPr>
-            <a:spLocks noGrp="1"/>
-          </p:cNvSpPr>
-          <p:nvPr>
-            <p:ph type="title"/>
-          </p:nvPr>
-        </p:nvSpPr>
-        <p:spPr>
-          <a:xfrm>
-            <a:off x="619760" y="764373"/>
-            <a:ext cx="6832600" cy="1293028"/>
-          </a:xfrm>
-        </p:spPr>
-        <p:txBody>
-          <a:bodyPr>
-            <a:normAutofit/>
-          </a:bodyPr>
-          <a:lstStyle/>
-          <a:p>
-            <a:r>
-              <a:rPr lang="en-GB" b="1" dirty="0"/>
-              <a:t>Polynomial kernel</a:t>
-            </a:r>
-          </a:p>
-        </p:txBody>
-      </p:sp>
-      <p:sp>
-        <p:nvSpPr>
-          <p:cNvPr id="11" name="Content Placeholder 10">
-            <a:extLst>
-              <a:ext uri="{FF2B5EF4-FFF2-40B4-BE49-F238E27FC236}">
-                <a16:creationId xmlns:a16="http://schemas.microsoft.com/office/drawing/2014/main" id="{B3BC52A2-872E-47FE-875C-DEBA489A726F}"/>
-              </a:ext>
-            </a:extLst>
-          </p:cNvPr>
-          <p:cNvSpPr>
-            <a:spLocks noGrp="1"/>
-          </p:cNvSpPr>
-          <p:nvPr>
-            <p:ph idx="1"/>
-          </p:nvPr>
-        </p:nvSpPr>
-        <p:spPr>
-          <a:xfrm>
-            <a:off x="619760" y="2194560"/>
-            <a:ext cx="6832600" cy="4024125"/>
-          </a:xfrm>
-        </p:spPr>
-        <p:txBody>
-          <a:bodyPr>
-            <a:normAutofit/>
-          </a:bodyPr>
-          <a:lstStyle/>
-          <a:p>
-            <a:r>
-              <a:rPr lang="en-US" b="1" dirty="0"/>
-              <a:t>Polynomial kernel</a:t>
-            </a:r>
-            <a:r>
-              <a:rPr lang="en-US" dirty="0"/>
-              <a:t> manages to </a:t>
-            </a:r>
-            <a:r>
-              <a:rPr lang="en-US" b="1" dirty="0"/>
-              <a:t>find a solution</a:t>
-            </a:r>
-          </a:p>
-          <a:p>
-            <a:pPr marL="0" indent="0">
-              <a:buNone/>
-            </a:pPr>
-            <a:endParaRPr lang="en-US" dirty="0"/>
-          </a:p>
-          <a:p>
-            <a:r>
-              <a:rPr lang="en-US" dirty="0"/>
-              <a:t>The higher the degree, the better the decision boundary fits training data</a:t>
-            </a:r>
-          </a:p>
-          <a:p>
-            <a:endParaRPr lang="en-US" dirty="0"/>
-          </a:p>
-          <a:p>
-            <a:r>
-              <a:rPr lang="en-GB" b="1" dirty="0"/>
-              <a:t>Bias-variance</a:t>
-            </a:r>
-            <a:r>
-              <a:rPr lang="en-GB" dirty="0"/>
-              <a:t> trade-off: increasing the degree lowers bias but increases variance</a:t>
-            </a:r>
-            <a:endParaRPr lang="en-GB" b="1" dirty="0"/>
-          </a:p>
-          <a:p>
-            <a:pPr marL="0" indent="0">
-              <a:buNone/>
-            </a:pPr>
-            <a:endParaRPr lang="en-US" dirty="0"/>
-          </a:p>
-          <a:p>
-            <a:endParaRPr lang="en-US" dirty="0"/>
-          </a:p>
-        </p:txBody>
-      </p:sp>
-      <p:pic>
-        <p:nvPicPr>
-          <p:cNvPr id="8" name="Immagine 7">
-            <a:extLst>
-              <a:ext uri="{FF2B5EF4-FFF2-40B4-BE49-F238E27FC236}">
-                <a16:creationId xmlns:a16="http://schemas.microsoft.com/office/drawing/2014/main" id="{5B720115-8925-46FA-8E0E-18CDECB097DA}"/>
+              <a:ext uri="{C183D7F6-B498-43B3-948B-1728B52AA6E4}">
+                <adec:decorative xmlns:adec="http://schemas.microsoft.com/office/drawing/2017/decorative" val="1"/>
               </a:ext>
             </a:extLst>
           </p:cNvPr>
           <p:cNvPicPr>
-            <a:picLocks noChangeAspect="1"/>
+            <a:picLocks noGrp="1" noRot="1" noChangeAspect="1" noMove="1" noResize="1" noEditPoints="1" noAdjustHandles="1" noChangeArrowheads="1" noChangeShapeType="1" noCrop="1"/>
           </p:cNvPicPr>
-          <p:nvPr/>
+          <p:nvPr>
+            <p:extLst>
+              <p:ext uri="{386F3935-93C4-4BCD-93E2-E3B085C9AB24}">
+                <p16:designElem xmlns:p16="http://schemas.microsoft.com/office/powerpoint/2015/main" val="1"/>
+              </p:ext>
+            </p:extLst>
+          </p:nvPr>
         </p:nvPicPr>
         <p:blipFill>
           <a:blip r:embed="rId2">
@@ -10095,20 +9540,184 @@
         </p:blipFill>
         <p:spPr>
           <a:xfrm>
-            <a:off x="7962984" y="3637583"/>
-            <a:ext cx="3609256" cy="2706942"/>
+            <a:off x="0" y="0"/>
+            <a:ext cx="12192000" cy="1441450"/>
           </a:xfrm>
           <a:prstGeom prst="rect">
             <a:avLst/>
           </a:prstGeom>
         </p:spPr>
       </p:pic>
+      <p:sp>
+        <p:nvSpPr>
+          <p:cNvPr id="20" name="Titolo 19">
+            <a:extLst>
+              <a:ext uri="{FF2B5EF4-FFF2-40B4-BE49-F238E27FC236}">
+                <a16:creationId xmlns:a16="http://schemas.microsoft.com/office/drawing/2014/main" id="{14E2A788-8C9A-4B5A-A077-DACFA868154A}"/>
+              </a:ext>
+            </a:extLst>
+          </p:cNvPr>
+          <p:cNvSpPr>
+            <a:spLocks noGrp="1"/>
+          </p:cNvSpPr>
+          <p:nvPr>
+            <p:ph type="title"/>
+          </p:nvPr>
+        </p:nvSpPr>
+        <p:spPr>
+          <a:xfrm>
+            <a:off x="619760" y="764373"/>
+            <a:ext cx="6832600" cy="1293028"/>
+          </a:xfrm>
+        </p:spPr>
+        <p:txBody>
+          <a:bodyPr vert="horz" lIns="91440" tIns="45720" rIns="91440" bIns="45720" rtlCol="0" anchor="ctr">
+            <a:normAutofit/>
+          </a:bodyPr>
+          <a:lstStyle/>
+          <a:p>
+            <a:r>
+              <a:rPr lang="en-US" sz="4000" b="1" kern="1200" cap="all" baseline="0">
+                <a:solidFill>
+                  <a:schemeClr val="tx1"/>
+                </a:solidFill>
+                <a:latin typeface="+mj-lt"/>
+                <a:ea typeface="+mj-ea"/>
+                <a:cs typeface="+mj-cs"/>
+              </a:rPr>
+              <a:t>Boosting (III)</a:t>
+            </a:r>
+          </a:p>
+        </p:txBody>
+      </p:sp>
+      <p:sp>
+        <p:nvSpPr>
+          <p:cNvPr id="3" name="Segnaposto contenuto 2">
+            <a:extLst>
+              <a:ext uri="{FF2B5EF4-FFF2-40B4-BE49-F238E27FC236}">
+                <a16:creationId xmlns:a16="http://schemas.microsoft.com/office/drawing/2014/main" id="{B21CB584-21EE-4172-8055-76E5F92C40F6}"/>
+              </a:ext>
+            </a:extLst>
+          </p:cNvPr>
+          <p:cNvSpPr>
+            <a:spLocks noGrp="1"/>
+          </p:cNvSpPr>
+          <p:nvPr>
+            <p:ph sz="half" idx="1"/>
+          </p:nvPr>
+        </p:nvSpPr>
+        <p:spPr>
+          <a:xfrm>
+            <a:off x="619760" y="2194560"/>
+            <a:ext cx="6832600" cy="4024125"/>
+          </a:xfrm>
+        </p:spPr>
+        <p:txBody>
+          <a:bodyPr vert="horz" lIns="91440" tIns="45720" rIns="91440" bIns="45720" rtlCol="0">
+            <a:normAutofit/>
+          </a:bodyPr>
+          <a:lstStyle/>
+          <a:p>
+            <a:r>
+              <a:rPr lang="en-US" dirty="0"/>
+              <a:t>Iris dataset</a:t>
+            </a:r>
+          </a:p>
+          <a:p>
+            <a:pPr lvl="1"/>
+            <a:r>
+              <a:rPr lang="en-US" dirty="0"/>
+              <a:t>2 correlated features</a:t>
+            </a:r>
+          </a:p>
+          <a:p>
+            <a:pPr lvl="1"/>
+            <a:r>
+              <a:rPr lang="en-US" dirty="0"/>
+              <a:t>3 classes</a:t>
+            </a:r>
+          </a:p>
+          <a:p>
+            <a:pPr lvl="1"/>
+            <a:endParaRPr lang="en-US" kern="1200" dirty="0">
+              <a:solidFill>
+                <a:schemeClr val="tx1"/>
+              </a:solidFill>
+              <a:latin typeface="+mn-lt"/>
+              <a:ea typeface="+mn-ea"/>
+              <a:cs typeface="+mn-cs"/>
+            </a:endParaRPr>
+          </a:p>
+          <a:p>
+            <a:r>
+              <a:rPr lang="en-US" kern="1200" dirty="0">
+                <a:solidFill>
+                  <a:schemeClr val="tx1"/>
+                </a:solidFill>
+                <a:latin typeface="+mn-lt"/>
+                <a:ea typeface="+mn-ea"/>
+                <a:cs typeface="+mn-cs"/>
+              </a:rPr>
+              <a:t>Accuracy: µ = 92.4, σ = 3.71</a:t>
+            </a:r>
+          </a:p>
+          <a:p>
+            <a:pPr lvl="1"/>
+            <a:r>
+              <a:rPr lang="en-US" kern="1200" dirty="0">
+                <a:solidFill>
+                  <a:schemeClr val="tx1"/>
+                </a:solidFill>
+                <a:latin typeface="+mn-lt"/>
+                <a:ea typeface="+mn-ea"/>
+                <a:cs typeface="+mn-cs"/>
+              </a:rPr>
+              <a:t>Without boosting: µ = 64.7, σ = 4.03</a:t>
+            </a:r>
+          </a:p>
+          <a:p>
+            <a:pPr lvl="1"/>
+            <a:endParaRPr lang="en-US" kern="1200" dirty="0">
+              <a:solidFill>
+                <a:schemeClr val="tx1"/>
+              </a:solidFill>
+              <a:latin typeface="+mn-lt"/>
+              <a:ea typeface="+mn-ea"/>
+              <a:cs typeface="+mn-cs"/>
+            </a:endParaRPr>
+          </a:p>
+          <a:p>
+            <a:r>
+              <a:rPr lang="en-US" b="1" kern="1200" dirty="0">
+                <a:solidFill>
+                  <a:schemeClr val="tx1"/>
+                </a:solidFill>
+                <a:latin typeface="+mn-lt"/>
+                <a:ea typeface="+mn-ea"/>
+                <a:cs typeface="+mn-cs"/>
+              </a:rPr>
+              <a:t>More complex </a:t>
+            </a:r>
+            <a:r>
+              <a:rPr lang="en-US" kern="1200" dirty="0">
+                <a:solidFill>
+                  <a:schemeClr val="tx1"/>
+                </a:solidFill>
+                <a:latin typeface="+mn-lt"/>
+                <a:ea typeface="+mn-ea"/>
+                <a:cs typeface="+mn-cs"/>
+              </a:rPr>
+              <a:t>decision boundary, fits data better</a:t>
+            </a:r>
+          </a:p>
+        </p:txBody>
+      </p:sp>
       <p:pic>
         <p:nvPicPr>
-          <p:cNvPr id="10" name="Immagine 9">
+          <p:cNvPr id="8" name="Immagine 7">
             <a:extLst>
               <a:ext uri="{FF2B5EF4-FFF2-40B4-BE49-F238E27FC236}">
-                <a16:creationId xmlns:a16="http://schemas.microsoft.com/office/drawing/2014/main" id="{21555699-1BA6-4A72-98D0-094743758BCA}"/>
+                <a16:creationId xmlns:a16="http://schemas.microsoft.com/office/drawing/2014/main" id="{67D4ED55-5A0C-40EC-B1E4-F38B7233644E}"/>
               </a:ext>
             </a:extLst>
           </p:cNvPr>
@@ -10117,7 +9726,7 @@
           </p:cNvPicPr>
           <p:nvPr/>
         </p:nvPicPr>
-        <p:blipFill>
+        <p:blipFill rotWithShape="1">
           <a:blip r:embed="rId3">
             <a:extLst>
               <a:ext uri="{28A0092B-C50C-407E-A947-70E740481C1C}">
@@ -10125,14 +9734,48 @@
               </a:ext>
             </a:extLst>
           </a:blip>
-          <a:stretch>
-            <a:fillRect/>
-          </a:stretch>
+          <a:srcRect r="-4" b="13029"/>
+          <a:stretch/>
         </p:blipFill>
         <p:spPr>
           <a:xfrm>
-            <a:off x="7962984" y="930641"/>
-            <a:ext cx="3609256" cy="2706942"/>
+            <a:off x="7861238" y="933693"/>
+            <a:ext cx="3644962" cy="2377440"/>
+          </a:xfrm>
+          <a:prstGeom prst="rect">
+            <a:avLst/>
+          </a:prstGeom>
+        </p:spPr>
+      </p:pic>
+      <p:pic>
+        <p:nvPicPr>
+          <p:cNvPr id="10" name="Immagine 9">
+            <a:extLst>
+              <a:ext uri="{FF2B5EF4-FFF2-40B4-BE49-F238E27FC236}">
+                <a16:creationId xmlns:a16="http://schemas.microsoft.com/office/drawing/2014/main" id="{DE36FA9C-1E87-4847-A467-E751E95DD8F3}"/>
+              </a:ext>
+            </a:extLst>
+          </p:cNvPr>
+          <p:cNvPicPr>
+            <a:picLocks noChangeAspect="1"/>
+          </p:cNvPicPr>
+          <p:nvPr/>
+        </p:nvPicPr>
+        <p:blipFill rotWithShape="1">
+          <a:blip r:embed="rId4">
+            <a:extLst>
+              <a:ext uri="{28A0092B-C50C-407E-A947-70E740481C1C}">
+                <a14:useLocalDpi xmlns:a14="http://schemas.microsoft.com/office/drawing/2010/main" val="0"/>
+              </a:ext>
+            </a:extLst>
+          </a:blip>
+          <a:srcRect r="-4" b="13029"/>
+          <a:stretch/>
+        </p:blipFill>
+        <p:spPr>
+          <a:xfrm>
+            <a:off x="7861238" y="3588301"/>
+            <a:ext cx="3644962" cy="2377440"/>
           </a:xfrm>
           <a:prstGeom prst="rect">
             <a:avLst/>
@@ -10142,7 +9785,7 @@
     </p:spTree>
     <p:extLst>
       <p:ext uri="{BB962C8B-B14F-4D97-AF65-F5344CB8AC3E}">
-        <p14:creationId xmlns:p14="http://schemas.microsoft.com/office/powerpoint/2010/main" val="3011724712"/>
+        <p14:creationId xmlns:p14="http://schemas.microsoft.com/office/powerpoint/2010/main" val="2509207792"/>
       </p:ext>
     </p:extLst>
   </p:cSld>
@@ -10177,217 +9820,31 @@
           <a:chExt cx="0" cy="0"/>
         </a:xfrm>
       </p:grpSpPr>
-      <p:sp>
-        <p:nvSpPr>
-          <p:cNvPr id="2" name="Titolo 1">
+      <p:pic>
+        <p:nvPicPr>
+          <p:cNvPr id="33" name="Picture 24">
             <a:extLst>
               <a:ext uri="{FF2B5EF4-FFF2-40B4-BE49-F238E27FC236}">
-                <a16:creationId xmlns:a16="http://schemas.microsoft.com/office/drawing/2014/main" id="{94962D0F-060B-455D-AE22-3081286434C9}"/>
+                <a16:creationId xmlns:a16="http://schemas.microsoft.com/office/drawing/2014/main" id="{EE253802-2FE2-4F1F-B256-423BEF09FB90}"/>
               </a:ext>
-            </a:extLst>
-          </p:cNvPr>
-          <p:cNvSpPr>
-            <a:spLocks noGrp="1"/>
-          </p:cNvSpPr>
-          <p:nvPr>
-            <p:ph type="title"/>
-          </p:nvPr>
-        </p:nvSpPr>
-        <p:spPr>
-          <a:xfrm>
-            <a:off x="619760" y="764373"/>
-            <a:ext cx="6832600" cy="1293028"/>
-          </a:xfrm>
-        </p:spPr>
-        <p:txBody>
-          <a:bodyPr>
-            <a:normAutofit/>
-          </a:bodyPr>
-          <a:lstStyle/>
-          <a:p>
-            <a:r>
-              <a:rPr lang="en-GB" b="1" dirty="0"/>
-              <a:t>RBF kernel</a:t>
-            </a:r>
-          </a:p>
-        </p:txBody>
-      </p:sp>
-      <mc:AlternateContent xmlns:mc="http://schemas.openxmlformats.org/markup-compatibility/2006" xmlns:a14="http://schemas.microsoft.com/office/drawing/2010/main">
-        <mc:Choice Requires="a14">
-          <p:sp>
-            <p:nvSpPr>
-              <p:cNvPr id="11" name="Content Placeholder 10">
-                <a:extLst>
-                  <a:ext uri="{FF2B5EF4-FFF2-40B4-BE49-F238E27FC236}">
-                    <a16:creationId xmlns:a16="http://schemas.microsoft.com/office/drawing/2014/main" id="{F1E36F99-EDF6-46A9-8D4B-16A41898FF74}"/>
-                  </a:ext>
-                </a:extLst>
-              </p:cNvPr>
-              <p:cNvSpPr>
-                <a:spLocks noGrp="1"/>
-              </p:cNvSpPr>
-              <p:nvPr>
-                <p:ph idx="1"/>
-              </p:nvPr>
-            </p:nvSpPr>
-            <p:spPr>
-              <a:xfrm>
-                <a:off x="619760" y="2194560"/>
-                <a:ext cx="6832600" cy="4024125"/>
-              </a:xfrm>
-            </p:spPr>
-            <p:txBody>
-              <a:bodyPr>
-                <a:normAutofit/>
-              </a:bodyPr>
-              <a:lstStyle/>
-              <a:p>
-                <a:r>
-                  <a:rPr lang="en-US" dirty="0"/>
-                  <a:t>Also </a:t>
-                </a:r>
-                <a:r>
-                  <a:rPr lang="en-US" b="1" dirty="0"/>
-                  <a:t>RBF kernel</a:t>
-                </a:r>
-                <a:r>
-                  <a:rPr lang="en-US" dirty="0"/>
-                  <a:t> manages to </a:t>
-                </a:r>
-                <a:r>
-                  <a:rPr lang="en-US" b="1" dirty="0"/>
-                  <a:t>find a solution</a:t>
-                </a:r>
-              </a:p>
-              <a:p>
-                <a:pPr marL="0" indent="0">
-                  <a:buNone/>
-                </a:pPr>
-                <a:endParaRPr lang="en-US" dirty="0"/>
-              </a:p>
-              <a:p>
-                <a:r>
-                  <a:rPr lang="en-US" dirty="0"/>
-                  <a:t>For a larger </a:t>
-                </a:r>
-                <a14:m>
-                  <m:oMath xmlns:m="http://schemas.openxmlformats.org/officeDocument/2006/math">
-                    <m:r>
-                      <a:rPr lang="en-US" i="1" dirty="0">
-                        <a:latin typeface="Cambria Math" panose="02040503050406030204" pitchFamily="18" charset="0"/>
-                        <a:ea typeface="Cambria Math" panose="02040503050406030204" pitchFamily="18" charset="0"/>
-                      </a:rPr>
-                      <m:t>𝜎</m:t>
-                    </m:r>
-                  </m:oMath>
-                </a14:m>
-                <a:r>
-                  <a:rPr lang="en-US" dirty="0"/>
-                  <a:t>, the decision boundary tends to be more smooth (less flexible), generalizing better</a:t>
-                </a:r>
-              </a:p>
-              <a:p>
-                <a:endParaRPr lang="en-US" dirty="0"/>
-              </a:p>
-              <a:p>
-                <a:r>
-                  <a:rPr lang="en-GB" b="1" dirty="0"/>
-                  <a:t>Bias-variance</a:t>
-                </a:r>
-                <a:r>
-                  <a:rPr lang="en-GB" dirty="0"/>
-                  <a:t> trade-off: increasing </a:t>
-                </a:r>
-                <a14:m>
-                  <m:oMath xmlns:m="http://schemas.openxmlformats.org/officeDocument/2006/math">
-                    <m:r>
-                      <a:rPr lang="en-US" i="1" dirty="0">
-                        <a:latin typeface="Cambria Math" panose="02040503050406030204" pitchFamily="18" charset="0"/>
-                        <a:ea typeface="Cambria Math" panose="02040503050406030204" pitchFamily="18" charset="0"/>
-                      </a:rPr>
-                      <m:t>𝜎</m:t>
-                    </m:r>
-                    <m:r>
-                      <a:rPr lang="en-US" i="1" dirty="0">
-                        <a:latin typeface="Cambria Math" panose="02040503050406030204" pitchFamily="18" charset="0"/>
-                        <a:ea typeface="Cambria Math" panose="02040503050406030204" pitchFamily="18" charset="0"/>
-                      </a:rPr>
-                      <m:t> </m:t>
-                    </m:r>
-                  </m:oMath>
-                </a14:m>
-                <a:r>
-                  <a:rPr lang="en-GB" dirty="0"/>
-                  <a:t>reduces variance but increases bias.</a:t>
-                </a:r>
-                <a:endParaRPr lang="en-US" dirty="0"/>
-              </a:p>
-              <a:p>
-                <a:endParaRPr lang="en-US" dirty="0"/>
-              </a:p>
-            </p:txBody>
-          </p:sp>
-        </mc:Choice>
-        <mc:Fallback xmlns="">
-          <p:sp>
-            <p:nvSpPr>
-              <p:cNvPr id="11" name="Content Placeholder 10">
-                <a:extLst>
-                  <a:ext uri="{FF2B5EF4-FFF2-40B4-BE49-F238E27FC236}">
-                    <a16:creationId xmlns:a16="http://schemas.microsoft.com/office/drawing/2014/main" id="{F1E36F99-EDF6-46A9-8D4B-16A41898FF74}"/>
-                  </a:ext>
-                </a:extLst>
-              </p:cNvPr>
-              <p:cNvSpPr>
-                <a:spLocks noGrp="1" noRot="1" noChangeAspect="1" noMove="1" noResize="1" noEditPoints="1" noAdjustHandles="1" noChangeArrowheads="1" noChangeShapeType="1" noTextEdit="1"/>
-              </p:cNvSpPr>
-              <p:nvPr>
-                <p:ph idx="1"/>
-              </p:nvPr>
-            </p:nvSpPr>
-            <p:spPr>
-              <a:xfrm>
-                <a:off x="619760" y="2194560"/>
-                <a:ext cx="6832600" cy="4024125"/>
-              </a:xfrm>
-              <a:blipFill>
-                <a:blip r:embed="rId2"/>
-                <a:stretch>
-                  <a:fillRect l="-1070" t="-1970"/>
-                </a:stretch>
-              </a:blipFill>
-            </p:spPr>
-            <p:txBody>
-              <a:bodyPr/>
-              <a:lstStyle/>
-              <a:p>
-                <a:r>
-                  <a:rPr lang="en-US">
-                    <a:noFill/>
-                  </a:rPr>
-                  <a:t> </a:t>
-                </a:r>
-              </a:p>
-            </p:txBody>
-          </p:sp>
-        </mc:Fallback>
-      </mc:AlternateContent>
-      <p:pic>
-        <p:nvPicPr>
-          <p:cNvPr id="4" name="Immagine 3">
-            <a:extLst>
-              <a:ext uri="{FF2B5EF4-FFF2-40B4-BE49-F238E27FC236}">
-                <a16:creationId xmlns:a16="http://schemas.microsoft.com/office/drawing/2014/main" id="{E20E788D-D0CA-4359-B660-070FD1935045}"/>
+              <a:ext uri="{C183D7F6-B498-43B3-948B-1728B52AA6E4}">
+                <adec:decorative xmlns:adec="http://schemas.microsoft.com/office/drawing/2017/decorative" val="1"/>
               </a:ext>
             </a:extLst>
           </p:cNvPr>
           <p:cNvPicPr>
-            <a:picLocks noChangeAspect="1"/>
+            <a:picLocks noGrp="1" noRot="1" noChangeAspect="1" noMove="1" noResize="1" noEditPoints="1" noAdjustHandles="1" noChangeArrowheads="1" noChangeShapeType="1" noCrop="1"/>
           </p:cNvPicPr>
-          <p:nvPr/>
+          <p:nvPr>
+            <p:extLst>
+              <p:ext uri="{386F3935-93C4-4BCD-93E2-E3B085C9AB24}">
+                <p16:designElem xmlns:p16="http://schemas.microsoft.com/office/powerpoint/2015/main" val="1"/>
+              </p:ext>
+            </p:extLst>
+          </p:nvPr>
         </p:nvPicPr>
         <p:blipFill>
-          <a:blip r:embed="rId3">
+          <a:blip r:embed="rId2">
             <a:extLst>
               <a:ext uri="{28A0092B-C50C-407E-A947-70E740481C1C}">
                 <a14:useLocalDpi xmlns:a14="http://schemas.microsoft.com/office/drawing/2010/main" val="0"/>
@@ -10400,20 +9857,223 @@
         </p:blipFill>
         <p:spPr>
           <a:xfrm>
-            <a:off x="7960360" y="904146"/>
-            <a:ext cx="3611880" cy="2708910"/>
+            <a:off x="0" y="0"/>
+            <a:ext cx="12192000" cy="1441450"/>
           </a:xfrm>
           <a:prstGeom prst="rect">
             <a:avLst/>
           </a:prstGeom>
         </p:spPr>
       </p:pic>
+      <p:sp>
+        <p:nvSpPr>
+          <p:cNvPr id="20" name="Titolo 19">
+            <a:extLst>
+              <a:ext uri="{FF2B5EF4-FFF2-40B4-BE49-F238E27FC236}">
+                <a16:creationId xmlns:a16="http://schemas.microsoft.com/office/drawing/2014/main" id="{14E2A788-8C9A-4B5A-A077-DACFA868154A}"/>
+              </a:ext>
+            </a:extLst>
+          </p:cNvPr>
+          <p:cNvSpPr>
+            <a:spLocks noGrp="1"/>
+          </p:cNvSpPr>
+          <p:nvPr>
+            <p:ph type="title"/>
+          </p:nvPr>
+        </p:nvSpPr>
+        <p:spPr>
+          <a:xfrm>
+            <a:off x="619760" y="764373"/>
+            <a:ext cx="6832600" cy="1293028"/>
+          </a:xfrm>
+        </p:spPr>
+        <p:txBody>
+          <a:bodyPr vert="horz" lIns="91440" tIns="45720" rIns="91440" bIns="45720" rtlCol="0" anchor="ctr">
+            <a:normAutofit/>
+          </a:bodyPr>
+          <a:lstStyle/>
+          <a:p>
+            <a:r>
+              <a:rPr lang="en-US" sz="4000" b="1" kern="1200" cap="all" baseline="0" dirty="0">
+                <a:solidFill>
+                  <a:schemeClr val="tx1"/>
+                </a:solidFill>
+                <a:latin typeface="+mj-lt"/>
+                <a:ea typeface="+mj-ea"/>
+                <a:cs typeface="+mj-cs"/>
+              </a:rPr>
+              <a:t>Decision trees (I)</a:t>
+            </a:r>
+          </a:p>
+        </p:txBody>
+      </p:sp>
+      <p:sp>
+        <p:nvSpPr>
+          <p:cNvPr id="3" name="Segnaposto contenuto 2">
+            <a:extLst>
+              <a:ext uri="{FF2B5EF4-FFF2-40B4-BE49-F238E27FC236}">
+                <a16:creationId xmlns:a16="http://schemas.microsoft.com/office/drawing/2014/main" id="{B21CB584-21EE-4172-8055-76E5F92C40F6}"/>
+              </a:ext>
+            </a:extLst>
+          </p:cNvPr>
+          <p:cNvSpPr>
+            <a:spLocks noGrp="1"/>
+          </p:cNvSpPr>
+          <p:nvPr>
+            <p:ph sz="half" idx="1"/>
+          </p:nvPr>
+        </p:nvSpPr>
+        <p:spPr>
+          <a:xfrm>
+            <a:off x="619760" y="2194560"/>
+            <a:ext cx="6832600" cy="4024125"/>
+          </a:xfrm>
+        </p:spPr>
+        <p:txBody>
+          <a:bodyPr vert="horz" lIns="91440" tIns="45720" rIns="91440" bIns="45720" rtlCol="0">
+            <a:normAutofit/>
+          </a:bodyPr>
+          <a:lstStyle/>
+          <a:p>
+            <a:r>
+              <a:rPr lang="en-US" kern="1200" dirty="0">
+                <a:solidFill>
+                  <a:schemeClr val="tx1"/>
+                </a:solidFill>
+                <a:latin typeface="+mn-lt"/>
+                <a:ea typeface="+mn-ea"/>
+                <a:cs typeface="+mn-cs"/>
+              </a:rPr>
+              <a:t>Iris dataset</a:t>
+            </a:r>
+          </a:p>
+          <a:p>
+            <a:pPr lvl="1"/>
+            <a:r>
+              <a:rPr lang="en-US" dirty="0"/>
+              <a:t>10 correlated features</a:t>
+            </a:r>
+          </a:p>
+          <a:p>
+            <a:pPr lvl="1"/>
+            <a:r>
+              <a:rPr lang="en-US" dirty="0"/>
+              <a:t>11 classes</a:t>
+            </a:r>
+          </a:p>
+          <a:p>
+            <a:endParaRPr lang="en-US" kern="1200" dirty="0">
+              <a:solidFill>
+                <a:schemeClr val="tx1"/>
+              </a:solidFill>
+              <a:latin typeface="+mn-lt"/>
+              <a:ea typeface="+mn-ea"/>
+              <a:cs typeface="+mn-cs"/>
+            </a:endParaRPr>
+          </a:p>
+          <a:p>
+            <a:r>
+              <a:rPr lang="en-US" kern="1200" dirty="0">
+                <a:solidFill>
+                  <a:schemeClr val="tx1"/>
+                </a:solidFill>
+                <a:latin typeface="+mn-lt"/>
+                <a:ea typeface="+mn-ea"/>
+                <a:cs typeface="+mn-cs"/>
+              </a:rPr>
+              <a:t>Accuracy</a:t>
+            </a:r>
+            <a:endParaRPr lang="en-US" dirty="0"/>
+          </a:p>
+          <a:p>
+            <a:pPr lvl="1"/>
+            <a:r>
+              <a:rPr lang="en-US" dirty="0"/>
+              <a:t>Without boosting: </a:t>
+            </a:r>
+            <a:r>
+              <a:rPr lang="en-US" kern="1200" dirty="0">
+                <a:solidFill>
+                  <a:schemeClr val="tx1"/>
+                </a:solidFill>
+                <a:latin typeface="+mn-lt"/>
+                <a:ea typeface="+mn-ea"/>
+                <a:cs typeface="+mn-cs"/>
+              </a:rPr>
+              <a:t>µ = 92.4, σ = 3.71</a:t>
+            </a:r>
+          </a:p>
+          <a:p>
+            <a:pPr lvl="1"/>
+            <a:r>
+              <a:rPr lang="en-US" kern="1200" dirty="0">
+                <a:solidFill>
+                  <a:schemeClr val="tx1"/>
+                </a:solidFill>
+                <a:latin typeface="+mn-lt"/>
+                <a:ea typeface="+mn-ea"/>
+                <a:cs typeface="+mn-cs"/>
+              </a:rPr>
+              <a:t>With </a:t>
+            </a:r>
+            <a:r>
+              <a:rPr lang="en-US" dirty="0"/>
+              <a:t>boosting: µ = 94.6, σ = 3.65</a:t>
+            </a:r>
+            <a:endParaRPr lang="en-US" kern="1200" dirty="0">
+              <a:solidFill>
+                <a:schemeClr val="tx1"/>
+              </a:solidFill>
+              <a:latin typeface="+mn-lt"/>
+              <a:ea typeface="+mn-ea"/>
+              <a:cs typeface="+mn-cs"/>
+            </a:endParaRPr>
+          </a:p>
+        </p:txBody>
+      </p:sp>
       <p:pic>
         <p:nvPicPr>
-          <p:cNvPr id="8" name="Immagine 7">
+          <p:cNvPr id="6" name="Segnaposto contenuto 5">
             <a:extLst>
               <a:ext uri="{FF2B5EF4-FFF2-40B4-BE49-F238E27FC236}">
-                <a16:creationId xmlns:a16="http://schemas.microsoft.com/office/drawing/2014/main" id="{CF06657F-E32B-4342-A7E9-A62582494DF2}"/>
+                <a16:creationId xmlns:a16="http://schemas.microsoft.com/office/drawing/2014/main" id="{344B735E-4B68-42C5-B621-CAFA8512334C}"/>
+              </a:ext>
+            </a:extLst>
+          </p:cNvPr>
+          <p:cNvPicPr>
+            <a:picLocks noGrp="1" noChangeAspect="1"/>
+          </p:cNvPicPr>
+          <p:nvPr>
+            <p:ph sz="half" idx="2"/>
+          </p:nvPr>
+        </p:nvPicPr>
+        <p:blipFill rotWithShape="1">
+          <a:blip r:embed="rId3">
+            <a:extLst>
+              <a:ext uri="{28A0092B-C50C-407E-A947-70E740481C1C}">
+                <a14:useLocalDpi xmlns:a14="http://schemas.microsoft.com/office/drawing/2010/main" val="0"/>
+              </a:ext>
+            </a:extLst>
+          </a:blip>
+          <a:srcRect r="-4" b="13029"/>
+          <a:stretch/>
+        </p:blipFill>
+        <p:spPr>
+          <a:xfrm>
+            <a:off x="7861238" y="933693"/>
+            <a:ext cx="3644962" cy="2377440"/>
+          </a:xfrm>
+          <a:prstGeom prst="rect">
+            <a:avLst/>
+          </a:prstGeom>
+        </p:spPr>
+      </p:pic>
+      <p:pic>
+        <p:nvPicPr>
+          <p:cNvPr id="4" name="Immagine 3">
+            <a:extLst>
+              <a:ext uri="{FF2B5EF4-FFF2-40B4-BE49-F238E27FC236}">
+                <a16:creationId xmlns:a16="http://schemas.microsoft.com/office/drawing/2014/main" id="{F0C0799D-613F-4AA4-997E-D14E4F4E1EBC}"/>
               </a:ext>
             </a:extLst>
           </p:cNvPr>
@@ -10422,7 +10082,7 @@
           </p:cNvPicPr>
           <p:nvPr/>
         </p:nvPicPr>
-        <p:blipFill>
+        <p:blipFill rotWithShape="1">
           <a:blip r:embed="rId4">
             <a:extLst>
               <a:ext uri="{28A0092B-C50C-407E-A947-70E740481C1C}">
@@ -10430,14 +10090,13 @@
               </a:ext>
             </a:extLst>
           </a:blip>
-          <a:stretch>
-            <a:fillRect/>
-          </a:stretch>
+          <a:srcRect r="-4" b="13029"/>
+          <a:stretch/>
         </p:blipFill>
         <p:spPr>
           <a:xfrm>
-            <a:off x="7963408" y="3512061"/>
-            <a:ext cx="3608832" cy="2706624"/>
+            <a:off x="7861238" y="3588301"/>
+            <a:ext cx="3644962" cy="2377440"/>
           </a:xfrm>
           <a:prstGeom prst="rect">
             <a:avLst/>
@@ -10447,7 +10106,7 @@
     </p:spTree>
     <p:extLst>
       <p:ext uri="{BB962C8B-B14F-4D97-AF65-F5344CB8AC3E}">
-        <p14:creationId xmlns:p14="http://schemas.microsoft.com/office/powerpoint/2010/main" val="2708024467"/>
+        <p14:creationId xmlns:p14="http://schemas.microsoft.com/office/powerpoint/2010/main" val="568158431"/>
       </p:ext>
     </p:extLst>
   </p:cSld>
@@ -10474,28 +10133,28 @@
         <a:srgbClr val="DADADA"/>
       </a:lt2>
       <a:accent1>
-        <a:srgbClr val="E5224E"/>
+        <a:srgbClr val="C4220D"/>
       </a:accent1>
       <a:accent2>
-        <a:srgbClr val="9D074E"/>
+        <a:srgbClr val="EB7712"/>
       </a:accent2>
       <a:accent3>
-        <a:srgbClr val="7F2294"/>
+        <a:srgbClr val="ECBD31"/>
       </a:accent3>
       <a:accent4>
-        <a:srgbClr val="8D65EA"/>
+        <a:srgbClr val="92CE4A"/>
       </a:accent4>
       <a:accent5>
-        <a:srgbClr val="588FE2"/>
+        <a:srgbClr val="50CFB4"/>
       </a:accent5>
       <a:accent6>
-        <a:srgbClr val="127CA4"/>
+        <a:srgbClr val="0D8EC5"/>
       </a:accent6>
       <a:hlink>
-        <a:srgbClr val="FB4AB6"/>
+        <a:srgbClr val="EA5A0C"/>
       </a:hlink>
       <a:folHlink>
-        <a:srgbClr val="F98FE9"/>
+        <a:srgbClr val="F09D3A"/>
       </a:folHlink>
     </a:clrScheme>
     <a:fontScheme name="Scia di vapore">
@@ -10721,7 +10380,7 @@
   <a:extraClrSchemeLst/>
   <a:extLst>
     <a:ext uri="{05A4C25C-085E-4340-85A3-A5531E510DB2}">
-      <thm15:themeFamily xmlns:thm15="http://schemas.microsoft.com/office/thememl/2012/main" name="Vapor Trail" id="{4FDF2955-7D9C-493C-B9F9-C205151B46CD}" vid="{6DB8EB18-3657-4051-A897-2ED38832359E}"/>
+      <thm15:themeFamily xmlns:thm15="http://schemas.microsoft.com/office/thememl/2012/main" name="Vapor Trail" id="{4FDF2955-7D9C-493C-B9F9-C205151B46CD}" vid="{FE1EB5C7-81A8-4CBA-AE6E-B3BF73DC3895}"/>
     </a:ext>
   </a:extLst>
 </a:theme>

--- a/Lab 3/Lab 3 - presentation.pptx
+++ b/Lab 3/Lab 3 - presentation.pptx
@@ -122,10 +122,22 @@
 </p:presentation>
 </file>
 
+<file path=ppt/commentAuthors.xml><?xml version="1.0" encoding="utf-8"?>
+<p:cmAuthorLst xmlns:a="http://schemas.openxmlformats.org/drawingml/2006/main" xmlns:r="http://schemas.openxmlformats.org/officeDocument/2006/relationships" xmlns:p="http://schemas.openxmlformats.org/presentationml/2006/main">
+  <p:cmAuthor id="1" name="Franco Ruggeri" initials="FR" lastIdx="1" clrIdx="0">
+    <p:extLst>
+      <p:ext uri="{19B8F6BF-5375-455C-9EA6-DF929625EA0E}">
+        <p15:presenceInfo xmlns:p15="http://schemas.microsoft.com/office/powerpoint/2012/main" userId="f8fb41c0b3afb4f0" providerId="Windows Live"/>
+      </p:ext>
+    </p:extLst>
+  </p:cmAuthor>
+</p:cmAuthorLst>
+</file>
+
 <file path=ppt/revisionInfo.xml><?xml version="1.0" encoding="utf-8"?>
 <p1510:revInfo xmlns:a="http://schemas.openxmlformats.org/drawingml/2006/main" xmlns:r="http://schemas.openxmlformats.org/officeDocument/2006/relationships" xmlns:p1510="http://schemas.microsoft.com/office/powerpoint/2015/10/main">
   <p1510:revLst>
-    <p1510:client id="{D8044BFB-ECB7-4860-8B53-8AB623343355}" v="169" dt="2019-10-23T00:55:28.836"/>
+    <p1510:client id="{D8044BFB-ECB7-4860-8B53-8AB623343355}" v="178" dt="2019-10-23T16:32:08.887"/>
   </p1510:revLst>
 </p1510:revInfo>
 </file>
@@ -135,7 +147,7 @@
   <pc:docChgLst>
     <pc:chgData name="Franco Ruggeri" userId="f8fb41c0b3afb4f0" providerId="LiveId" clId="{D8044BFB-ECB7-4860-8B53-8AB623343355}"/>
     <pc:docChg chg="undo custSel mod addSld delSld modSld sldOrd">
-      <pc:chgData name="Franco Ruggeri" userId="f8fb41c0b3afb4f0" providerId="LiveId" clId="{D8044BFB-ECB7-4860-8B53-8AB623343355}" dt="2019-10-23T01:05:16.756" v="3539" actId="20577"/>
+      <pc:chgData name="Franco Ruggeri" userId="f8fb41c0b3afb4f0" providerId="LiveId" clId="{D8044BFB-ECB7-4860-8B53-8AB623343355}" dt="2019-10-23T16:32:29.596" v="4931" actId="1076"/>
       <pc:docMkLst>
         <pc:docMk/>
       </pc:docMkLst>
@@ -525,14 +537,22 @@
           </ac:spMkLst>
         </pc:spChg>
       </pc:sldChg>
-      <pc:sldChg chg="addSp delSp modSp add">
-        <pc:chgData name="Franco Ruggeri" userId="f8fb41c0b3afb4f0" providerId="LiveId" clId="{D8044BFB-ECB7-4860-8B53-8AB623343355}" dt="2019-10-23T00:20:56.677" v="2373" actId="113"/>
+      <pc:sldChg chg="addSp delSp modSp add addCm">
+        <pc:chgData name="Franco Ruggeri" userId="f8fb41c0b3afb4f0" providerId="LiveId" clId="{D8044BFB-ECB7-4860-8B53-8AB623343355}" dt="2019-10-23T16:29:09.159" v="4899"/>
         <pc:sldMkLst>
           <pc:docMk/>
           <pc:sldMk cId="4200235255" sldId="275"/>
         </pc:sldMkLst>
+        <pc:spChg chg="add del mod">
+          <ac:chgData name="Franco Ruggeri" userId="f8fb41c0b3afb4f0" providerId="LiveId" clId="{D8044BFB-ECB7-4860-8B53-8AB623343355}" dt="2019-10-23T16:29:09.159" v="4899"/>
+          <ac:spMkLst>
+            <pc:docMk/>
+            <pc:sldMk cId="4200235255" sldId="275"/>
+            <ac:spMk id="2" creationId="{B015CD00-7A0D-4903-8C73-67FD0E669DB4}"/>
+          </ac:spMkLst>
+        </pc:spChg>
         <pc:spChg chg="mod">
-          <ac:chgData name="Franco Ruggeri" userId="f8fb41c0b3afb4f0" providerId="LiveId" clId="{D8044BFB-ECB7-4860-8B53-8AB623343355}" dt="2019-10-23T00:20:56.677" v="2373" actId="113"/>
+          <ac:chgData name="Franco Ruggeri" userId="f8fb41c0b3afb4f0" providerId="LiveId" clId="{D8044BFB-ECB7-4860-8B53-8AB623343355}" dt="2019-10-23T16:27:44.787" v="4663" actId="1076"/>
           <ac:spMkLst>
             <pc:docMk/>
             <pc:sldMk cId="4200235255" sldId="275"/>
@@ -1048,11 +1068,19 @@
         </pc:picChg>
       </pc:sldChg>
       <pc:sldChg chg="addSp delSp modSp add mod setBg delDesignElem">
-        <pc:chgData name="Franco Ruggeri" userId="f8fb41c0b3afb4f0" providerId="LiveId" clId="{D8044BFB-ECB7-4860-8B53-8AB623343355}" dt="2019-10-23T00:46:51.242" v="2802" actId="26606"/>
+        <pc:chgData name="Franco Ruggeri" userId="f8fb41c0b3afb4f0" providerId="LiveId" clId="{D8044BFB-ECB7-4860-8B53-8AB623343355}" dt="2019-10-23T16:32:29.596" v="4931" actId="1076"/>
         <pc:sldMkLst>
           <pc:docMk/>
           <pc:sldMk cId="3402406186" sldId="286"/>
         </pc:sldMkLst>
+        <pc:spChg chg="add mod">
+          <ac:chgData name="Franco Ruggeri" userId="f8fb41c0b3afb4f0" providerId="LiveId" clId="{D8044BFB-ECB7-4860-8B53-8AB623343355}" dt="2019-10-23T16:32:29.596" v="4931" actId="1076"/>
+          <ac:spMkLst>
+            <pc:docMk/>
+            <pc:sldMk cId="3402406186" sldId="286"/>
+            <ac:spMk id="2" creationId="{20E06728-F827-4703-A1C9-7E08B5FF0B6A}"/>
+          </ac:spMkLst>
+        </pc:spChg>
         <pc:spChg chg="mod">
           <ac:chgData name="Franco Ruggeri" userId="f8fb41c0b3afb4f0" providerId="LiveId" clId="{D8044BFB-ECB7-4860-8B53-8AB623343355}" dt="2019-10-23T00:46:37.123" v="2791" actId="26606"/>
           <ac:spMkLst>
@@ -1062,11 +1090,27 @@
           </ac:spMkLst>
         </pc:spChg>
         <pc:spChg chg="add del mod">
+          <ac:chgData name="Franco Ruggeri" userId="f8fb41c0b3afb4f0" providerId="LiveId" clId="{D8044BFB-ECB7-4860-8B53-8AB623343355}" dt="2019-10-23T16:31:29.833" v="4923" actId="478"/>
+          <ac:spMkLst>
+            <pc:docMk/>
+            <pc:sldMk cId="3402406186" sldId="286"/>
+            <ac:spMk id="4" creationId="{96E7F5DB-44D5-4B7A-9E90-52BD2F80EE5A}"/>
+          </ac:spMkLst>
+        </pc:spChg>
+        <pc:spChg chg="add del mod">
           <ac:chgData name="Franco Ruggeri" userId="f8fb41c0b3afb4f0" providerId="LiveId" clId="{D8044BFB-ECB7-4860-8B53-8AB623343355}" dt="2019-10-23T00:46:19.058" v="2786" actId="478"/>
           <ac:spMkLst>
             <pc:docMk/>
             <pc:sldMk cId="3402406186" sldId="286"/>
             <ac:spMk id="5" creationId="{FA1FAC15-08EC-4E01-8EDD-2DFDDAD3DC88}"/>
+          </ac:spMkLst>
+        </pc:spChg>
+        <pc:spChg chg="add del mod">
+          <ac:chgData name="Franco Ruggeri" userId="f8fb41c0b3afb4f0" providerId="LiveId" clId="{D8044BFB-ECB7-4860-8B53-8AB623343355}" dt="2019-10-23T16:30:03.814" v="4911" actId="478"/>
+          <ac:spMkLst>
+            <pc:docMk/>
+            <pc:sldMk cId="3402406186" sldId="286"/>
+            <ac:spMk id="7" creationId="{60BF53EE-1E84-4FBA-8FBC-7521111C5DD0}"/>
           </ac:spMkLst>
         </pc:spChg>
         <pc:spChg chg="mod">
@@ -1159,13 +1203,13 @@
         </pc:picChg>
       </pc:sldChg>
       <pc:sldChg chg="delSp modSp add setBg delDesignElem">
-        <pc:chgData name="Franco Ruggeri" userId="f8fb41c0b3afb4f0" providerId="LiveId" clId="{D8044BFB-ECB7-4860-8B53-8AB623343355}" dt="2019-10-23T01:05:16.756" v="3539" actId="20577"/>
+        <pc:chgData name="Franco Ruggeri" userId="f8fb41c0b3afb4f0" providerId="LiveId" clId="{D8044BFB-ECB7-4860-8B53-8AB623343355}" dt="2019-10-23T16:24:40.311" v="4660" actId="20577"/>
         <pc:sldMkLst>
           <pc:docMk/>
           <pc:sldMk cId="4048875456" sldId="287"/>
         </pc:sldMkLst>
         <pc:spChg chg="mod">
-          <ac:chgData name="Franco Ruggeri" userId="f8fb41c0b3afb4f0" providerId="LiveId" clId="{D8044BFB-ECB7-4860-8B53-8AB623343355}" dt="2019-10-23T01:05:16.756" v="3539" actId="20577"/>
+          <ac:chgData name="Franco Ruggeri" userId="f8fb41c0b3afb4f0" providerId="LiveId" clId="{D8044BFB-ECB7-4860-8B53-8AB623343355}" dt="2019-10-23T16:24:40.311" v="4660" actId="20577"/>
           <ac:spMkLst>
             <pc:docMk/>
             <pc:sldMk cId="4048875456" sldId="287"/>
@@ -1688,6 +1732,20 @@
     </pc:docChg>
   </pc:docChgLst>
 </pc:chgInfo>
+</file>
+
+<file path=ppt/comments/comment1.xml><?xml version="1.0" encoding="utf-8"?>
+<p:cmLst xmlns:a="http://schemas.openxmlformats.org/drawingml/2006/main" xmlns:r="http://schemas.openxmlformats.org/officeDocument/2006/relationships" xmlns:p="http://schemas.openxmlformats.org/presentationml/2006/main">
+  <p:cm authorId="1" dt="2019-10-23T18:27:31.208" idx="1">
+    <p:pos x="10" y="10"/>
+    <p:text/>
+    <p:extLst>
+      <p:ext uri="{C676402C-5697-4E1C-873F-D02D1690AC5C}">
+        <p15:threadingInfo xmlns:p15="http://schemas.microsoft.com/office/powerpoint/2012/main" timeZoneBias="-120"/>
+      </p:ext>
+    </p:extLst>
+  </p:cm>
+</p:cmLst>
 </file>
 
 <file path=ppt/slideLayouts/slideLayout1.xml><?xml version="1.0" encoding="utf-8"?>
@@ -7870,28 +7928,9 @@
               </a:rPr>
               <a:t>Accuracy</a:t>
             </a:r>
-            <a:endParaRPr lang="en-US" kern="1200">
-              <a:solidFill>
-                <a:schemeClr val="tx1"/>
-              </a:solidFill>
-              <a:latin typeface="+mn-lt"/>
-              <a:ea typeface="+mn-ea"/>
-              <a:cs typeface="+mn-cs"/>
-            </a:endParaRPr>
           </a:p>
           <a:p>
             <a:pPr lvl="1"/>
-            <a:r>
-              <a:rPr lang="en-US" kern="1200">
-                <a:solidFill>
-                  <a:schemeClr val="tx1"/>
-                </a:solidFill>
-                <a:latin typeface="+mn-lt"/>
-                <a:ea typeface="+mn-ea"/>
-                <a:cs typeface="+mn-cs"/>
-              </a:rPr>
-              <a:t>Without boosting: </a:t>
-            </a:r>
             <a:r>
               <a:rPr lang="en-US" kern="1200" dirty="0">
                 <a:solidFill>
@@ -7901,19 +7940,11 @@
                 <a:ea typeface="+mn-ea"/>
                 <a:cs typeface="+mn-cs"/>
               </a:rPr>
-              <a:t>µ = </a:t>
-            </a:r>
-            <a:r>
-              <a:rPr lang="en-US" kern="1200">
-                <a:solidFill>
-                  <a:schemeClr val="tx1"/>
-                </a:solidFill>
-                <a:latin typeface="+mn-lt"/>
-                <a:ea typeface="+mn-ea"/>
-                <a:cs typeface="+mn-cs"/>
-              </a:rPr>
-              <a:t>64.1, </a:t>
-            </a:r>
+              <a:t>Without boosting: µ = 64.1, σ = 4</a:t>
+            </a:r>
+          </a:p>
+          <a:p>
+            <a:pPr lvl="1"/>
             <a:r>
               <a:rPr lang="en-US" kern="1200" dirty="0">
                 <a:solidFill>
@@ -7923,41 +7954,8 @@
                 <a:ea typeface="+mn-ea"/>
                 <a:cs typeface="+mn-cs"/>
               </a:rPr>
-              <a:t>σ = </a:t>
-            </a:r>
-            <a:r>
-              <a:rPr lang="en-US" kern="1200">
-                <a:solidFill>
-                  <a:schemeClr val="tx1"/>
-                </a:solidFill>
-                <a:latin typeface="+mn-lt"/>
-                <a:ea typeface="+mn-ea"/>
-                <a:cs typeface="+mn-cs"/>
-              </a:rPr>
-              <a:t>4</a:t>
-            </a:r>
-          </a:p>
-          <a:p>
-            <a:pPr lvl="1"/>
-            <a:r>
-              <a:rPr lang="en-US" kern="1200">
-                <a:solidFill>
-                  <a:schemeClr val="tx1"/>
-                </a:solidFill>
-                <a:latin typeface="+mn-lt"/>
-                <a:ea typeface="+mn-ea"/>
-                <a:cs typeface="+mn-cs"/>
-              </a:rPr>
               <a:t>With boosting: µ = 86.9, σ = 3.07</a:t>
             </a:r>
-            <a:endParaRPr lang="en-US" kern="1200" dirty="0">
-              <a:solidFill>
-                <a:schemeClr val="tx1"/>
-              </a:solidFill>
-              <a:latin typeface="+mn-lt"/>
-              <a:ea typeface="+mn-ea"/>
-              <a:cs typeface="+mn-cs"/>
-            </a:endParaRPr>
           </a:p>
         </p:txBody>
       </p:sp>
@@ -8031,6 +8029,66 @@
           </a:prstGeom>
         </p:spPr>
       </p:pic>
+      <p:sp>
+        <p:nvSpPr>
+          <p:cNvPr id="2" name="Fumetto: rettangolo con angoli arrotondati 1">
+            <a:extLst>
+              <a:ext uri="{FF2B5EF4-FFF2-40B4-BE49-F238E27FC236}">
+                <a16:creationId xmlns:a16="http://schemas.microsoft.com/office/drawing/2014/main" id="{20E06728-F827-4703-A1C9-7E08B5FF0B6A}"/>
+              </a:ext>
+            </a:extLst>
+          </p:cNvPr>
+          <p:cNvSpPr/>
+          <p:nvPr/>
+        </p:nvSpPr>
+        <p:spPr>
+          <a:xfrm>
+            <a:off x="5234731" y="5515288"/>
+            <a:ext cx="2847557" cy="1156678"/>
+          </a:xfrm>
+          <a:prstGeom prst="wedgeRoundRectCallout">
+            <a:avLst>
+              <a:gd name="adj1" fmla="val 34852"/>
+              <a:gd name="adj2" fmla="val -90083"/>
+              <a:gd name="adj3" fmla="val 16667"/>
+            </a:avLst>
+          </a:prstGeom>
+          <a:solidFill>
+            <a:schemeClr val="accent2"/>
+          </a:solidFill>
+        </p:spPr>
+        <p:style>
+          <a:lnRef idx="2">
+            <a:schemeClr val="accent1">
+              <a:shade val="50000"/>
+            </a:schemeClr>
+          </a:lnRef>
+          <a:fillRef idx="1">
+            <a:schemeClr val="accent1"/>
+          </a:fillRef>
+          <a:effectRef idx="0">
+            <a:schemeClr val="accent1"/>
+          </a:effectRef>
+          <a:fontRef idx="minor">
+            <a:schemeClr val="lt1"/>
+          </a:fontRef>
+        </p:style>
+        <p:txBody>
+          <a:bodyPr rtlCol="0" anchor="t"/>
+          <a:lstStyle/>
+          <a:p>
+            <a:pPr algn="ctr"/>
+            <a:r>
+              <a:rPr lang="en-US" sz="1400" dirty="0"/>
+              <a:t>The plots are 2D but actually the dataset has 10 features, so decision boundaries are not visualized well.</a:t>
+            </a:r>
+          </a:p>
+          <a:p>
+            <a:pPr algn="ctr"/>
+            <a:endParaRPr lang="en-US" dirty="0"/>
+          </a:p>
+        </p:txBody>
+      </p:sp>
     </p:spTree>
     <p:extLst>
       <p:ext uri="{BB962C8B-B14F-4D97-AF65-F5344CB8AC3E}">
@@ -8139,37 +8197,114 @@
         <p:spPr/>
         <p:txBody>
           <a:bodyPr vert="horz" lIns="91440" tIns="45720" rIns="91440" bIns="45720" rtlCol="0">
-            <a:normAutofit/>
+            <a:normAutofit fontScale="70000" lnSpcReduction="20000"/>
           </a:bodyPr>
           <a:lstStyle/>
           <a:p>
             <a:r>
               <a:rPr lang="en-US" dirty="0"/>
-              <a:t>Outliers: Naïve Bayes is robust because based on probabilities</a:t>
-            </a:r>
-          </a:p>
-          <a:p>
+              <a:t>Outliers</a:t>
+            </a:r>
+          </a:p>
+          <a:p>
+            <a:pPr lvl="1"/>
             <a:r>
               <a:rPr lang="en-US" dirty="0"/>
-              <a:t>Irrelevant inputs: pruning in DT can ignore irrelevant features</a:t>
-            </a:r>
-          </a:p>
-          <a:p>
+              <a:t>Naïve Bayes is robust (based on probabilities)</a:t>
+            </a:r>
+          </a:p>
+          <a:p>
+            <a:pPr lvl="1"/>
             <a:r>
               <a:rPr lang="en-US" dirty="0"/>
-              <a:t>Predictive power: both, boosting can improve significantly</a:t>
-            </a:r>
-          </a:p>
-          <a:p>
+              <a:t>DT is robust (nodes are determined based on purity indexes of partitions, not single points)</a:t>
+            </a:r>
+          </a:p>
+          <a:p>
+            <a:pPr lvl="1"/>
             <a:r>
               <a:rPr lang="en-US" dirty="0"/>
-              <a:t>Mixed types of data: both</a:t>
+              <a:t>NO boosting (weights corresponding to outliers increase and outliers become more important)</a:t>
             </a:r>
           </a:p>
           <a:p>
             <a:r>
               <a:rPr lang="en-US" dirty="0"/>
-              <a:t>Scalability: boosting can be time consuming depending on T</a:t>
+              <a:t>Irrelevant features</a:t>
+            </a:r>
+          </a:p>
+          <a:p>
+            <a:pPr lvl="1"/>
+            <a:r>
+              <a:rPr lang="en-US" dirty="0"/>
+              <a:t>Naïve Bayes does not ignore them (probabilities of all features are always computed)</a:t>
+            </a:r>
+          </a:p>
+          <a:p>
+            <a:pPr lvl="1"/>
+            <a:r>
+              <a:rPr lang="en-US" dirty="0"/>
+              <a:t>DT can ignore them when pruning (no node uses them)</a:t>
+            </a:r>
+          </a:p>
+          <a:p>
+            <a:r>
+              <a:rPr lang="en-US" dirty="0"/>
+              <a:t>Predictive power</a:t>
+            </a:r>
+          </a:p>
+          <a:p>
+            <a:pPr lvl="1"/>
+            <a:r>
+              <a:rPr lang="en-US" dirty="0"/>
+              <a:t>Naïve Bayes has more expressiveness than DT (DT has decision boundaries parallel to axes)</a:t>
+            </a:r>
+          </a:p>
+          <a:p>
+            <a:pPr lvl="1"/>
+            <a:r>
+              <a:rPr lang="en-US" dirty="0"/>
+              <a:t>Boosting increases expressiveness</a:t>
+            </a:r>
+          </a:p>
+          <a:p>
+            <a:r>
+              <a:rPr lang="en-US" dirty="0"/>
+              <a:t>Mixed types of data</a:t>
+            </a:r>
+          </a:p>
+          <a:p>
+            <a:pPr lvl="1"/>
+            <a:r>
+              <a:rPr lang="en-US" dirty="0"/>
+              <a:t>Naïve Bayes is more expressive for continuous attributes than DT</a:t>
+            </a:r>
+          </a:p>
+          <a:p>
+            <a:pPr lvl="1"/>
+            <a:r>
+              <a:rPr lang="en-US" dirty="0"/>
+              <a:t>Boosting increases accuracy</a:t>
+            </a:r>
+          </a:p>
+          <a:p>
+            <a:r>
+              <a:rPr lang="en-US" dirty="0"/>
+              <a:t>Scalability</a:t>
+            </a:r>
+          </a:p>
+          <a:p>
+            <a:pPr lvl="1"/>
+            <a:r>
+              <a:rPr lang="en-US" dirty="0"/>
+              <a:t>DT is much faster than Naïve Bayes (Naïve Bayes has to compute probabilities)</a:t>
+            </a:r>
+          </a:p>
+          <a:p>
+            <a:pPr lvl="1"/>
+            <a:r>
+              <a:rPr lang="en-US" dirty="0"/>
+              <a:t>Boosting can be time consuming depending on T</a:t>
             </a:r>
             <a:endParaRPr lang="en-US" kern="1200" dirty="0">
               <a:solidFill>
@@ -8789,7 +8924,12 @@
             <p:ph sz="half" idx="1"/>
           </p:nvPr>
         </p:nvSpPr>
-        <p:spPr/>
+        <p:spPr>
+          <a:xfrm>
+            <a:off x="685800" y="2194559"/>
+            <a:ext cx="5334000" cy="4024125"/>
+          </a:xfrm>
+        </p:spPr>
         <p:txBody>
           <a:bodyPr/>
           <a:lstStyle/>

--- a/Lab 3/Lab 3 - presentation.pptx
+++ b/Lab 3/Lab 3 - presentation.pptx
@@ -137,7 +137,7 @@
 <file path=ppt/revisionInfo.xml><?xml version="1.0" encoding="utf-8"?>
 <p1510:revInfo xmlns:a="http://schemas.openxmlformats.org/drawingml/2006/main" xmlns:r="http://schemas.openxmlformats.org/officeDocument/2006/relationships" xmlns:p1510="http://schemas.microsoft.com/office/powerpoint/2015/10/main">
   <p1510:revLst>
-    <p1510:client id="{D8044BFB-ECB7-4860-8B53-8AB623343355}" v="178" dt="2019-10-23T16:32:08.887"/>
+    <p1510:client id="{D8044BFB-ECB7-4860-8B53-8AB623343355}" v="180" dt="2019-10-23T16:49:17.173"/>
   </p1510:revLst>
 </p1510:revInfo>
 </file>
@@ -147,7 +147,7 @@
   <pc:docChgLst>
     <pc:chgData name="Franco Ruggeri" userId="f8fb41c0b3afb4f0" providerId="LiveId" clId="{D8044BFB-ECB7-4860-8B53-8AB623343355}"/>
     <pc:docChg chg="undo custSel mod addSld delSld modSld sldOrd">
-      <pc:chgData name="Franco Ruggeri" userId="f8fb41c0b3afb4f0" providerId="LiveId" clId="{D8044BFB-ECB7-4860-8B53-8AB623343355}" dt="2019-10-23T16:32:29.596" v="4931" actId="1076"/>
+      <pc:chgData name="Franco Ruggeri" userId="f8fb41c0b3afb4f0" providerId="LiveId" clId="{D8044BFB-ECB7-4860-8B53-8AB623343355}" dt="2019-10-23T16:49:19.387" v="4937" actId="20577"/>
       <pc:docMkLst>
         <pc:docMk/>
       </pc:docMkLst>
@@ -796,13 +796,13 @@
         </pc:spChg>
       </pc:sldChg>
       <pc:sldChg chg="addSp delSp modSp add mod setBg">
-        <pc:chgData name="Franco Ruggeri" userId="f8fb41c0b3afb4f0" providerId="LiveId" clId="{D8044BFB-ECB7-4860-8B53-8AB623343355}" dt="2019-10-23T00:44:48.232" v="2783" actId="20577"/>
+        <pc:chgData name="Franco Ruggeri" userId="f8fb41c0b3afb4f0" providerId="LiveId" clId="{D8044BFB-ECB7-4860-8B53-8AB623343355}" dt="2019-10-23T16:49:17.173" v="4935"/>
         <pc:sldMkLst>
           <pc:docMk/>
           <pc:sldMk cId="568158431" sldId="280"/>
         </pc:sldMkLst>
         <pc:spChg chg="mod">
-          <ac:chgData name="Franco Ruggeri" userId="f8fb41c0b3afb4f0" providerId="LiveId" clId="{D8044BFB-ECB7-4860-8B53-8AB623343355}" dt="2019-10-23T00:44:11.081" v="2782"/>
+          <ac:chgData name="Franco Ruggeri" userId="f8fb41c0b3afb4f0" providerId="LiveId" clId="{D8044BFB-ECB7-4860-8B53-8AB623343355}" dt="2019-10-23T16:49:17.173" v="4935"/>
           <ac:spMkLst>
             <pc:docMk/>
             <pc:sldMk cId="568158431" sldId="280"/>
@@ -1068,7 +1068,7 @@
         </pc:picChg>
       </pc:sldChg>
       <pc:sldChg chg="addSp delSp modSp add mod setBg delDesignElem">
-        <pc:chgData name="Franco Ruggeri" userId="f8fb41c0b3afb4f0" providerId="LiveId" clId="{D8044BFB-ECB7-4860-8B53-8AB623343355}" dt="2019-10-23T16:32:29.596" v="4931" actId="1076"/>
+        <pc:chgData name="Franco Ruggeri" userId="f8fb41c0b3afb4f0" providerId="LiveId" clId="{D8044BFB-ECB7-4860-8B53-8AB623343355}" dt="2019-10-23T16:49:19.387" v="4937" actId="20577"/>
         <pc:sldMkLst>
           <pc:docMk/>
           <pc:sldMk cId="3402406186" sldId="286"/>
@@ -1082,7 +1082,7 @@
           </ac:spMkLst>
         </pc:spChg>
         <pc:spChg chg="mod">
-          <ac:chgData name="Franco Ruggeri" userId="f8fb41c0b3afb4f0" providerId="LiveId" clId="{D8044BFB-ECB7-4860-8B53-8AB623343355}" dt="2019-10-23T00:46:37.123" v="2791" actId="26606"/>
+          <ac:chgData name="Franco Ruggeri" userId="f8fb41c0b3afb4f0" providerId="LiveId" clId="{D8044BFB-ECB7-4860-8B53-8AB623343355}" dt="2019-10-23T16:49:19.387" v="4937" actId="20577"/>
           <ac:spMkLst>
             <pc:docMk/>
             <pc:sldMk cId="3402406186" sldId="286"/>
@@ -7881,30 +7881,24 @@
           <a:p>
             <a:pPr lvl="1"/>
             <a:r>
-              <a:rPr lang="en-US" kern="1200" dirty="0">
-                <a:solidFill>
-                  <a:schemeClr val="tx1"/>
-                </a:solidFill>
-                <a:latin typeface="+mn-lt"/>
-                <a:ea typeface="+mn-ea"/>
-                <a:cs typeface="+mn-cs"/>
-              </a:rPr>
-              <a:t>2 correlated features</a:t>
+              <a:rPr lang="en-US" dirty="0"/>
+              <a:t>10 correlated features</a:t>
             </a:r>
           </a:p>
           <a:p>
             <a:pPr lvl="1"/>
             <a:r>
-              <a:rPr lang="en-US" kern="1200" dirty="0">
-                <a:solidFill>
-                  <a:schemeClr val="tx1"/>
-                </a:solidFill>
-                <a:latin typeface="+mn-lt"/>
-                <a:ea typeface="+mn-ea"/>
-                <a:cs typeface="+mn-cs"/>
-              </a:rPr>
-              <a:t>3 classes</a:t>
-            </a:r>
+              <a:rPr lang="en-US"/>
+              <a:t>11 classes</a:t>
+            </a:r>
+            <a:endParaRPr lang="en-US" kern="1200" dirty="0">
+              <a:solidFill>
+                <a:schemeClr val="tx1"/>
+              </a:solidFill>
+              <a:latin typeface="+mn-lt"/>
+              <a:ea typeface="+mn-ea"/>
+              <a:cs typeface="+mn-cs"/>
+            </a:endParaRPr>
           </a:p>
           <a:p>
             <a:endParaRPr lang="en-US" kern="1200" dirty="0">
@@ -10091,14 +10085,14 @@
             <a:pPr lvl="1"/>
             <a:r>
               <a:rPr lang="en-US" dirty="0"/>
-              <a:t>10 correlated features</a:t>
+              <a:t>2 correlated features</a:t>
             </a:r>
           </a:p>
           <a:p>
             <a:pPr lvl="1"/>
             <a:r>
               <a:rPr lang="en-US" dirty="0"/>
-              <a:t>11 classes</a:t>
+              <a:t>3 classes</a:t>
             </a:r>
           </a:p>
           <a:p>

--- a/Lab 3/Lab 3 - presentation.pptx
+++ b/Lab 3/Lab 3 - presentation.pptx
@@ -13,8 +13,8 @@
     <p:sldId id="279" r:id="rId7"/>
     <p:sldId id="283" r:id="rId8"/>
     <p:sldId id="277" r:id="rId9"/>
-    <p:sldId id="280" r:id="rId10"/>
-    <p:sldId id="286" r:id="rId11"/>
+    <p:sldId id="288" r:id="rId10"/>
+    <p:sldId id="280" r:id="rId11"/>
     <p:sldId id="287" r:id="rId12"/>
   </p:sldIdLst>
   <p:sldSz cx="12192000" cy="6858000"/>
@@ -145,6 +145,15 @@
 <file path=ppt/changesInfos/changesInfo1.xml><?xml version="1.0" encoding="utf-8"?>
 <pc:chgInfo xmlns:a="http://schemas.openxmlformats.org/drawingml/2006/main" xmlns:r="http://schemas.openxmlformats.org/officeDocument/2006/relationships" xmlns:ac="http://schemas.microsoft.com/office/drawing/2013/main/command" xmlns:pc="http://schemas.microsoft.com/office/powerpoint/2013/main/command">
   <pc:docChgLst>
+    <pc:chgData name="Alessandro Iucci" userId="84c7e91a124b25e9" providerId="LiveId" clId="{955445CC-B49E-44CD-B4CB-5BAC92870AA8}"/>
+    <pc:docChg chg="custSel mod addSld modSld">
+      <pc:chgData name="Alessandro Iucci" userId="84c7e91a124b25e9" providerId="LiveId" clId="{955445CC-B49E-44CD-B4CB-5BAC92870AA8}" dt="2019-10-09T10:10:47.873" v="711" actId="20577"/>
+      <pc:docMkLst>
+        <pc:docMk/>
+      </pc:docMkLst>
+    </pc:docChg>
+  </pc:docChgLst>
+  <pc:docChgLst>
     <pc:chgData name="Franco Ruggeri" userId="f8fb41c0b3afb4f0" providerId="LiveId" clId="{D8044BFB-ECB7-4860-8B53-8AB623343355}"/>
     <pc:docChg chg="undo custSel mod addSld delSld modSld sldOrd">
       <pc:chgData name="Franco Ruggeri" userId="f8fb41c0b3afb4f0" providerId="LiveId" clId="{D8044BFB-ECB7-4860-8B53-8AB623343355}" dt="2019-10-23T16:49:19.387" v="4937" actId="20577"/>
@@ -1717,15 +1726,6 @@
     <pc:chgData name="Franco Ruggeri" userId="f8fb41c0b3afb4f0" providerId="LiveId" clId="{91284456-B732-4D55-8327-55814796A3F8}"/>
     <pc:docChg chg="custSel modSld">
       <pc:chgData name="Franco Ruggeri" userId="f8fb41c0b3afb4f0" providerId="LiveId" clId="{91284456-B732-4D55-8327-55814796A3F8}" dt="2019-10-10T12:20:35.321" v="1" actId="1076"/>
-      <pc:docMkLst>
-        <pc:docMk/>
-      </pc:docMkLst>
-    </pc:docChg>
-  </pc:docChgLst>
-  <pc:docChgLst>
-    <pc:chgData name="Alessandro Iucci" userId="84c7e91a124b25e9" providerId="LiveId" clId="{955445CC-B49E-44CD-B4CB-5BAC92870AA8}"/>
-    <pc:docChg chg="custSel mod addSld modSld">
-      <pc:chgData name="Alessandro Iucci" userId="84c7e91a124b25e9" providerId="LiveId" clId="{955445CC-B49E-44CD-B4CB-5BAC92870AA8}" dt="2019-10-09T10:10:47.873" v="711" actId="20577"/>
       <pc:docMkLst>
         <pc:docMk/>
       </pc:docMkLst>
@@ -1918,7 +1918,7 @@
           <a:p>
             <a:fld id="{B68DAA86-DE6B-4FFE-8B9F-AB26AC49B716}" type="datetimeFigureOut">
               <a:rPr lang="en-GB" smtClean="0"/>
-              <a:t>23/10/2019</a:t>
+              <a:t>07/05/2020</a:t>
             </a:fld>
             <a:endParaRPr lang="en-GB" dirty="0"/>
           </a:p>
@@ -1970,7 +1970,7 @@
           <a:p>
             <a:fld id="{3F2C29EC-BF13-463C-A228-A8B1DC07216B}" type="slidenum">
               <a:rPr lang="en-GB" smtClean="0"/>
-              <a:t>‹N›</a:t>
+              <a:t>‹#›</a:t>
             </a:fld>
             <a:endParaRPr lang="en-GB" dirty="0"/>
           </a:p>
@@ -2185,7 +2185,7 @@
           <a:p>
             <a:fld id="{B68DAA86-DE6B-4FFE-8B9F-AB26AC49B716}" type="datetimeFigureOut">
               <a:rPr lang="en-GB" smtClean="0"/>
-              <a:t>23/10/2019</a:t>
+              <a:t>07/05/2020</a:t>
             </a:fld>
             <a:endParaRPr lang="en-GB" dirty="0"/>
           </a:p>
@@ -2227,7 +2227,7 @@
           <a:p>
             <a:fld id="{3F2C29EC-BF13-463C-A228-A8B1DC07216B}" type="slidenum">
               <a:rPr lang="en-GB" smtClean="0"/>
-              <a:t>‹N›</a:t>
+              <a:t>‹#›</a:t>
             </a:fld>
             <a:endParaRPr lang="en-GB" dirty="0"/>
           </a:p>
@@ -2416,7 +2416,7 @@
           <a:p>
             <a:fld id="{B68DAA86-DE6B-4FFE-8B9F-AB26AC49B716}" type="datetimeFigureOut">
               <a:rPr lang="en-GB" smtClean="0"/>
-              <a:t>23/10/2019</a:t>
+              <a:t>07/05/2020</a:t>
             </a:fld>
             <a:endParaRPr lang="en-GB" dirty="0"/>
           </a:p>
@@ -2468,7 +2468,7 @@
           <a:p>
             <a:fld id="{3F2C29EC-BF13-463C-A228-A8B1DC07216B}" type="slidenum">
               <a:rPr lang="en-GB" smtClean="0"/>
-              <a:t>‹N›</a:t>
+              <a:t>‹#›</a:t>
             </a:fld>
             <a:endParaRPr lang="en-GB" dirty="0"/>
           </a:p>
@@ -2726,7 +2726,7 @@
           <a:p>
             <a:fld id="{B68DAA86-DE6B-4FFE-8B9F-AB26AC49B716}" type="datetimeFigureOut">
               <a:rPr lang="en-GB" smtClean="0"/>
-              <a:t>23/10/2019</a:t>
+              <a:t>07/05/2020</a:t>
             </a:fld>
             <a:endParaRPr lang="en-GB" dirty="0"/>
           </a:p>
@@ -2778,7 +2778,7 @@
           <a:p>
             <a:fld id="{3F2C29EC-BF13-463C-A228-A8B1DC07216B}" type="slidenum">
               <a:rPr lang="en-GB" smtClean="0"/>
-              <a:t>‹N›</a:t>
+              <a:t>‹#›</a:t>
             </a:fld>
             <a:endParaRPr lang="en-GB" dirty="0"/>
           </a:p>
@@ -3199,7 +3199,7 @@
           <a:p>
             <a:fld id="{B68DAA86-DE6B-4FFE-8B9F-AB26AC49B716}" type="datetimeFigureOut">
               <a:rPr lang="en-GB" smtClean="0"/>
-              <a:t>23/10/2019</a:t>
+              <a:t>07/05/2020</a:t>
             </a:fld>
             <a:endParaRPr lang="en-GB" dirty="0"/>
           </a:p>
@@ -3251,7 +3251,7 @@
           <a:p>
             <a:fld id="{3F2C29EC-BF13-463C-A228-A8B1DC07216B}" type="slidenum">
               <a:rPr lang="en-GB" smtClean="0"/>
-              <a:t>‹N›</a:t>
+              <a:t>‹#›</a:t>
             </a:fld>
             <a:endParaRPr lang="en-GB" dirty="0"/>
           </a:p>
@@ -3746,7 +3746,7 @@
           <a:p>
             <a:fld id="{B68DAA86-DE6B-4FFE-8B9F-AB26AC49B716}" type="datetimeFigureOut">
               <a:rPr lang="en-GB" smtClean="0"/>
-              <a:t>23/10/2019</a:t>
+              <a:t>07/05/2020</a:t>
             </a:fld>
             <a:endParaRPr lang="en-GB" dirty="0"/>
           </a:p>
@@ -3788,7 +3788,7 @@
           <a:p>
             <a:fld id="{3F2C29EC-BF13-463C-A228-A8B1DC07216B}" type="slidenum">
               <a:rPr lang="en-GB" smtClean="0"/>
-              <a:t>‹N›</a:t>
+              <a:t>‹#›</a:t>
             </a:fld>
             <a:endParaRPr lang="en-GB" dirty="0"/>
           </a:p>
@@ -4520,7 +4520,7 @@
           <a:p>
             <a:fld id="{B68DAA86-DE6B-4FFE-8B9F-AB26AC49B716}" type="datetimeFigureOut">
               <a:rPr lang="en-GB" smtClean="0"/>
-              <a:t>23/10/2019</a:t>
+              <a:t>07/05/2020</a:t>
             </a:fld>
             <a:endParaRPr lang="en-GB" dirty="0"/>
           </a:p>
@@ -4562,7 +4562,7 @@
           <a:p>
             <a:fld id="{3F2C29EC-BF13-463C-A228-A8B1DC07216B}" type="slidenum">
               <a:rPr lang="en-GB" smtClean="0"/>
-              <a:t>‹N›</a:t>
+              <a:t>‹#›</a:t>
             </a:fld>
             <a:endParaRPr lang="en-GB" dirty="0"/>
           </a:p>
@@ -4695,7 +4695,7 @@
           <a:p>
             <a:fld id="{B68DAA86-DE6B-4FFE-8B9F-AB26AC49B716}" type="datetimeFigureOut">
               <a:rPr lang="en-GB" smtClean="0"/>
-              <a:t>23/10/2019</a:t>
+              <a:t>07/05/2020</a:t>
             </a:fld>
             <a:endParaRPr lang="en-GB" dirty="0"/>
           </a:p>
@@ -4737,7 +4737,7 @@
           <a:p>
             <a:fld id="{3F2C29EC-BF13-463C-A228-A8B1DC07216B}" type="slidenum">
               <a:rPr lang="en-GB" smtClean="0"/>
-              <a:t>‹N›</a:t>
+              <a:t>‹#›</a:t>
             </a:fld>
             <a:endParaRPr lang="en-GB" dirty="0"/>
           </a:p>
@@ -4918,7 +4918,7 @@
           <a:p>
             <a:fld id="{B68DAA86-DE6B-4FFE-8B9F-AB26AC49B716}" type="datetimeFigureOut">
               <a:rPr lang="en-GB" smtClean="0"/>
-              <a:t>23/10/2019</a:t>
+              <a:t>07/05/2020</a:t>
             </a:fld>
             <a:endParaRPr lang="en-GB" dirty="0"/>
           </a:p>
@@ -4970,7 +4970,7 @@
           <a:p>
             <a:fld id="{3F2C29EC-BF13-463C-A228-A8B1DC07216B}" type="slidenum">
               <a:rPr lang="en-GB" smtClean="0"/>
-              <a:t>‹N›</a:t>
+              <a:t>‹#›</a:t>
             </a:fld>
             <a:endParaRPr lang="en-GB" dirty="0"/>
           </a:p>
@@ -5098,7 +5098,7 @@
           <a:p>
             <a:fld id="{B68DAA86-DE6B-4FFE-8B9F-AB26AC49B716}" type="datetimeFigureOut">
               <a:rPr lang="en-GB" smtClean="0"/>
-              <a:t>23/10/2019</a:t>
+              <a:t>07/05/2020</a:t>
             </a:fld>
             <a:endParaRPr lang="en-GB" dirty="0"/>
           </a:p>
@@ -5140,7 +5140,7 @@
           <a:p>
             <a:fld id="{3F2C29EC-BF13-463C-A228-A8B1DC07216B}" type="slidenum">
               <a:rPr lang="en-GB" smtClean="0"/>
-              <a:t>‹N›</a:t>
+              <a:t>‹#›</a:t>
             </a:fld>
             <a:endParaRPr lang="en-GB" dirty="0"/>
           </a:p>
@@ -5387,7 +5387,7 @@
           <a:p>
             <a:fld id="{B68DAA86-DE6B-4FFE-8B9F-AB26AC49B716}" type="datetimeFigureOut">
               <a:rPr lang="en-GB" smtClean="0"/>
-              <a:t>23/10/2019</a:t>
+              <a:t>07/05/2020</a:t>
             </a:fld>
             <a:endParaRPr lang="en-GB" dirty="0"/>
           </a:p>
@@ -5439,7 +5439,7 @@
           <a:p>
             <a:fld id="{3F2C29EC-BF13-463C-A228-A8B1DC07216B}" type="slidenum">
               <a:rPr lang="en-GB" smtClean="0"/>
-              <a:t>‹N›</a:t>
+              <a:t>‹#›</a:t>
             </a:fld>
             <a:endParaRPr lang="en-GB" dirty="0"/>
           </a:p>
@@ -5629,7 +5629,7 @@
           <a:p>
             <a:fld id="{B68DAA86-DE6B-4FFE-8B9F-AB26AC49B716}" type="datetimeFigureOut">
               <a:rPr lang="en-GB" smtClean="0"/>
-              <a:t>23/10/2019</a:t>
+              <a:t>07/05/2020</a:t>
             </a:fld>
             <a:endParaRPr lang="en-GB" dirty="0"/>
           </a:p>
@@ -5671,7 +5671,7 @@
           <a:p>
             <a:fld id="{3F2C29EC-BF13-463C-A228-A8B1DC07216B}" type="slidenum">
               <a:rPr lang="en-GB" smtClean="0"/>
-              <a:t>‹N›</a:t>
+              <a:t>‹#›</a:t>
             </a:fld>
             <a:endParaRPr lang="en-GB" dirty="0"/>
           </a:p>
@@ -6008,7 +6008,7 @@
           <a:p>
             <a:fld id="{B68DAA86-DE6B-4FFE-8B9F-AB26AC49B716}" type="datetimeFigureOut">
               <a:rPr lang="en-GB" smtClean="0"/>
-              <a:t>23/10/2019</a:t>
+              <a:t>07/05/2020</a:t>
             </a:fld>
             <a:endParaRPr lang="en-GB" dirty="0"/>
           </a:p>
@@ -6050,7 +6050,7 @@
           <a:p>
             <a:fld id="{3F2C29EC-BF13-463C-A228-A8B1DC07216B}" type="slidenum">
               <a:rPr lang="en-GB" smtClean="0"/>
-              <a:t>‹N›</a:t>
+              <a:t>‹#›</a:t>
             </a:fld>
             <a:endParaRPr lang="en-GB" dirty="0"/>
           </a:p>
@@ -6126,7 +6126,7 @@
           <a:p>
             <a:fld id="{B68DAA86-DE6B-4FFE-8B9F-AB26AC49B716}" type="datetimeFigureOut">
               <a:rPr lang="en-GB" smtClean="0"/>
-              <a:t>23/10/2019</a:t>
+              <a:t>07/05/2020</a:t>
             </a:fld>
             <a:endParaRPr lang="en-GB" dirty="0"/>
           </a:p>
@@ -6168,7 +6168,7 @@
           <a:p>
             <a:fld id="{3F2C29EC-BF13-463C-A228-A8B1DC07216B}" type="slidenum">
               <a:rPr lang="en-GB" smtClean="0"/>
-              <a:t>‹N›</a:t>
+              <a:t>‹#›</a:t>
             </a:fld>
             <a:endParaRPr lang="en-GB" dirty="0"/>
           </a:p>
@@ -6221,7 +6221,7 @@
           <a:p>
             <a:fld id="{B68DAA86-DE6B-4FFE-8B9F-AB26AC49B716}" type="datetimeFigureOut">
               <a:rPr lang="en-GB" smtClean="0"/>
-              <a:t>23/10/2019</a:t>
+              <a:t>07/05/2020</a:t>
             </a:fld>
             <a:endParaRPr lang="en-GB" dirty="0"/>
           </a:p>
@@ -6263,7 +6263,7 @@
           <a:p>
             <a:fld id="{3F2C29EC-BF13-463C-A228-A8B1DC07216B}" type="slidenum">
               <a:rPr lang="en-GB" smtClean="0"/>
-              <a:t>‹N›</a:t>
+              <a:t>‹#›</a:t>
             </a:fld>
             <a:endParaRPr lang="en-GB" dirty="0"/>
           </a:p>
@@ -6470,7 +6470,7 @@
           <a:p>
             <a:fld id="{B68DAA86-DE6B-4FFE-8B9F-AB26AC49B716}" type="datetimeFigureOut">
               <a:rPr lang="en-GB" smtClean="0"/>
-              <a:t>23/10/2019</a:t>
+              <a:t>07/05/2020</a:t>
             </a:fld>
             <a:endParaRPr lang="en-GB" dirty="0"/>
           </a:p>
@@ -6512,7 +6512,7 @@
           <a:p>
             <a:fld id="{3F2C29EC-BF13-463C-A228-A8B1DC07216B}" type="slidenum">
               <a:rPr lang="en-GB" smtClean="0"/>
-              <a:t>‹N›</a:t>
+              <a:t>‹#›</a:t>
             </a:fld>
             <a:endParaRPr lang="en-GB" dirty="0"/>
           </a:p>
@@ -6727,7 +6727,7 @@
           <a:p>
             <a:fld id="{B68DAA86-DE6B-4FFE-8B9F-AB26AC49B716}" type="datetimeFigureOut">
               <a:rPr lang="en-GB" smtClean="0"/>
-              <a:t>23/10/2019</a:t>
+              <a:t>07/05/2020</a:t>
             </a:fld>
             <a:endParaRPr lang="en-GB" dirty="0"/>
           </a:p>
@@ -6769,7 +6769,7 @@
           <a:p>
             <a:fld id="{3F2C29EC-BF13-463C-A228-A8B1DC07216B}" type="slidenum">
               <a:rPr lang="en-GB" smtClean="0"/>
-              <a:t>‹N›</a:t>
+              <a:t>‹#›</a:t>
             </a:fld>
             <a:endParaRPr lang="en-GB" dirty="0"/>
           </a:p>
@@ -6970,7 +6970,7 @@
           <a:p>
             <a:fld id="{B68DAA86-DE6B-4FFE-8B9F-AB26AC49B716}" type="datetimeFigureOut">
               <a:rPr lang="en-GB" smtClean="0"/>
-              <a:t>23/10/2019</a:t>
+              <a:t>07/05/2020</a:t>
             </a:fld>
             <a:endParaRPr lang="en-GB" dirty="0"/>
           </a:p>
@@ -7048,7 +7048,7 @@
           <a:p>
             <a:fld id="{3F2C29EC-BF13-463C-A228-A8B1DC07216B}" type="slidenum">
               <a:rPr lang="en-GB" smtClean="0"/>
-              <a:t>‹N›</a:t>
+              <a:t>‹#›</a:t>
             </a:fld>
             <a:endParaRPr lang="en-GB" dirty="0"/>
           </a:p>
@@ -7753,7 +7753,7 @@
       </p:grpSpPr>
       <p:pic>
         <p:nvPicPr>
-          <p:cNvPr id="27" name="Picture 29">
+          <p:cNvPr id="33" name="Picture 24">
             <a:extLst>
               <a:ext uri="{FF2B5EF4-FFF2-40B4-BE49-F238E27FC236}">
                 <a16:creationId xmlns:a16="http://schemas.microsoft.com/office/drawing/2014/main" id="{EE253802-2FE2-4F1F-B256-423BEF09FB90}"/>
@@ -7875,30 +7875,22 @@
                 <a:ea typeface="+mn-ea"/>
                 <a:cs typeface="+mn-cs"/>
               </a:rPr>
-              <a:t>Vowel dataset</a:t>
+              <a:t>Iris dataset</a:t>
             </a:r>
           </a:p>
           <a:p>
             <a:pPr lvl="1"/>
             <a:r>
               <a:rPr lang="en-US" dirty="0"/>
-              <a:t>10 correlated features</a:t>
+              <a:t>2 correlated features</a:t>
             </a:r>
           </a:p>
           <a:p>
             <a:pPr lvl="1"/>
             <a:r>
-              <a:rPr lang="en-US"/>
-              <a:t>11 classes</a:t>
-            </a:r>
-            <a:endParaRPr lang="en-US" kern="1200" dirty="0">
-              <a:solidFill>
-                <a:schemeClr val="tx1"/>
-              </a:solidFill>
-              <a:latin typeface="+mn-lt"/>
-              <a:ea typeface="+mn-ea"/>
-              <a:cs typeface="+mn-cs"/>
-            </a:endParaRPr>
+              <a:rPr lang="en-US" dirty="0"/>
+              <a:t>3 classes</a:t>
+            </a:r>
           </a:p>
           <a:p>
             <a:endParaRPr lang="en-US" kern="1200" dirty="0">
@@ -7922,9 +7914,14 @@
               </a:rPr>
               <a:t>Accuracy</a:t>
             </a:r>
+            <a:endParaRPr lang="en-US" dirty="0"/>
           </a:p>
           <a:p>
             <a:pPr lvl="1"/>
+            <a:r>
+              <a:rPr lang="en-US" dirty="0"/>
+              <a:t>Without boosting: </a:t>
+            </a:r>
             <a:r>
               <a:rPr lang="en-US" kern="1200" dirty="0">
                 <a:solidFill>
@@ -7934,7 +7931,7 @@
                 <a:ea typeface="+mn-ea"/>
                 <a:cs typeface="+mn-cs"/>
               </a:rPr>
-              <a:t>Without boosting: µ = 64.1, σ = 4</a:t>
+              <a:t>µ = 92.4, σ = 3.71</a:t>
             </a:r>
           </a:p>
           <a:p>
@@ -7948,24 +7945,38 @@
                 <a:ea typeface="+mn-ea"/>
                 <a:cs typeface="+mn-cs"/>
               </a:rPr>
-              <a:t>With boosting: µ = 86.9, σ = 3.07</a:t>
-            </a:r>
+              <a:t>With </a:t>
+            </a:r>
+            <a:r>
+              <a:rPr lang="en-US" dirty="0"/>
+              <a:t>boosting: µ = 94.6, σ = 3.65</a:t>
+            </a:r>
+            <a:endParaRPr lang="en-US" kern="1200" dirty="0">
+              <a:solidFill>
+                <a:schemeClr val="tx1"/>
+              </a:solidFill>
+              <a:latin typeface="+mn-lt"/>
+              <a:ea typeface="+mn-ea"/>
+              <a:cs typeface="+mn-cs"/>
+            </a:endParaRPr>
           </a:p>
         </p:txBody>
       </p:sp>
       <p:pic>
         <p:nvPicPr>
-          <p:cNvPr id="14" name="Immagine 13">
+          <p:cNvPr id="6" name="Segnaposto contenuto 5">
             <a:extLst>
               <a:ext uri="{FF2B5EF4-FFF2-40B4-BE49-F238E27FC236}">
-                <a16:creationId xmlns:a16="http://schemas.microsoft.com/office/drawing/2014/main" id="{02F131B3-ABC1-4796-8A32-3E38543C2061}"/>
+                <a16:creationId xmlns:a16="http://schemas.microsoft.com/office/drawing/2014/main" id="{344B735E-4B68-42C5-B621-CAFA8512334C}"/>
               </a:ext>
             </a:extLst>
           </p:cNvPr>
           <p:cNvPicPr>
-            <a:picLocks noChangeAspect="1"/>
+            <a:picLocks noGrp="1" noChangeAspect="1"/>
           </p:cNvPicPr>
-          <p:nvPr/>
+          <p:nvPr>
+            <p:ph sz="half" idx="2"/>
+          </p:nvPr>
         </p:nvPicPr>
         <p:blipFill rotWithShape="1">
           <a:blip r:embed="rId3">
@@ -7975,7 +7986,7 @@
               </a:ext>
             </a:extLst>
           </a:blip>
-          <a:srcRect t="5023" r="-4" b="8006"/>
+          <a:srcRect r="-4" b="13029"/>
           <a:stretch/>
         </p:blipFill>
         <p:spPr>
@@ -7990,10 +8001,10 @@
       </p:pic>
       <p:pic>
         <p:nvPicPr>
-          <p:cNvPr id="12" name="Immagine 11">
+          <p:cNvPr id="4" name="Immagine 3">
             <a:extLst>
               <a:ext uri="{FF2B5EF4-FFF2-40B4-BE49-F238E27FC236}">
-                <a16:creationId xmlns:a16="http://schemas.microsoft.com/office/drawing/2014/main" id="{A80E2C67-DAE8-4DBD-9952-B9D618F0D7D3}"/>
+                <a16:creationId xmlns:a16="http://schemas.microsoft.com/office/drawing/2014/main" id="{F0C0799D-613F-4AA4-997E-D14E4F4E1EBC}"/>
               </a:ext>
             </a:extLst>
           </p:cNvPr>
@@ -8010,7 +8021,7 @@
               </a:ext>
             </a:extLst>
           </a:blip>
-          <a:srcRect t="4879" r="-4" b="8150"/>
+          <a:srcRect r="-4" b="13029"/>
           <a:stretch/>
         </p:blipFill>
         <p:spPr>
@@ -8023,70 +8034,10 @@
           </a:prstGeom>
         </p:spPr>
       </p:pic>
-      <p:sp>
-        <p:nvSpPr>
-          <p:cNvPr id="2" name="Fumetto: rettangolo con angoli arrotondati 1">
-            <a:extLst>
-              <a:ext uri="{FF2B5EF4-FFF2-40B4-BE49-F238E27FC236}">
-                <a16:creationId xmlns:a16="http://schemas.microsoft.com/office/drawing/2014/main" id="{20E06728-F827-4703-A1C9-7E08B5FF0B6A}"/>
-              </a:ext>
-            </a:extLst>
-          </p:cNvPr>
-          <p:cNvSpPr/>
-          <p:nvPr/>
-        </p:nvSpPr>
-        <p:spPr>
-          <a:xfrm>
-            <a:off x="5234731" y="5515288"/>
-            <a:ext cx="2847557" cy="1156678"/>
-          </a:xfrm>
-          <a:prstGeom prst="wedgeRoundRectCallout">
-            <a:avLst>
-              <a:gd name="adj1" fmla="val 34852"/>
-              <a:gd name="adj2" fmla="val -90083"/>
-              <a:gd name="adj3" fmla="val 16667"/>
-            </a:avLst>
-          </a:prstGeom>
-          <a:solidFill>
-            <a:schemeClr val="accent2"/>
-          </a:solidFill>
-        </p:spPr>
-        <p:style>
-          <a:lnRef idx="2">
-            <a:schemeClr val="accent1">
-              <a:shade val="50000"/>
-            </a:schemeClr>
-          </a:lnRef>
-          <a:fillRef idx="1">
-            <a:schemeClr val="accent1"/>
-          </a:fillRef>
-          <a:effectRef idx="0">
-            <a:schemeClr val="accent1"/>
-          </a:effectRef>
-          <a:fontRef idx="minor">
-            <a:schemeClr val="lt1"/>
-          </a:fontRef>
-        </p:style>
-        <p:txBody>
-          <a:bodyPr rtlCol="0" anchor="t"/>
-          <a:lstStyle/>
-          <a:p>
-            <a:pPr algn="ctr"/>
-            <a:r>
-              <a:rPr lang="en-US" sz="1400" dirty="0"/>
-              <a:t>The plots are 2D but actually the dataset has 10 features, so decision boundaries are not visualized well.</a:t>
-            </a:r>
-          </a:p>
-          <a:p>
-            <a:pPr algn="ctr"/>
-            <a:endParaRPr lang="en-US" dirty="0"/>
-          </a:p>
-        </p:txBody>
-      </p:sp>
     </p:spTree>
     <p:extLst>
       <p:ext uri="{BB962C8B-B14F-4D97-AF65-F5344CB8AC3E}">
-        <p14:creationId xmlns:p14="http://schemas.microsoft.com/office/powerpoint/2010/main" val="3402406186"/>
+        <p14:creationId xmlns:p14="http://schemas.microsoft.com/office/powerpoint/2010/main" val="568158431"/>
       </p:ext>
     </p:extLst>
   </p:cSld>
@@ -8377,8 +8328,8 @@
           </a:p>
         </p:txBody>
       </p:sp>
-      <mc:AlternateContent xmlns:mc="http://schemas.openxmlformats.org/markup-compatibility/2006" xmlns:a14="http://schemas.microsoft.com/office/drawing/2010/main">
-        <mc:Choice Requires="a14">
+      <mc:AlternateContent xmlns:mc="http://schemas.openxmlformats.org/markup-compatibility/2006">
+        <mc:Choice xmlns:a14="http://schemas.microsoft.com/office/drawing/2010/main" Requires="a14">
           <p:sp>
             <p:nvSpPr>
               <p:cNvPr id="3" name="Segnaposto contenuto 2">
@@ -8578,7 +8529,7 @@
                 <a:pPr lvl="1"/>
                 <a:r>
                   <a:rPr lang="en-US" dirty="0"/>
-                  <a:t>Learn D one-dimensional distributions instead of one D-dimensional distribution</a:t>
+                  <a:t>Learn D one-dimensional distributions instead of one D-dimensional distribution (good when little data is available)</a:t>
                 </a:r>
               </a:p>
               <a:p>
@@ -8608,7 +8559,7 @@
             </p:txBody>
           </p:sp>
         </mc:Choice>
-        <mc:Fallback xmlns="">
+        <mc:Fallback>
           <p:sp>
             <p:nvSpPr>
               <p:cNvPr id="3" name="Segnaposto contenuto 2">
@@ -8744,7 +8695,15 @@
             <a:pPr lvl="1"/>
             <a:r>
               <a:rPr lang="en-US" dirty="0"/>
-              <a:t>2 correlated features</a:t>
+              <a:t>2 </a:t>
+            </a:r>
+            <a:r>
+              <a:rPr lang="en-US" b="1" dirty="0"/>
+              <a:t>correlated</a:t>
+            </a:r>
+            <a:r>
+              <a:rPr lang="en-US" dirty="0"/>
+              <a:t> features</a:t>
             </a:r>
           </a:p>
           <a:p>
@@ -8937,7 +8896,15 @@
             <a:pPr lvl="1"/>
             <a:r>
               <a:rPr lang="en-US" dirty="0"/>
-              <a:t>10 correlated features</a:t>
+              <a:t>10 </a:t>
+            </a:r>
+            <a:r>
+              <a:rPr lang="en-US" b="1" dirty="0"/>
+              <a:t>correlated</a:t>
+            </a:r>
+            <a:r>
+              <a:rPr lang="en-US" dirty="0"/>
+              <a:t> features</a:t>
             </a:r>
           </a:p>
           <a:p>
@@ -8977,41 +8944,6 @@
           </a:p>
         </p:txBody>
       </p:sp>
-      <p:pic>
-        <p:nvPicPr>
-          <p:cNvPr id="5" name="Segnaposto contenuto 4">
-            <a:extLst>
-              <a:ext uri="{FF2B5EF4-FFF2-40B4-BE49-F238E27FC236}">
-                <a16:creationId xmlns:a16="http://schemas.microsoft.com/office/drawing/2014/main" id="{76E67CDE-0887-42B0-9936-DACFE00EBE0D}"/>
-              </a:ext>
-            </a:extLst>
-          </p:cNvPr>
-          <p:cNvPicPr>
-            <a:picLocks noGrp="1" noChangeAspect="1"/>
-          </p:cNvPicPr>
-          <p:nvPr>
-            <p:ph sz="half" idx="2"/>
-          </p:nvPr>
-        </p:nvPicPr>
-        <p:blipFill>
-          <a:blip r:embed="rId2">
-            <a:extLst>
-              <a:ext uri="{28A0092B-C50C-407E-A947-70E740481C1C}">
-                <a14:useLocalDpi xmlns:a14="http://schemas.microsoft.com/office/drawing/2010/main" val="0"/>
-              </a:ext>
-            </a:extLst>
-          </a:blip>
-          <a:stretch>
-            <a:fillRect/>
-          </a:stretch>
-        </p:blipFill>
-        <p:spPr>
-          <a:xfrm>
-            <a:off x="6172200" y="2205831"/>
-            <a:ext cx="5334000" cy="4000500"/>
-          </a:xfrm>
-        </p:spPr>
-      </p:pic>
     </p:spTree>
     <p:extLst>
       <p:ext uri="{BB962C8B-B14F-4D97-AF65-F5344CB8AC3E}">
@@ -9145,76 +9077,6 @@
           </a:p>
         </p:txBody>
       </p:sp>
-      <p:pic>
-        <p:nvPicPr>
-          <p:cNvPr id="7" name="Segnaposto contenuto 8">
-            <a:extLst>
-              <a:ext uri="{FF2B5EF4-FFF2-40B4-BE49-F238E27FC236}">
-                <a16:creationId xmlns:a16="http://schemas.microsoft.com/office/drawing/2014/main" id="{E0847D8F-5158-45A0-ABD6-47164754EAE1}"/>
-              </a:ext>
-            </a:extLst>
-          </p:cNvPr>
-          <p:cNvPicPr>
-            <a:picLocks noChangeAspect="1"/>
-          </p:cNvPicPr>
-          <p:nvPr/>
-        </p:nvPicPr>
-        <p:blipFill rotWithShape="1">
-          <a:blip r:embed="rId2">
-            <a:extLst>
-              <a:ext uri="{28A0092B-C50C-407E-A947-70E740481C1C}">
-                <a14:useLocalDpi xmlns:a14="http://schemas.microsoft.com/office/drawing/2010/main" val="0"/>
-              </a:ext>
-            </a:extLst>
-          </a:blip>
-          <a:srcRect r="-4" b="13029"/>
-          <a:stretch/>
-        </p:blipFill>
-        <p:spPr>
-          <a:xfrm>
-            <a:off x="7861238" y="933693"/>
-            <a:ext cx="3644962" cy="2377440"/>
-          </a:xfrm>
-          <a:prstGeom prst="rect">
-            <a:avLst/>
-          </a:prstGeom>
-        </p:spPr>
-      </p:pic>
-      <p:pic>
-        <p:nvPicPr>
-          <p:cNvPr id="6" name="Segnaposto contenuto 4">
-            <a:extLst>
-              <a:ext uri="{FF2B5EF4-FFF2-40B4-BE49-F238E27FC236}">
-                <a16:creationId xmlns:a16="http://schemas.microsoft.com/office/drawing/2014/main" id="{5BCCCDC7-4FB7-4083-BF85-CA9DED6FA23B}"/>
-              </a:ext>
-            </a:extLst>
-          </p:cNvPr>
-          <p:cNvPicPr>
-            <a:picLocks noChangeAspect="1"/>
-          </p:cNvPicPr>
-          <p:nvPr/>
-        </p:nvPicPr>
-        <p:blipFill rotWithShape="1">
-          <a:blip r:embed="rId3">
-            <a:extLst>
-              <a:ext uri="{28A0092B-C50C-407E-A947-70E740481C1C}">
-                <a14:useLocalDpi xmlns:a14="http://schemas.microsoft.com/office/drawing/2010/main" val="0"/>
-              </a:ext>
-            </a:extLst>
-          </a:blip>
-          <a:srcRect t="4612" r="-4" b="8417"/>
-          <a:stretch/>
-        </p:blipFill>
-        <p:spPr>
-          <a:xfrm>
-            <a:off x="7861238" y="3588301"/>
-            <a:ext cx="3644962" cy="2377440"/>
-          </a:xfrm>
-          <a:prstGeom prst="rect">
-            <a:avLst/>
-          </a:prstGeom>
-        </p:spPr>
-      </p:pic>
     </p:spTree>
     <p:extLst>
       <p:ext uri="{BB962C8B-B14F-4D97-AF65-F5344CB8AC3E}">
@@ -9932,14 +9794,6 @@
 <file path=ppt/slides/slide9.xml><?xml version="1.0" encoding="utf-8"?>
 <p:sld xmlns:a="http://schemas.openxmlformats.org/drawingml/2006/main" xmlns:r="http://schemas.openxmlformats.org/officeDocument/2006/relationships" xmlns:p="http://schemas.openxmlformats.org/presentationml/2006/main">
   <p:cSld>
-    <p:bg>
-      <p:bgPr>
-        <a:solidFill>
-          <a:schemeClr val="bg1"/>
-        </a:solidFill>
-        <a:effectLst/>
-      </p:bgPr>
-    </p:bg>
     <p:spTree>
       <p:nvGrpSpPr>
         <p:cNvPr id="1" name=""/>
@@ -9954,51 +9808,6 @@
           <a:chExt cx="0" cy="0"/>
         </a:xfrm>
       </p:grpSpPr>
-      <p:pic>
-        <p:nvPicPr>
-          <p:cNvPr id="33" name="Picture 24">
-            <a:extLst>
-              <a:ext uri="{FF2B5EF4-FFF2-40B4-BE49-F238E27FC236}">
-                <a16:creationId xmlns:a16="http://schemas.microsoft.com/office/drawing/2014/main" id="{EE253802-2FE2-4F1F-B256-423BEF09FB90}"/>
-              </a:ext>
-              <a:ext uri="{C183D7F6-B498-43B3-948B-1728B52AA6E4}">
-                <adec:decorative xmlns:adec="http://schemas.microsoft.com/office/drawing/2017/decorative" val="1"/>
-              </a:ext>
-            </a:extLst>
-          </p:cNvPr>
-          <p:cNvPicPr>
-            <a:picLocks noGrp="1" noRot="1" noChangeAspect="1" noMove="1" noResize="1" noEditPoints="1" noAdjustHandles="1" noChangeArrowheads="1" noChangeShapeType="1" noCrop="1"/>
-          </p:cNvPicPr>
-          <p:nvPr>
-            <p:extLst>
-              <p:ext uri="{386F3935-93C4-4BCD-93E2-E3B085C9AB24}">
-                <p16:designElem xmlns:p16="http://schemas.microsoft.com/office/powerpoint/2015/main" val="1"/>
-              </p:ext>
-            </p:extLst>
-          </p:nvPr>
-        </p:nvPicPr>
-        <p:blipFill>
-          <a:blip r:embed="rId2">
-            <a:extLst>
-              <a:ext uri="{28A0092B-C50C-407E-A947-70E740481C1C}">
-                <a14:useLocalDpi xmlns:a14="http://schemas.microsoft.com/office/drawing/2010/main" val="0"/>
-              </a:ext>
-            </a:extLst>
-          </a:blip>
-          <a:stretch>
-            <a:fillRect/>
-          </a:stretch>
-        </p:blipFill>
-        <p:spPr>
-          <a:xfrm>
-            <a:off x="0" y="0"/>
-            <a:ext cx="12192000" cy="1441450"/>
-          </a:xfrm>
-          <a:prstGeom prst="rect">
-            <a:avLst/>
-          </a:prstGeom>
-        </p:spPr>
-      </p:pic>
       <p:sp>
         <p:nvSpPr>
           <p:cNvPr id="20" name="Titolo 19">
@@ -10015,27 +9824,13 @@
             <p:ph type="title"/>
           </p:nvPr>
         </p:nvSpPr>
-        <p:spPr>
-          <a:xfrm>
-            <a:off x="619760" y="764373"/>
-            <a:ext cx="6832600" cy="1293028"/>
-          </a:xfrm>
-        </p:spPr>
-        <p:txBody>
-          <a:bodyPr vert="horz" lIns="91440" tIns="45720" rIns="91440" bIns="45720" rtlCol="0" anchor="ctr">
-            <a:normAutofit/>
-          </a:bodyPr>
+        <p:spPr/>
+        <p:txBody>
+          <a:bodyPr/>
           <a:lstStyle/>
           <a:p>
             <a:r>
-              <a:rPr lang="en-US" sz="4000" b="1" kern="1200" cap="all" baseline="0" dirty="0">
-                <a:solidFill>
-                  <a:schemeClr val="tx1"/>
-                </a:solidFill>
-                <a:latin typeface="+mj-lt"/>
-                <a:ea typeface="+mj-ea"/>
-                <a:cs typeface="+mj-cs"/>
-              </a:rPr>
+              <a:rPr lang="en-US" b="1" dirty="0"/>
               <a:t>Decision trees (I)</a:t>
             </a:r>
           </a:p>
@@ -10057,27 +9852,15 @@
             <p:ph sz="half" idx="1"/>
           </p:nvPr>
         </p:nvSpPr>
-        <p:spPr>
-          <a:xfrm>
-            <a:off x="619760" y="2194560"/>
-            <a:ext cx="6832600" cy="4024125"/>
-          </a:xfrm>
-        </p:spPr>
-        <p:txBody>
-          <a:bodyPr vert="horz" lIns="91440" tIns="45720" rIns="91440" bIns="45720" rtlCol="0">
+        <p:spPr/>
+        <p:txBody>
+          <a:bodyPr>
             <a:normAutofit/>
           </a:bodyPr>
           <a:lstStyle/>
           <a:p>
             <a:r>
-              <a:rPr lang="en-US" kern="1200" dirty="0">
-                <a:solidFill>
-                  <a:schemeClr val="tx1"/>
-                </a:solidFill>
-                <a:latin typeface="+mn-lt"/>
-                <a:ea typeface="+mn-ea"/>
-                <a:cs typeface="+mn-cs"/>
-              </a:rPr>
+              <a:rPr lang="en-US" dirty="0"/>
               <a:t>Iris dataset</a:t>
             </a:r>
           </a:p>
@@ -10096,151 +9879,101 @@
             </a:r>
           </a:p>
           <a:p>
-            <a:endParaRPr lang="en-US" kern="1200" dirty="0">
-              <a:solidFill>
-                <a:schemeClr val="tx1"/>
-              </a:solidFill>
-              <a:latin typeface="+mn-lt"/>
-              <a:ea typeface="+mn-ea"/>
-              <a:cs typeface="+mn-cs"/>
-            </a:endParaRPr>
-          </a:p>
-          <a:p>
-            <a:r>
-              <a:rPr lang="en-US" kern="1200" dirty="0">
-                <a:solidFill>
-                  <a:schemeClr val="tx1"/>
-                </a:solidFill>
-                <a:latin typeface="+mn-lt"/>
-                <a:ea typeface="+mn-ea"/>
-                <a:cs typeface="+mn-cs"/>
-              </a:rPr>
-              <a:t>Accuracy</a:t>
-            </a:r>
+            <a:pPr lvl="1"/>
             <a:endParaRPr lang="en-US" dirty="0"/>
           </a:p>
           <a:p>
+            <a:r>
+              <a:rPr lang="en-US" dirty="0"/>
+              <a:t>Accuracy:</a:t>
+            </a:r>
+          </a:p>
+          <a:p>
             <a:pPr lvl="1"/>
             <a:r>
               <a:rPr lang="en-US" dirty="0"/>
-              <a:t>Without boosting: </a:t>
-            </a:r>
-            <a:r>
-              <a:rPr lang="en-US" kern="1200" dirty="0">
-                <a:solidFill>
-                  <a:schemeClr val="tx1"/>
-                </a:solidFill>
-                <a:latin typeface="+mn-lt"/>
-                <a:ea typeface="+mn-ea"/>
-                <a:cs typeface="+mn-cs"/>
-              </a:rPr>
-              <a:t>µ = 92.4, σ = 3.71</a:t>
+              <a:t>Without boosting: µ = 92.4, σ = 3.71</a:t>
             </a:r>
           </a:p>
           <a:p>
             <a:pPr lvl="1"/>
             <a:r>
-              <a:rPr lang="en-US" kern="1200" dirty="0">
-                <a:solidFill>
-                  <a:schemeClr val="tx1"/>
-                </a:solidFill>
-                <a:latin typeface="+mn-lt"/>
-                <a:ea typeface="+mn-ea"/>
-                <a:cs typeface="+mn-cs"/>
-              </a:rPr>
-              <a:t>With </a:t>
-            </a:r>
-            <a:r>
               <a:rPr lang="en-US" dirty="0"/>
-              <a:t>boosting: µ = 94.6, σ = 3.65</a:t>
-            </a:r>
-            <a:endParaRPr lang="en-US" kern="1200" dirty="0">
-              <a:solidFill>
-                <a:schemeClr val="tx1"/>
-              </a:solidFill>
-              <a:latin typeface="+mn-lt"/>
-              <a:ea typeface="+mn-ea"/>
-              <a:cs typeface="+mn-cs"/>
-            </a:endParaRPr>
-          </a:p>
-        </p:txBody>
-      </p:sp>
-      <p:pic>
-        <p:nvPicPr>
-          <p:cNvPr id="6" name="Segnaposto contenuto 5">
+              <a:t>With boosting: µ = 94.6, σ = 3.65</a:t>
+            </a:r>
+          </a:p>
+        </p:txBody>
+      </p:sp>
+      <p:sp>
+        <p:nvSpPr>
+          <p:cNvPr id="10" name="Segnaposto contenuto 9">
             <a:extLst>
               <a:ext uri="{FF2B5EF4-FFF2-40B4-BE49-F238E27FC236}">
-                <a16:creationId xmlns:a16="http://schemas.microsoft.com/office/drawing/2014/main" id="{344B735E-4B68-42C5-B621-CAFA8512334C}"/>
+                <a16:creationId xmlns:a16="http://schemas.microsoft.com/office/drawing/2014/main" id="{8B19D1E2-54E5-4FB6-977B-C874F4D9B1D5}"/>
               </a:ext>
             </a:extLst>
           </p:cNvPr>
-          <p:cNvPicPr>
-            <a:picLocks noGrp="1" noChangeAspect="1"/>
-          </p:cNvPicPr>
+          <p:cNvSpPr>
+            <a:spLocks noGrp="1"/>
+          </p:cNvSpPr>
           <p:nvPr>
             <p:ph sz="half" idx="2"/>
           </p:nvPr>
-        </p:nvPicPr>
-        <p:blipFill rotWithShape="1">
-          <a:blip r:embed="rId3">
-            <a:extLst>
-              <a:ext uri="{28A0092B-C50C-407E-A947-70E740481C1C}">
-                <a14:useLocalDpi xmlns:a14="http://schemas.microsoft.com/office/drawing/2010/main" val="0"/>
-              </a:ext>
-            </a:extLst>
-          </a:blip>
-          <a:srcRect r="-4" b="13029"/>
-          <a:stretch/>
-        </p:blipFill>
-        <p:spPr>
-          <a:xfrm>
-            <a:off x="7861238" y="933693"/>
-            <a:ext cx="3644962" cy="2377440"/>
-          </a:xfrm>
-          <a:prstGeom prst="rect">
-            <a:avLst/>
-          </a:prstGeom>
-        </p:spPr>
-      </p:pic>
-      <p:pic>
-        <p:nvPicPr>
-          <p:cNvPr id="4" name="Immagine 3">
-            <a:extLst>
-              <a:ext uri="{FF2B5EF4-FFF2-40B4-BE49-F238E27FC236}">
-                <a16:creationId xmlns:a16="http://schemas.microsoft.com/office/drawing/2014/main" id="{F0C0799D-613F-4AA4-997E-D14E4F4E1EBC}"/>
-              </a:ext>
-            </a:extLst>
-          </p:cNvPr>
-          <p:cNvPicPr>
-            <a:picLocks noChangeAspect="1"/>
-          </p:cNvPicPr>
-          <p:nvPr/>
-        </p:nvPicPr>
-        <p:blipFill rotWithShape="1">
-          <a:blip r:embed="rId4">
-            <a:extLst>
-              <a:ext uri="{28A0092B-C50C-407E-A947-70E740481C1C}">
-                <a14:useLocalDpi xmlns:a14="http://schemas.microsoft.com/office/drawing/2010/main" val="0"/>
-              </a:ext>
-            </a:extLst>
-          </a:blip>
-          <a:srcRect r="-4" b="13029"/>
-          <a:stretch/>
-        </p:blipFill>
-        <p:spPr>
-          <a:xfrm>
-            <a:off x="7861238" y="3588301"/>
-            <a:ext cx="3644962" cy="2377440"/>
-          </a:xfrm>
-          <a:prstGeom prst="rect">
-            <a:avLst/>
-          </a:prstGeom>
-        </p:spPr>
-      </p:pic>
+        </p:nvSpPr>
+        <p:spPr/>
+        <p:txBody>
+          <a:bodyPr/>
+          <a:lstStyle/>
+          <a:p>
+            <a:r>
+              <a:rPr lang="en-US" dirty="0"/>
+              <a:t>Vowel dataset</a:t>
+            </a:r>
+          </a:p>
+          <a:p>
+            <a:pPr lvl="1"/>
+            <a:r>
+              <a:rPr lang="en-US" dirty="0"/>
+              <a:t>10 correlated features</a:t>
+            </a:r>
+          </a:p>
+          <a:p>
+            <a:pPr lvl="1"/>
+            <a:r>
+              <a:rPr lang="en-US" dirty="0"/>
+              <a:t>11 classes</a:t>
+            </a:r>
+          </a:p>
+          <a:p>
+            <a:pPr lvl="1"/>
+            <a:endParaRPr lang="en-US" dirty="0"/>
+          </a:p>
+          <a:p>
+            <a:r>
+              <a:rPr lang="en-US" dirty="0"/>
+              <a:t>Accuracy:</a:t>
+            </a:r>
+          </a:p>
+          <a:p>
+            <a:pPr lvl="1"/>
+            <a:r>
+              <a:rPr lang="en-US" dirty="0"/>
+              <a:t>Without boosting: µ = 64.1, σ = 4</a:t>
+            </a:r>
+          </a:p>
+          <a:p>
+            <a:pPr lvl="1"/>
+            <a:r>
+              <a:rPr lang="en-US" dirty="0"/>
+              <a:t>With boosting: µ = 86.9, σ = 3.07</a:t>
+            </a:r>
+          </a:p>
+        </p:txBody>
+      </p:sp>
     </p:spTree>
     <p:extLst>
       <p:ext uri="{BB962C8B-B14F-4D97-AF65-F5344CB8AC3E}">
-        <p14:creationId xmlns:p14="http://schemas.microsoft.com/office/powerpoint/2010/main" val="568158431"/>
+        <p14:creationId xmlns:p14="http://schemas.microsoft.com/office/powerpoint/2010/main" val="3428520635"/>
       </p:ext>
     </p:extLst>
   </p:cSld>
